--- a/bionetgen/slides/CMW2022-Units&Compartments.pptx
+++ b/bionetgen/slides/CMW2022-Units&Compartments.pptx
@@ -16,9 +16,10 @@
     <p:sldId id="294" r:id="rId10"/>
     <p:sldId id="295" r:id="rId11"/>
     <p:sldId id="262" r:id="rId12"/>
-    <p:sldId id="263" r:id="rId13"/>
-    <p:sldId id="264" r:id="rId14"/>
-    <p:sldId id="274" r:id="rId15"/>
+    <p:sldId id="296" r:id="rId13"/>
+    <p:sldId id="263" r:id="rId14"/>
+    <p:sldId id="297" r:id="rId15"/>
+    <p:sldId id="264" r:id="rId16"/>
   </p:sldIdLst>
   <p:sldSz cx="12192000" cy="6858000"/>
   <p:notesSz cx="6858000" cy="9144000"/>
@@ -123,7 +124,7 @@
 <file path=ppt/revisionInfo.xml><?xml version="1.0" encoding="utf-8"?>
 <p1510:revInfo xmlns:a="http://schemas.openxmlformats.org/drawingml/2006/main" xmlns:r="http://schemas.openxmlformats.org/officeDocument/2006/relationships" xmlns:p1510="http://schemas.microsoft.com/office/powerpoint/2015/10/main">
   <p1510:revLst>
-    <p1510:client id="{87A6431D-4E62-DC4D-8753-02658E74FBD8}" v="167" dt="2022-07-11T12:25:21.659"/>
+    <p1510:client id="{87A6431D-4E62-DC4D-8753-02658E74FBD8}" v="813" dt="2022-07-11T13:30:00.169"/>
   </p1510:revLst>
 </p1510:revInfo>
 </file>
@@ -4576,58 +4577,31 @@
               <a:t>/</a:t>
             </a:r>
             <a:r>
+              <a:rPr lang="en-US" sz="1400" dirty="0" err="1">
+                <a:solidFill>
+                  <a:srgbClr val="9CDCFE"/>
+                </a:solidFill>
+                <a:latin typeface="Menlo" panose="020B0609030804020204" pitchFamily="49" charset="0"/>
+              </a:rPr>
+              <a:t>NaV</a:t>
+            </a:r>
+            <a:r>
               <a:rPr lang="en-US" sz="1400" dirty="0">
                 <a:solidFill>
                   <a:srgbClr val="B9A381"/>
                 </a:solidFill>
                 <a:latin typeface="Menlo" panose="020B0609030804020204" pitchFamily="49" charset="0"/>
               </a:rPr>
-              <a:t>(</a:t>
-            </a:r>
-            <a:r>
-              <a:rPr lang="en-US" sz="1400" dirty="0" err="1">
-                <a:solidFill>
-                  <a:srgbClr val="9CDCFE"/>
+              <a:t> </a:t>
+            </a:r>
+            <a:r>
+              <a:rPr lang="en-US" sz="1400" dirty="0">
+                <a:solidFill>
+                  <a:srgbClr val="707C6B"/>
                 </a:solidFill>
                 <a:latin typeface="Menlo" panose="020B0609030804020204" pitchFamily="49" charset="0"/>
               </a:rPr>
-              <a:t>NaV</a:t>
-            </a:r>
-            <a:r>
-              <a:rPr lang="en-US" sz="1400" dirty="0">
-                <a:solidFill>
-                  <a:srgbClr val="D4D4D4"/>
-                </a:solidFill>
-                <a:latin typeface="Menlo" panose="020B0609030804020204" pitchFamily="49" charset="0"/>
-              </a:rPr>
-              <a:t>*</a:t>
-            </a:r>
-            <a:r>
-              <a:rPr lang="en-US" sz="1400" dirty="0" err="1">
-                <a:solidFill>
-                  <a:srgbClr val="9CDCFE"/>
-                </a:solidFill>
-                <a:latin typeface="Menlo" panose="020B0609030804020204" pitchFamily="49" charset="0"/>
-              </a:rPr>
-              <a:t>Vec</a:t>
-            </a:r>
-            <a:r>
-              <a:rPr lang="en-US" sz="1400" dirty="0">
-                <a:solidFill>
-                  <a:srgbClr val="B9A381"/>
-                </a:solidFill>
-                <a:latin typeface="Menlo" panose="020B0609030804020204" pitchFamily="49" charset="0"/>
-              </a:rPr>
-              <a:t>) </a:t>
-            </a:r>
-            <a:r>
-              <a:rPr lang="en-US" sz="1400" dirty="0">
-                <a:solidFill>
-                  <a:srgbClr val="707C6B"/>
-                </a:solidFill>
-                <a:latin typeface="Menlo" panose="020B0609030804020204" pitchFamily="49" charset="0"/>
-              </a:rPr>
-              <a:t># Forward binding rate constant for L-R</a:t>
+              <a:t># Forward binding rate constant in um^3</a:t>
             </a:r>
             <a:endParaRPr lang="en-US" sz="1400" dirty="0">
               <a:solidFill>
@@ -4638,7 +4612,7 @@
           </a:p>
           <a:p>
             <a:r>
-              <a:rPr lang="en-US" sz="1400">
+              <a:rPr lang="en-US" sz="1400" dirty="0">
                 <a:solidFill>
                   <a:srgbClr val="9CDCFE"/>
                 </a:solidFill>
@@ -4647,7 +4621,7 @@
               <a:t>  km1</a:t>
             </a:r>
             <a:r>
-              <a:rPr lang="en-US" sz="1400">
+              <a:rPr lang="en-US" sz="1400" dirty="0">
                 <a:solidFill>
                   <a:srgbClr val="B9A381"/>
                 </a:solidFill>
@@ -5086,6 +5060,421 @@
           </p:sp>
         </mc:Fallback>
       </mc:AlternateContent>
+      <p:sp>
+        <p:nvSpPr>
+          <p:cNvPr id="35" name="TextBox 34">
+            <a:extLst>
+              <a:ext uri="{FF2B5EF4-FFF2-40B4-BE49-F238E27FC236}">
+                <a16:creationId xmlns:a16="http://schemas.microsoft.com/office/drawing/2014/main" id="{8AC6A08B-0F1D-EA3A-F9F7-F9E51D143CE0}"/>
+              </a:ext>
+            </a:extLst>
+          </p:cNvPr>
+          <p:cNvSpPr txBox="1"/>
+          <p:nvPr/>
+        </p:nvSpPr>
+        <p:spPr>
+          <a:xfrm>
+            <a:off x="5100319" y="4705646"/>
+            <a:ext cx="6553717" cy="461665"/>
+          </a:xfrm>
+          <a:prstGeom prst="rect">
+            <a:avLst/>
+          </a:prstGeom>
+          <a:noFill/>
+        </p:spPr>
+        <p:txBody>
+          <a:bodyPr wrap="none" rtlCol="0">
+            <a:spAutoFit/>
+          </a:bodyPr>
+          <a:lstStyle/>
+          <a:p>
+            <a:r>
+              <a:rPr lang="en-US" sz="2400" dirty="0"/>
+              <a:t>We also need to modify the binding rate in the rule</a:t>
+            </a:r>
+          </a:p>
+        </p:txBody>
+      </p:sp>
+      <p:sp>
+        <p:nvSpPr>
+          <p:cNvPr id="36" name="Rectangle 35">
+            <a:extLst>
+              <a:ext uri="{FF2B5EF4-FFF2-40B4-BE49-F238E27FC236}">
+                <a16:creationId xmlns:a16="http://schemas.microsoft.com/office/drawing/2014/main" id="{BAE1D3B9-BD52-9BCB-7287-0FBF38537D91}"/>
+              </a:ext>
+            </a:extLst>
+          </p:cNvPr>
+          <p:cNvSpPr/>
+          <p:nvPr/>
+        </p:nvSpPr>
+        <p:spPr>
+          <a:xfrm>
+            <a:off x="5457348" y="5310274"/>
+            <a:ext cx="6425506" cy="338554"/>
+          </a:xfrm>
+          <a:prstGeom prst="rect">
+            <a:avLst/>
+          </a:prstGeom>
+          <a:solidFill>
+            <a:schemeClr val="tx1"/>
+          </a:solidFill>
+        </p:spPr>
+        <p:txBody>
+          <a:bodyPr wrap="square">
+            <a:spAutoFit/>
+          </a:bodyPr>
+          <a:lstStyle/>
+          <a:p>
+            <a:r>
+              <a:rPr lang="en-US" sz="1600" b="0" dirty="0" err="1">
+                <a:solidFill>
+                  <a:srgbClr val="569CD6"/>
+                </a:solidFill>
+                <a:effectLst/>
+                <a:latin typeface="Menlo" panose="020B0609030804020204" pitchFamily="49" charset="0"/>
+              </a:rPr>
+              <a:t>lrbind</a:t>
+            </a:r>
+            <a:r>
+              <a:rPr lang="en-US" sz="1600" b="0" dirty="0">
+                <a:solidFill>
+                  <a:srgbClr val="569CD6"/>
+                </a:solidFill>
+                <a:effectLst/>
+                <a:latin typeface="Menlo" panose="020B0609030804020204" pitchFamily="49" charset="0"/>
+              </a:rPr>
+              <a:t>:</a:t>
+            </a:r>
+            <a:r>
+              <a:rPr lang="en-US" sz="1600" b="0" dirty="0">
+                <a:solidFill>
+                  <a:srgbClr val="B9A381"/>
+                </a:solidFill>
+                <a:effectLst/>
+                <a:latin typeface="Menlo" panose="020B0609030804020204" pitchFamily="49" charset="0"/>
+              </a:rPr>
+              <a:t> </a:t>
+            </a:r>
+            <a:r>
+              <a:rPr lang="en-US" sz="1600" b="0" dirty="0">
+                <a:solidFill>
+                  <a:srgbClr val="DADADA"/>
+                </a:solidFill>
+                <a:effectLst/>
+                <a:latin typeface="Menlo" panose="020B0609030804020204" pitchFamily="49" charset="0"/>
+              </a:rPr>
+              <a:t>L</a:t>
+            </a:r>
+            <a:r>
+              <a:rPr lang="en-US" sz="1600" b="0" dirty="0">
+                <a:solidFill>
+                  <a:srgbClr val="B9A381"/>
+                </a:solidFill>
+                <a:effectLst/>
+                <a:latin typeface="Menlo" panose="020B0609030804020204" pitchFamily="49" charset="0"/>
+              </a:rPr>
+              <a:t>(</a:t>
+            </a:r>
+            <a:r>
+              <a:rPr lang="en-US" sz="1600" b="0" dirty="0">
+                <a:solidFill>
+                  <a:srgbClr val="76DB87"/>
+                </a:solidFill>
+                <a:effectLst/>
+                <a:latin typeface="Menlo" panose="020B0609030804020204" pitchFamily="49" charset="0"/>
+              </a:rPr>
+              <a:t>r</a:t>
+            </a:r>
+            <a:r>
+              <a:rPr lang="en-US" sz="1600" b="0" dirty="0">
+                <a:solidFill>
+                  <a:srgbClr val="B9A381"/>
+                </a:solidFill>
+                <a:effectLst/>
+                <a:latin typeface="Menlo" panose="020B0609030804020204" pitchFamily="49" charset="0"/>
+              </a:rPr>
+              <a:t>) </a:t>
+            </a:r>
+            <a:r>
+              <a:rPr lang="en-US" sz="1600" b="0" dirty="0">
+                <a:solidFill>
+                  <a:srgbClr val="9E5482"/>
+                </a:solidFill>
+                <a:effectLst/>
+                <a:latin typeface="Menlo" panose="020B0609030804020204" pitchFamily="49" charset="0"/>
+              </a:rPr>
+              <a:t>+</a:t>
+            </a:r>
+            <a:r>
+              <a:rPr lang="en-US" sz="1600" b="0" dirty="0">
+                <a:solidFill>
+                  <a:srgbClr val="B9A381"/>
+                </a:solidFill>
+                <a:effectLst/>
+                <a:latin typeface="Menlo" panose="020B0609030804020204" pitchFamily="49" charset="0"/>
+              </a:rPr>
+              <a:t> </a:t>
+            </a:r>
+            <a:r>
+              <a:rPr lang="en-US" sz="1600" b="0" dirty="0">
+                <a:solidFill>
+                  <a:srgbClr val="DADADA"/>
+                </a:solidFill>
+                <a:effectLst/>
+                <a:latin typeface="Menlo" panose="020B0609030804020204" pitchFamily="49" charset="0"/>
+              </a:rPr>
+              <a:t>R</a:t>
+            </a:r>
+            <a:r>
+              <a:rPr lang="en-US" sz="1600" b="0" dirty="0">
+                <a:solidFill>
+                  <a:srgbClr val="B9A381"/>
+                </a:solidFill>
+                <a:effectLst/>
+                <a:latin typeface="Menlo" panose="020B0609030804020204" pitchFamily="49" charset="0"/>
+              </a:rPr>
+              <a:t>(</a:t>
+            </a:r>
+            <a:r>
+              <a:rPr lang="en-US" sz="1600" b="0" dirty="0">
+                <a:solidFill>
+                  <a:srgbClr val="76DB87"/>
+                </a:solidFill>
+                <a:effectLst/>
+                <a:latin typeface="Menlo" panose="020B0609030804020204" pitchFamily="49" charset="0"/>
+              </a:rPr>
+              <a:t>l</a:t>
+            </a:r>
+            <a:r>
+              <a:rPr lang="en-US" sz="1600" b="0" dirty="0">
+                <a:solidFill>
+                  <a:srgbClr val="B9A381"/>
+                </a:solidFill>
+                <a:effectLst/>
+                <a:latin typeface="Menlo" panose="020B0609030804020204" pitchFamily="49" charset="0"/>
+              </a:rPr>
+              <a:t>) </a:t>
+            </a:r>
+            <a:r>
+              <a:rPr lang="en-US" sz="1600" b="0" dirty="0">
+                <a:solidFill>
+                  <a:srgbClr val="9E5482"/>
+                </a:solidFill>
+                <a:effectLst/>
+                <a:latin typeface="Menlo" panose="020B0609030804020204" pitchFamily="49" charset="0"/>
+              </a:rPr>
+              <a:t>&lt;-&gt;</a:t>
+            </a:r>
+            <a:r>
+              <a:rPr lang="en-US" sz="1600" b="0" dirty="0">
+                <a:solidFill>
+                  <a:srgbClr val="B9A381"/>
+                </a:solidFill>
+                <a:effectLst/>
+                <a:latin typeface="Menlo" panose="020B0609030804020204" pitchFamily="49" charset="0"/>
+              </a:rPr>
+              <a:t> </a:t>
+            </a:r>
+            <a:r>
+              <a:rPr lang="en-US" sz="1600" b="0" dirty="0">
+                <a:solidFill>
+                  <a:srgbClr val="DADADA"/>
+                </a:solidFill>
+                <a:effectLst/>
+                <a:latin typeface="Menlo" panose="020B0609030804020204" pitchFamily="49" charset="0"/>
+              </a:rPr>
+              <a:t>L</a:t>
+            </a:r>
+            <a:r>
+              <a:rPr lang="en-US" sz="1600" b="0" dirty="0">
+                <a:solidFill>
+                  <a:srgbClr val="B9A381"/>
+                </a:solidFill>
+                <a:effectLst/>
+                <a:latin typeface="Menlo" panose="020B0609030804020204" pitchFamily="49" charset="0"/>
+              </a:rPr>
+              <a:t>(</a:t>
+            </a:r>
+            <a:r>
+              <a:rPr lang="en-US" sz="1600" b="0" dirty="0">
+                <a:solidFill>
+                  <a:srgbClr val="76DB87"/>
+                </a:solidFill>
+                <a:effectLst/>
+                <a:latin typeface="Menlo" panose="020B0609030804020204" pitchFamily="49" charset="0"/>
+              </a:rPr>
+              <a:t>r</a:t>
+            </a:r>
+            <a:r>
+              <a:rPr lang="en-US" sz="1600" b="0" dirty="0">
+                <a:solidFill>
+                  <a:srgbClr val="569CD6"/>
+                </a:solidFill>
+                <a:effectLst/>
+                <a:latin typeface="Menlo" panose="020B0609030804020204" pitchFamily="49" charset="0"/>
+              </a:rPr>
+              <a:t>!</a:t>
+            </a:r>
+            <a:r>
+              <a:rPr lang="en-US" sz="1600" b="0" dirty="0">
+                <a:solidFill>
+                  <a:srgbClr val="99CA8D"/>
+                </a:solidFill>
+                <a:effectLst/>
+                <a:latin typeface="Menlo" panose="020B0609030804020204" pitchFamily="49" charset="0"/>
+              </a:rPr>
+              <a:t>1</a:t>
+            </a:r>
+            <a:r>
+              <a:rPr lang="en-US" sz="1600" b="0" dirty="0">
+                <a:solidFill>
+                  <a:srgbClr val="B9A381"/>
+                </a:solidFill>
+                <a:effectLst/>
+                <a:latin typeface="Menlo" panose="020B0609030804020204" pitchFamily="49" charset="0"/>
+              </a:rPr>
+              <a:t>)</a:t>
+            </a:r>
+            <a:r>
+              <a:rPr lang="en-US" sz="1600" b="0" dirty="0">
+                <a:solidFill>
+                  <a:srgbClr val="9E5482"/>
+                </a:solidFill>
+                <a:effectLst/>
+                <a:latin typeface="Menlo" panose="020B0609030804020204" pitchFamily="49" charset="0"/>
+              </a:rPr>
+              <a:t>.</a:t>
+            </a:r>
+            <a:r>
+              <a:rPr lang="en-US" sz="1600" b="0" dirty="0">
+                <a:solidFill>
+                  <a:srgbClr val="DADADA"/>
+                </a:solidFill>
+                <a:effectLst/>
+                <a:latin typeface="Menlo" panose="020B0609030804020204" pitchFamily="49" charset="0"/>
+              </a:rPr>
+              <a:t>R</a:t>
+            </a:r>
+            <a:r>
+              <a:rPr lang="en-US" sz="1600" b="0" dirty="0">
+                <a:solidFill>
+                  <a:srgbClr val="B9A381"/>
+                </a:solidFill>
+                <a:effectLst/>
+                <a:latin typeface="Menlo" panose="020B0609030804020204" pitchFamily="49" charset="0"/>
+              </a:rPr>
+              <a:t>(</a:t>
+            </a:r>
+            <a:r>
+              <a:rPr lang="en-US" sz="1600" b="0" dirty="0">
+                <a:solidFill>
+                  <a:srgbClr val="76DB87"/>
+                </a:solidFill>
+                <a:effectLst/>
+                <a:latin typeface="Menlo" panose="020B0609030804020204" pitchFamily="49" charset="0"/>
+              </a:rPr>
+              <a:t>l</a:t>
+            </a:r>
+            <a:r>
+              <a:rPr lang="en-US" sz="1600" b="0" dirty="0">
+                <a:solidFill>
+                  <a:srgbClr val="569CD6"/>
+                </a:solidFill>
+                <a:effectLst/>
+                <a:latin typeface="Menlo" panose="020B0609030804020204" pitchFamily="49" charset="0"/>
+              </a:rPr>
+              <a:t>!</a:t>
+            </a:r>
+            <a:r>
+              <a:rPr lang="en-US" sz="1600" b="0" dirty="0">
+                <a:solidFill>
+                  <a:srgbClr val="99CA8D"/>
+                </a:solidFill>
+                <a:effectLst/>
+                <a:latin typeface="Menlo" panose="020B0609030804020204" pitchFamily="49" charset="0"/>
+              </a:rPr>
+              <a:t>1</a:t>
+            </a:r>
+            <a:r>
+              <a:rPr lang="en-US" sz="1600" b="0" dirty="0">
+                <a:solidFill>
+                  <a:srgbClr val="B9A381"/>
+                </a:solidFill>
+                <a:effectLst/>
+                <a:latin typeface="Menlo" panose="020B0609030804020204" pitchFamily="49" charset="0"/>
+              </a:rPr>
+              <a:t>) </a:t>
+            </a:r>
+            <a:r>
+              <a:rPr lang="en-US" sz="1600" b="0" dirty="0">
+                <a:solidFill>
+                  <a:srgbClr val="9CDCFE"/>
+                </a:solidFill>
+                <a:effectLst/>
+                <a:latin typeface="Menlo" panose="020B0609030804020204" pitchFamily="49" charset="0"/>
+              </a:rPr>
+              <a:t>kp1</a:t>
+            </a:r>
+            <a:r>
+              <a:rPr lang="en-US" sz="1600" b="0" dirty="0">
+                <a:solidFill>
+                  <a:srgbClr val="D4D4D4"/>
+                </a:solidFill>
+                <a:effectLst/>
+                <a:latin typeface="Menlo" panose="020B0609030804020204" pitchFamily="49" charset="0"/>
+              </a:rPr>
+              <a:t>/</a:t>
+            </a:r>
+            <a:r>
+              <a:rPr lang="en-US" sz="1600" b="0" dirty="0" err="1">
+                <a:solidFill>
+                  <a:srgbClr val="9CDCFE"/>
+                </a:solidFill>
+                <a:effectLst/>
+                <a:latin typeface="Menlo" panose="020B0609030804020204" pitchFamily="49" charset="0"/>
+              </a:rPr>
+              <a:t>Vec</a:t>
+            </a:r>
+            <a:r>
+              <a:rPr lang="en-US" sz="1600" b="0" dirty="0">
+                <a:solidFill>
+                  <a:srgbClr val="9E5482"/>
+                </a:solidFill>
+                <a:effectLst/>
+                <a:latin typeface="Menlo" panose="020B0609030804020204" pitchFamily="49" charset="0"/>
+              </a:rPr>
+              <a:t>,</a:t>
+            </a:r>
+            <a:r>
+              <a:rPr lang="en-US" sz="1600" b="0" dirty="0">
+                <a:solidFill>
+                  <a:srgbClr val="B9A381"/>
+                </a:solidFill>
+                <a:effectLst/>
+                <a:latin typeface="Menlo" panose="020B0609030804020204" pitchFamily="49" charset="0"/>
+              </a:rPr>
+              <a:t> </a:t>
+            </a:r>
+            <a:r>
+              <a:rPr lang="en-US" sz="1600" b="0" dirty="0">
+                <a:solidFill>
+                  <a:srgbClr val="9CDCFE"/>
+                </a:solidFill>
+                <a:effectLst/>
+                <a:latin typeface="Menlo" panose="020B0609030804020204" pitchFamily="49" charset="0"/>
+              </a:rPr>
+              <a:t>km1</a:t>
+            </a:r>
+            <a:endParaRPr lang="en-US" sz="1600" b="0" dirty="0">
+              <a:solidFill>
+                <a:srgbClr val="B9A381"/>
+              </a:solidFill>
+              <a:effectLst/>
+              <a:latin typeface="Menlo" panose="020B0609030804020204" pitchFamily="49" charset="0"/>
+            </a:endParaRPr>
+          </a:p>
+        </p:txBody>
+      </p:sp>
     </p:spTree>
     <p:extLst>
       <p:ext uri="{BB962C8B-B14F-4D97-AF65-F5344CB8AC3E}">
@@ -5266,6 +5655,78 @@
                       </p:childTnLst>
                     </p:cTn>
                   </p:par>
+                  <p:par>
+                    <p:cTn id="17" fill="hold">
+                      <p:stCondLst>
+                        <p:cond delay="indefinite"/>
+                      </p:stCondLst>
+                      <p:childTnLst>
+                        <p:par>
+                          <p:cTn id="18" fill="hold">
+                            <p:stCondLst>
+                              <p:cond delay="0"/>
+                            </p:stCondLst>
+                            <p:childTnLst>
+                              <p:par>
+                                <p:cTn id="19" presetID="1" presetClass="entr" presetSubtype="0" fill="hold" grpId="0" nodeType="clickEffect">
+                                  <p:stCondLst>
+                                    <p:cond delay="0"/>
+                                  </p:stCondLst>
+                                  <p:childTnLst>
+                                    <p:set>
+                                      <p:cBhvr>
+                                        <p:cTn id="20" dur="1" fill="hold">
+                                          <p:stCondLst>
+                                            <p:cond delay="0"/>
+                                          </p:stCondLst>
+                                        </p:cTn>
+                                        <p:tgtEl>
+                                          <p:spTgt spid="35"/>
+                                        </p:tgtEl>
+                                        <p:attrNameLst>
+                                          <p:attrName>style.visibility</p:attrName>
+                                        </p:attrNameLst>
+                                      </p:cBhvr>
+                                      <p:to>
+                                        <p:strVal val="visible"/>
+                                      </p:to>
+                                    </p:set>
+                                  </p:childTnLst>
+                                </p:cTn>
+                              </p:par>
+                              <p:par>
+                                <p:cTn id="21" presetID="1" presetClass="entr" presetSubtype="0" fill="hold" grpId="0" nodeType="withEffect">
+                                  <p:stCondLst>
+                                    <p:cond delay="0"/>
+                                  </p:stCondLst>
+                                  <p:childTnLst>
+                                    <p:set>
+                                      <p:cBhvr>
+                                        <p:cTn id="22" dur="1" fill="hold">
+                                          <p:stCondLst>
+                                            <p:cond delay="0"/>
+                                          </p:stCondLst>
+                                        </p:cTn>
+                                        <p:tgtEl>
+                                          <p:spTgt spid="36"/>
+                                        </p:tgtEl>
+                                        <p:attrNameLst>
+                                          <p:attrName>style.visibility</p:attrName>
+                                        </p:attrNameLst>
+                                      </p:cBhvr>
+                                      <p:to>
+                                        <p:strVal val="visible"/>
+                                      </p:to>
+                                    </p:set>
+                                  </p:childTnLst>
+                                </p:cTn>
+                              </p:par>
+                            </p:childTnLst>
+                          </p:cTn>
+                        </p:par>
+                      </p:childTnLst>
+                    </p:cTn>
+                  </p:par>
                 </p:childTnLst>
               </p:cTn>
               <p:prevCondLst>
@@ -5292,6 +5753,8 @@
       <p:bldP spid="32" grpId="0" animBg="1"/>
       <p:bldP spid="33" grpId="0"/>
       <p:bldP spid="34" grpId="0"/>
+      <p:bldP spid="35" grpId="0"/>
+      <p:bldP spid="36" grpId="0" animBg="1"/>
     </p:bldLst>
   </p:timing>
 </p:sld>
@@ -6559,6 +7022,2374 @@
       </p:grpSpPr>
       <p:sp>
         <p:nvSpPr>
+          <p:cNvPr id="2" name="Title 1">
+            <a:extLst>
+              <a:ext uri="{FF2B5EF4-FFF2-40B4-BE49-F238E27FC236}">
+                <a16:creationId xmlns:a16="http://schemas.microsoft.com/office/drawing/2014/main" id="{AF1E4F3B-2D72-BA08-3DAD-D8BF5EDD2EDF}"/>
+              </a:ext>
+            </a:extLst>
+          </p:cNvPr>
+          <p:cNvSpPr>
+            <a:spLocks noGrp="1"/>
+          </p:cNvSpPr>
+          <p:nvPr>
+            <p:ph type="title"/>
+          </p:nvPr>
+        </p:nvSpPr>
+        <p:spPr/>
+        <p:txBody>
+          <a:bodyPr/>
+          <a:lstStyle/>
+          <a:p>
+            <a:r>
+              <a:rPr lang="en-US" dirty="0"/>
+              <a:t>Returning to our dimerization model</a:t>
+            </a:r>
+          </a:p>
+        </p:txBody>
+      </p:sp>
+      <p:grpSp>
+        <p:nvGrpSpPr>
+          <p:cNvPr id="3" name="Group 2">
+            <a:extLst>
+              <a:ext uri="{FF2B5EF4-FFF2-40B4-BE49-F238E27FC236}">
+                <a16:creationId xmlns:a16="http://schemas.microsoft.com/office/drawing/2014/main" id="{B72E0177-5CB7-24FA-B6BC-21BAF096EF91}"/>
+              </a:ext>
+            </a:extLst>
+          </p:cNvPr>
+          <p:cNvGrpSpPr/>
+          <p:nvPr/>
+        </p:nvGrpSpPr>
+        <p:grpSpPr>
+          <a:xfrm>
+            <a:off x="838200" y="1879602"/>
+            <a:ext cx="3561080" cy="2642122"/>
+            <a:chOff x="4948555" y="3436882"/>
+            <a:chExt cx="3561080" cy="2483432"/>
+          </a:xfrm>
+        </p:grpSpPr>
+        <p:grpSp>
+          <p:nvGrpSpPr>
+            <p:cNvPr id="4" name="Group 3">
+              <a:extLst>
+                <a:ext uri="{FF2B5EF4-FFF2-40B4-BE49-F238E27FC236}">
+                  <a16:creationId xmlns:a16="http://schemas.microsoft.com/office/drawing/2014/main" id="{AAD636F9-CDDD-4A0D-554F-3CE9C8502714}"/>
+                </a:ext>
+              </a:extLst>
+            </p:cNvPr>
+            <p:cNvGrpSpPr/>
+            <p:nvPr/>
+          </p:nvGrpSpPr>
+          <p:grpSpPr>
+            <a:xfrm>
+              <a:off x="4948555" y="3436882"/>
+              <a:ext cx="3561080" cy="2483432"/>
+              <a:chOff x="4867062" y="3596649"/>
+              <a:chExt cx="3052521" cy="1921031"/>
+            </a:xfrm>
+          </p:grpSpPr>
+          <p:sp>
+            <p:nvSpPr>
+              <p:cNvPr id="20" name="Rectangle 19">
+                <a:extLst>
+                  <a:ext uri="{FF2B5EF4-FFF2-40B4-BE49-F238E27FC236}">
+                    <a16:creationId xmlns:a16="http://schemas.microsoft.com/office/drawing/2014/main" id="{7B9B19FF-D3BE-4297-A8C6-55FBF187E5E3}"/>
+                  </a:ext>
+                </a:extLst>
+              </p:cNvPr>
+              <p:cNvSpPr/>
+              <p:nvPr/>
+            </p:nvSpPr>
+            <p:spPr>
+              <a:xfrm>
+                <a:off x="4867062" y="3596649"/>
+                <a:ext cx="3052521" cy="1921031"/>
+              </a:xfrm>
+              <a:prstGeom prst="rect">
+                <a:avLst/>
+              </a:prstGeom>
+              <a:solidFill>
+                <a:schemeClr val="bg1">
+                  <a:lumMod val="75000"/>
+                </a:schemeClr>
+              </a:solidFill>
+              <a:ln>
+                <a:noFill/>
+              </a:ln>
+            </p:spPr>
+            <p:style>
+              <a:lnRef idx="1">
+                <a:schemeClr val="accent1"/>
+              </a:lnRef>
+              <a:fillRef idx="3">
+                <a:schemeClr val="accent1"/>
+              </a:fillRef>
+              <a:effectRef idx="2">
+                <a:schemeClr val="accent1"/>
+              </a:effectRef>
+              <a:fontRef idx="minor">
+                <a:schemeClr val="lt1"/>
+              </a:fontRef>
+            </p:style>
+            <p:txBody>
+              <a:bodyPr rtlCol="0" anchor="ctr"/>
+              <a:lstStyle/>
+              <a:p>
+                <a:pPr algn="ctr"/>
+                <a:endParaRPr lang="en-US"/>
+              </a:p>
+            </p:txBody>
+          </p:sp>
+          <p:sp>
+            <p:nvSpPr>
+              <p:cNvPr id="21" name="TextBox 20">
+                <a:extLst>
+                  <a:ext uri="{FF2B5EF4-FFF2-40B4-BE49-F238E27FC236}">
+                    <a16:creationId xmlns:a16="http://schemas.microsoft.com/office/drawing/2014/main" id="{3AC741E7-1C80-CA01-6C85-92CED39DACF9}"/>
+                  </a:ext>
+                </a:extLst>
+              </p:cNvPr>
+              <p:cNvSpPr txBox="1"/>
+              <p:nvPr/>
+            </p:nvSpPr>
+            <p:spPr>
+              <a:xfrm>
+                <a:off x="5000728" y="4041294"/>
+                <a:ext cx="183394" cy="215444"/>
+              </a:xfrm>
+              <a:prstGeom prst="rect">
+                <a:avLst/>
+              </a:prstGeom>
+              <a:noFill/>
+            </p:spPr>
+            <p:txBody>
+              <a:bodyPr wrap="none" lIns="0" tIns="0" rIns="0" bIns="0" rtlCol="0">
+                <a:spAutoFit/>
+              </a:bodyPr>
+              <a:lstStyle/>
+              <a:p>
+                <a:r>
+                  <a:rPr lang="en-US" sz="1400" dirty="0"/>
+                  <a:t>EC</a:t>
+                </a:r>
+              </a:p>
+            </p:txBody>
+          </p:sp>
+        </p:grpSp>
+        <p:sp>
+          <p:nvSpPr>
+            <p:cNvPr id="5" name="Oval 4">
+              <a:extLst>
+                <a:ext uri="{FF2B5EF4-FFF2-40B4-BE49-F238E27FC236}">
+                  <a16:creationId xmlns:a16="http://schemas.microsoft.com/office/drawing/2014/main" id="{1852403C-3AFD-49E1-8371-D0EC1184F444}"/>
+                </a:ext>
+              </a:extLst>
+            </p:cNvPr>
+            <p:cNvSpPr/>
+            <p:nvPr/>
+          </p:nvSpPr>
+          <p:spPr>
+            <a:xfrm>
+              <a:off x="5092425" y="4035038"/>
+              <a:ext cx="2658822" cy="1777551"/>
+            </a:xfrm>
+            <a:prstGeom prst="ellipse">
+              <a:avLst/>
+            </a:prstGeom>
+            <a:solidFill>
+              <a:schemeClr val="tx2">
+                <a:lumMod val="20000"/>
+                <a:lumOff val="80000"/>
+              </a:schemeClr>
+            </a:solidFill>
+            <a:ln>
+              <a:solidFill>
+                <a:schemeClr val="tx2"/>
+              </a:solidFill>
+            </a:ln>
+          </p:spPr>
+          <p:style>
+            <a:lnRef idx="1">
+              <a:schemeClr val="accent1"/>
+            </a:lnRef>
+            <a:fillRef idx="3">
+              <a:schemeClr val="accent1"/>
+            </a:fillRef>
+            <a:effectRef idx="2">
+              <a:schemeClr val="accent1"/>
+            </a:effectRef>
+            <a:fontRef idx="minor">
+              <a:schemeClr val="lt1"/>
+            </a:fontRef>
+          </p:style>
+          <p:txBody>
+            <a:bodyPr rtlCol="0" anchor="ctr"/>
+            <a:lstStyle/>
+            <a:p>
+              <a:pPr algn="ctr"/>
+              <a:endParaRPr lang="en-US"/>
+            </a:p>
+          </p:txBody>
+        </p:sp>
+        <p:grpSp>
+          <p:nvGrpSpPr>
+            <p:cNvPr id="6" name="Group 5">
+              <a:extLst>
+                <a:ext uri="{FF2B5EF4-FFF2-40B4-BE49-F238E27FC236}">
+                  <a16:creationId xmlns:a16="http://schemas.microsoft.com/office/drawing/2014/main" id="{966E5BB2-6B12-CD29-63E5-C6EF1CC7BC92}"/>
+                </a:ext>
+              </a:extLst>
+            </p:cNvPr>
+            <p:cNvGrpSpPr/>
+            <p:nvPr/>
+          </p:nvGrpSpPr>
+          <p:grpSpPr>
+            <a:xfrm>
+              <a:off x="5235255" y="4022526"/>
+              <a:ext cx="2415895" cy="1645294"/>
+              <a:chOff x="5235256" y="4022526"/>
+              <a:chExt cx="1918353" cy="1326731"/>
+            </a:xfrm>
+          </p:grpSpPr>
+          <p:sp>
+            <p:nvSpPr>
+              <p:cNvPr id="17" name="Oval 16">
+                <a:extLst>
+                  <a:ext uri="{FF2B5EF4-FFF2-40B4-BE49-F238E27FC236}">
+                    <a16:creationId xmlns:a16="http://schemas.microsoft.com/office/drawing/2014/main" id="{2EAE2D0A-9B11-4B79-342B-E1EB3739E163}"/>
+                  </a:ext>
+                </a:extLst>
+              </p:cNvPr>
+              <p:cNvSpPr/>
+              <p:nvPr/>
+            </p:nvSpPr>
+            <p:spPr>
+              <a:xfrm>
+                <a:off x="5235256" y="4193550"/>
+                <a:ext cx="1918353" cy="1155707"/>
+              </a:xfrm>
+              <a:prstGeom prst="ellipse">
+                <a:avLst/>
+              </a:prstGeom>
+              <a:solidFill>
+                <a:schemeClr val="accent5">
+                  <a:lumMod val="20000"/>
+                  <a:lumOff val="80000"/>
+                </a:schemeClr>
+              </a:solidFill>
+              <a:ln>
+                <a:solidFill>
+                  <a:schemeClr val="tx2"/>
+                </a:solidFill>
+              </a:ln>
+            </p:spPr>
+            <p:style>
+              <a:lnRef idx="1">
+                <a:schemeClr val="accent1"/>
+              </a:lnRef>
+              <a:fillRef idx="3">
+                <a:schemeClr val="accent1"/>
+              </a:fillRef>
+              <a:effectRef idx="2">
+                <a:schemeClr val="accent1"/>
+              </a:effectRef>
+              <a:fontRef idx="minor">
+                <a:schemeClr val="lt1"/>
+              </a:fontRef>
+            </p:style>
+            <p:txBody>
+              <a:bodyPr rtlCol="0" anchor="ctr"/>
+              <a:lstStyle/>
+              <a:p>
+                <a:pPr algn="ctr"/>
+                <a:endParaRPr lang="en-US"/>
+              </a:p>
+            </p:txBody>
+          </p:sp>
+          <p:sp>
+            <p:nvSpPr>
+              <p:cNvPr id="18" name="TextBox 17">
+                <a:extLst>
+                  <a:ext uri="{FF2B5EF4-FFF2-40B4-BE49-F238E27FC236}">
+                    <a16:creationId xmlns:a16="http://schemas.microsoft.com/office/drawing/2014/main" id="{692F840A-F5A8-3E86-702C-08947736F909}"/>
+                  </a:ext>
+                </a:extLst>
+              </p:cNvPr>
+              <p:cNvSpPr txBox="1"/>
+              <p:nvPr/>
+            </p:nvSpPr>
+            <p:spPr>
+              <a:xfrm>
+                <a:off x="6060256" y="4022526"/>
+                <a:ext cx="246249" cy="215444"/>
+              </a:xfrm>
+              <a:prstGeom prst="rect">
+                <a:avLst/>
+              </a:prstGeom>
+              <a:noFill/>
+            </p:spPr>
+            <p:txBody>
+              <a:bodyPr wrap="none" lIns="0" tIns="0" rIns="0" bIns="0" rtlCol="0">
+                <a:spAutoFit/>
+              </a:bodyPr>
+              <a:lstStyle/>
+              <a:p>
+                <a:r>
+                  <a:rPr lang="en-US" sz="1400" dirty="0"/>
+                  <a:t>PM</a:t>
+                </a:r>
+              </a:p>
+            </p:txBody>
+          </p:sp>
+          <p:sp>
+            <p:nvSpPr>
+              <p:cNvPr id="19" name="TextBox 18">
+                <a:extLst>
+                  <a:ext uri="{FF2B5EF4-FFF2-40B4-BE49-F238E27FC236}">
+                    <a16:creationId xmlns:a16="http://schemas.microsoft.com/office/drawing/2014/main" id="{36E2966E-9A02-7063-854E-6D1B220A824C}"/>
+                  </a:ext>
+                </a:extLst>
+              </p:cNvPr>
+              <p:cNvSpPr txBox="1"/>
+              <p:nvPr/>
+            </p:nvSpPr>
+            <p:spPr>
+              <a:xfrm>
+                <a:off x="6075420" y="4217792"/>
+                <a:ext cx="188478" cy="215444"/>
+              </a:xfrm>
+              <a:prstGeom prst="rect">
+                <a:avLst/>
+              </a:prstGeom>
+              <a:noFill/>
+            </p:spPr>
+            <p:txBody>
+              <a:bodyPr wrap="none" lIns="0" tIns="0" rIns="0" bIns="0" rtlCol="0">
+                <a:spAutoFit/>
+              </a:bodyPr>
+              <a:lstStyle/>
+              <a:p>
+                <a:r>
+                  <a:rPr lang="en-US" sz="1400" dirty="0"/>
+                  <a:t>CP</a:t>
+                </a:r>
+              </a:p>
+            </p:txBody>
+          </p:sp>
+        </p:grpSp>
+      </p:grpSp>
+      <p:grpSp>
+        <p:nvGrpSpPr>
+          <p:cNvPr id="22" name="Group 21">
+            <a:extLst>
+              <a:ext uri="{FF2B5EF4-FFF2-40B4-BE49-F238E27FC236}">
+                <a16:creationId xmlns:a16="http://schemas.microsoft.com/office/drawing/2014/main" id="{9F0769EB-A811-6086-2B66-66EE62A83AF3}"/>
+              </a:ext>
+            </a:extLst>
+          </p:cNvPr>
+          <p:cNvGrpSpPr/>
+          <p:nvPr/>
+        </p:nvGrpSpPr>
+        <p:grpSpPr>
+          <a:xfrm>
+            <a:off x="1763942" y="2347386"/>
+            <a:ext cx="218663" cy="665105"/>
+            <a:chOff x="6251711" y="3300608"/>
+            <a:chExt cx="218663" cy="665105"/>
+          </a:xfrm>
+        </p:grpSpPr>
+        <p:sp>
+          <p:nvSpPr>
+            <p:cNvPr id="23" name="Rounded Rectangle 22">
+              <a:extLst>
+                <a:ext uri="{FF2B5EF4-FFF2-40B4-BE49-F238E27FC236}">
+                  <a16:creationId xmlns:a16="http://schemas.microsoft.com/office/drawing/2014/main" id="{95C1C39C-AF6F-1DDD-68E5-ADBB82F8D5E2}"/>
+                </a:ext>
+              </a:extLst>
+            </p:cNvPr>
+            <p:cNvSpPr/>
+            <p:nvPr/>
+          </p:nvSpPr>
+          <p:spPr>
+            <a:xfrm>
+              <a:off x="6251711" y="3300608"/>
+              <a:ext cx="218663" cy="665105"/>
+            </a:xfrm>
+            <a:prstGeom prst="roundRect">
+              <a:avLst/>
+            </a:prstGeom>
+            <a:solidFill>
+              <a:schemeClr val="accent1">
+                <a:lumMod val="60000"/>
+                <a:lumOff val="40000"/>
+              </a:schemeClr>
+            </a:solidFill>
+          </p:spPr>
+          <p:style>
+            <a:lnRef idx="2">
+              <a:schemeClr val="accent1">
+                <a:shade val="50000"/>
+              </a:schemeClr>
+            </a:lnRef>
+            <a:fillRef idx="1">
+              <a:schemeClr val="accent1"/>
+            </a:fillRef>
+            <a:effectRef idx="0">
+              <a:schemeClr val="accent1"/>
+            </a:effectRef>
+            <a:fontRef idx="minor">
+              <a:schemeClr val="lt1"/>
+            </a:fontRef>
+          </p:style>
+          <p:txBody>
+            <a:bodyPr rtlCol="0" anchor="ctr"/>
+            <a:lstStyle/>
+            <a:p>
+              <a:pPr algn="ctr"/>
+              <a:endParaRPr lang="en-US"/>
+            </a:p>
+          </p:txBody>
+        </p:sp>
+        <p:sp>
+          <p:nvSpPr>
+            <p:cNvPr id="24" name="Oval 23">
+              <a:extLst>
+                <a:ext uri="{FF2B5EF4-FFF2-40B4-BE49-F238E27FC236}">
+                  <a16:creationId xmlns:a16="http://schemas.microsoft.com/office/drawing/2014/main" id="{FA74B02F-12EC-E072-7622-33C1332E926E}"/>
+                </a:ext>
+              </a:extLst>
+            </p:cNvPr>
+            <p:cNvSpPr/>
+            <p:nvPr/>
+          </p:nvSpPr>
+          <p:spPr>
+            <a:xfrm>
+              <a:off x="6296846" y="3360242"/>
+              <a:ext cx="128392" cy="128392"/>
+            </a:xfrm>
+            <a:prstGeom prst="ellipse">
+              <a:avLst/>
+            </a:prstGeom>
+            <a:solidFill>
+              <a:schemeClr val="bg1"/>
+            </a:solidFill>
+            <a:ln>
+              <a:solidFill>
+                <a:schemeClr val="tx1"/>
+              </a:solidFill>
+            </a:ln>
+          </p:spPr>
+          <p:style>
+            <a:lnRef idx="2">
+              <a:schemeClr val="accent1">
+                <a:shade val="50000"/>
+              </a:schemeClr>
+            </a:lnRef>
+            <a:fillRef idx="1">
+              <a:schemeClr val="accent1"/>
+            </a:fillRef>
+            <a:effectRef idx="0">
+              <a:schemeClr val="accent1"/>
+            </a:effectRef>
+            <a:fontRef idx="minor">
+              <a:schemeClr val="lt1"/>
+            </a:fontRef>
+          </p:style>
+          <p:txBody>
+            <a:bodyPr rtlCol="0" anchor="ctr"/>
+            <a:lstStyle/>
+            <a:p>
+              <a:pPr algn="ctr"/>
+              <a:endParaRPr lang="en-US"/>
+            </a:p>
+          </p:txBody>
+        </p:sp>
+      </p:grpSp>
+      <p:sp>
+        <p:nvSpPr>
+          <p:cNvPr id="28" name="TextBox 27">
+            <a:extLst>
+              <a:ext uri="{FF2B5EF4-FFF2-40B4-BE49-F238E27FC236}">
+                <a16:creationId xmlns:a16="http://schemas.microsoft.com/office/drawing/2014/main" id="{917028D7-8D38-EAD4-78F9-DE8233847493}"/>
+              </a:ext>
+            </a:extLst>
+          </p:cNvPr>
+          <p:cNvSpPr txBox="1"/>
+          <p:nvPr/>
+        </p:nvSpPr>
+        <p:spPr>
+          <a:xfrm>
+            <a:off x="4619296" y="2472851"/>
+            <a:ext cx="3053528" cy="461665"/>
+          </a:xfrm>
+          <a:prstGeom prst="rect">
+            <a:avLst/>
+          </a:prstGeom>
+          <a:noFill/>
+        </p:spPr>
+        <p:txBody>
+          <a:bodyPr wrap="none" rtlCol="0">
+            <a:spAutoFit/>
+          </a:bodyPr>
+          <a:lstStyle/>
+          <a:p>
+            <a:r>
+              <a:rPr lang="en-US" sz="2400" dirty="0"/>
+              <a:t>Additional parameters:</a:t>
+            </a:r>
+          </a:p>
+        </p:txBody>
+      </p:sp>
+      <p:sp>
+        <p:nvSpPr>
+          <p:cNvPr id="32" name="Rectangle 31">
+            <a:extLst>
+              <a:ext uri="{FF2B5EF4-FFF2-40B4-BE49-F238E27FC236}">
+                <a16:creationId xmlns:a16="http://schemas.microsoft.com/office/drawing/2014/main" id="{66500920-A1F3-A526-B3FD-2F494283D7D5}"/>
+              </a:ext>
+            </a:extLst>
+          </p:cNvPr>
+          <p:cNvSpPr/>
+          <p:nvPr/>
+        </p:nvSpPr>
+        <p:spPr>
+          <a:xfrm>
+            <a:off x="4667153" y="3012491"/>
+            <a:ext cx="7024904" cy="738664"/>
+          </a:xfrm>
+          <a:prstGeom prst="rect">
+            <a:avLst/>
+          </a:prstGeom>
+          <a:solidFill>
+            <a:schemeClr val="tx1"/>
+          </a:solidFill>
+        </p:spPr>
+        <p:txBody>
+          <a:bodyPr wrap="square">
+            <a:spAutoFit/>
+          </a:bodyPr>
+          <a:lstStyle/>
+          <a:p>
+            <a:r>
+              <a:rPr lang="en-US" sz="1400" dirty="0" err="1">
+                <a:solidFill>
+                  <a:srgbClr val="9CDCFE"/>
+                </a:solidFill>
+                <a:latin typeface="Menlo" panose="020B0609030804020204" pitchFamily="49" charset="0"/>
+              </a:rPr>
+              <a:t>d_pm</a:t>
+            </a:r>
+            <a:r>
+              <a:rPr lang="en-US" sz="1400" dirty="0">
+                <a:solidFill>
+                  <a:srgbClr val="B9A381"/>
+                </a:solidFill>
+                <a:latin typeface="Menlo" panose="020B0609030804020204" pitchFamily="49" charset="0"/>
+              </a:rPr>
+              <a:t> </a:t>
+            </a:r>
+            <a:r>
+              <a:rPr lang="en-US" sz="1400" dirty="0">
+                <a:solidFill>
+                  <a:srgbClr val="B5CEA8"/>
+                </a:solidFill>
+                <a:latin typeface="Menlo" panose="020B0609030804020204" pitchFamily="49" charset="0"/>
+              </a:rPr>
+              <a:t>0.01</a:t>
+            </a:r>
+            <a:r>
+              <a:rPr lang="en-US" sz="1400" dirty="0">
+                <a:solidFill>
+                  <a:srgbClr val="B9A381"/>
+                </a:solidFill>
+                <a:latin typeface="Menlo" panose="020B0609030804020204" pitchFamily="49" charset="0"/>
+              </a:rPr>
+              <a:t> </a:t>
+            </a:r>
+            <a:r>
+              <a:rPr lang="en-US" sz="1400" dirty="0">
+                <a:solidFill>
+                  <a:srgbClr val="707C6B"/>
+                </a:solidFill>
+                <a:latin typeface="Menlo" panose="020B0609030804020204" pitchFamily="49" charset="0"/>
+              </a:rPr>
+              <a:t># Effective thickness of the plasma membrane (10 nm)</a:t>
+            </a:r>
+            <a:endParaRPr lang="en-US" sz="1400" dirty="0">
+              <a:solidFill>
+                <a:srgbClr val="D4D4D4"/>
+              </a:solidFill>
+              <a:latin typeface="Menlo" panose="020B0609030804020204" pitchFamily="49" charset="0"/>
+            </a:endParaRPr>
+          </a:p>
+          <a:p>
+            <a:r>
+              <a:rPr lang="en-US" sz="1400" dirty="0" err="1">
+                <a:solidFill>
+                  <a:srgbClr val="9CDCFE"/>
+                </a:solidFill>
+                <a:latin typeface="Menlo" panose="020B0609030804020204" pitchFamily="49" charset="0"/>
+              </a:rPr>
+              <a:t>Acell</a:t>
+            </a:r>
+            <a:r>
+              <a:rPr lang="en-US" sz="1400" dirty="0">
+                <a:solidFill>
+                  <a:srgbClr val="B9A381"/>
+                </a:solidFill>
+                <a:latin typeface="Menlo" panose="020B0609030804020204" pitchFamily="49" charset="0"/>
+              </a:rPr>
+              <a:t> </a:t>
+            </a:r>
+            <a:r>
+              <a:rPr lang="en-US" sz="1400" dirty="0">
+                <a:solidFill>
+                  <a:srgbClr val="B5CEA8"/>
+                </a:solidFill>
+                <a:latin typeface="Menlo" panose="020B0609030804020204" pitchFamily="49" charset="0"/>
+              </a:rPr>
+              <a:t>1000</a:t>
+            </a:r>
+            <a:r>
+              <a:rPr lang="en-US" sz="1400" dirty="0">
+                <a:solidFill>
+                  <a:srgbClr val="B9A381"/>
+                </a:solidFill>
+                <a:latin typeface="Menlo" panose="020B0609030804020204" pitchFamily="49" charset="0"/>
+              </a:rPr>
+              <a:t> </a:t>
+            </a:r>
+            <a:r>
+              <a:rPr lang="en-US" sz="1400" dirty="0">
+                <a:solidFill>
+                  <a:srgbClr val="707C6B"/>
+                </a:solidFill>
+                <a:latin typeface="Menlo" panose="020B0609030804020204" pitchFamily="49" charset="0"/>
+              </a:rPr>
+              <a:t># Approximate area of PM</a:t>
+            </a:r>
+            <a:endParaRPr lang="en-US" sz="1400" dirty="0">
+              <a:solidFill>
+                <a:srgbClr val="D4D4D4"/>
+              </a:solidFill>
+              <a:latin typeface="Menlo" panose="020B0609030804020204" pitchFamily="49" charset="0"/>
+            </a:endParaRPr>
+          </a:p>
+          <a:p>
+            <a:r>
+              <a:rPr lang="en-US" sz="1400" dirty="0" err="1">
+                <a:solidFill>
+                  <a:srgbClr val="9CDCFE"/>
+                </a:solidFill>
+                <a:latin typeface="Menlo" panose="020B0609030804020204" pitchFamily="49" charset="0"/>
+              </a:rPr>
+              <a:t>Vpm</a:t>
+            </a:r>
+            <a:r>
+              <a:rPr lang="en-US" sz="1400" dirty="0">
+                <a:solidFill>
+                  <a:srgbClr val="B9A381"/>
+                </a:solidFill>
+                <a:latin typeface="Menlo" panose="020B0609030804020204" pitchFamily="49" charset="0"/>
+              </a:rPr>
+              <a:t> </a:t>
+            </a:r>
+            <a:r>
+              <a:rPr lang="en-US" sz="1400" dirty="0" err="1">
+                <a:solidFill>
+                  <a:srgbClr val="9CDCFE"/>
+                </a:solidFill>
+                <a:latin typeface="Menlo" panose="020B0609030804020204" pitchFamily="49" charset="0"/>
+              </a:rPr>
+              <a:t>Acell</a:t>
+            </a:r>
+            <a:r>
+              <a:rPr lang="en-US" sz="1400" dirty="0">
+                <a:solidFill>
+                  <a:srgbClr val="D4D4D4"/>
+                </a:solidFill>
+                <a:latin typeface="Menlo" panose="020B0609030804020204" pitchFamily="49" charset="0"/>
+              </a:rPr>
+              <a:t>*</a:t>
+            </a:r>
+            <a:r>
+              <a:rPr lang="en-US" sz="1400" dirty="0" err="1">
+                <a:solidFill>
+                  <a:srgbClr val="9CDCFE"/>
+                </a:solidFill>
+                <a:latin typeface="Menlo" panose="020B0609030804020204" pitchFamily="49" charset="0"/>
+              </a:rPr>
+              <a:t>d_pm</a:t>
+            </a:r>
+            <a:r>
+              <a:rPr lang="en-US" sz="1400" dirty="0">
+                <a:solidFill>
+                  <a:srgbClr val="B9A381"/>
+                </a:solidFill>
+                <a:latin typeface="Menlo" panose="020B0609030804020204" pitchFamily="49" charset="0"/>
+              </a:rPr>
+              <a:t> </a:t>
+            </a:r>
+            <a:r>
+              <a:rPr lang="en-US" sz="1400" dirty="0">
+                <a:solidFill>
+                  <a:srgbClr val="707C6B"/>
+                </a:solidFill>
+                <a:latin typeface="Menlo" panose="020B0609030804020204" pitchFamily="49" charset="0"/>
+              </a:rPr>
+              <a:t># Effective volume of PM </a:t>
+            </a:r>
+            <a:endParaRPr lang="en-US" sz="1400" dirty="0">
+              <a:solidFill>
+                <a:srgbClr val="D4D4D4"/>
+              </a:solidFill>
+              <a:latin typeface="Menlo" panose="020B0609030804020204" pitchFamily="49" charset="0"/>
+            </a:endParaRPr>
+          </a:p>
+        </p:txBody>
+      </p:sp>
+      <p:sp>
+        <p:nvSpPr>
+          <p:cNvPr id="35" name="TextBox 34">
+            <a:extLst>
+              <a:ext uri="{FF2B5EF4-FFF2-40B4-BE49-F238E27FC236}">
+                <a16:creationId xmlns:a16="http://schemas.microsoft.com/office/drawing/2014/main" id="{8AC6A08B-0F1D-EA3A-F9F7-F9E51D143CE0}"/>
+              </a:ext>
+            </a:extLst>
+          </p:cNvPr>
+          <p:cNvSpPr txBox="1"/>
+          <p:nvPr/>
+        </p:nvSpPr>
+        <p:spPr>
+          <a:xfrm>
+            <a:off x="4604862" y="4270584"/>
+            <a:ext cx="3187860" cy="461665"/>
+          </a:xfrm>
+          <a:prstGeom prst="rect">
+            <a:avLst/>
+          </a:prstGeom>
+          <a:noFill/>
+        </p:spPr>
+        <p:txBody>
+          <a:bodyPr wrap="none" rtlCol="0">
+            <a:spAutoFit/>
+          </a:bodyPr>
+          <a:lstStyle/>
+          <a:p>
+            <a:r>
+              <a:rPr lang="en-US" sz="2400" dirty="0"/>
+              <a:t>Modified reaction rules:</a:t>
+            </a:r>
+          </a:p>
+        </p:txBody>
+      </p:sp>
+      <p:sp>
+        <p:nvSpPr>
+          <p:cNvPr id="36" name="Rectangle 35">
+            <a:extLst>
+              <a:ext uri="{FF2B5EF4-FFF2-40B4-BE49-F238E27FC236}">
+                <a16:creationId xmlns:a16="http://schemas.microsoft.com/office/drawing/2014/main" id="{BAE1D3B9-BD52-9BCB-7287-0FBF38537D91}"/>
+              </a:ext>
+            </a:extLst>
+          </p:cNvPr>
+          <p:cNvSpPr/>
+          <p:nvPr/>
+        </p:nvSpPr>
+        <p:spPr>
+          <a:xfrm>
+            <a:off x="4667153" y="4839394"/>
+            <a:ext cx="7428770" cy="584775"/>
+          </a:xfrm>
+          <a:prstGeom prst="rect">
+            <a:avLst/>
+          </a:prstGeom>
+          <a:solidFill>
+            <a:schemeClr val="tx1"/>
+          </a:solidFill>
+        </p:spPr>
+        <p:txBody>
+          <a:bodyPr wrap="square">
+            <a:spAutoFit/>
+          </a:bodyPr>
+          <a:lstStyle/>
+          <a:p>
+            <a:r>
+              <a:rPr lang="en-US" sz="1600" dirty="0">
+                <a:solidFill>
+                  <a:srgbClr val="4689CC"/>
+                </a:solidFill>
+                <a:latin typeface="Menlo-Regular" panose="020B0609030804020204" pitchFamily="49" charset="0"/>
+              </a:rPr>
+              <a:t>lrbind1:</a:t>
+            </a:r>
+            <a:r>
+              <a:rPr lang="en-US" sz="1600" dirty="0">
+                <a:solidFill>
+                  <a:srgbClr val="AA936E"/>
+                </a:solidFill>
+                <a:latin typeface="Menlo-Regular" panose="020B0609030804020204" pitchFamily="49" charset="0"/>
+              </a:rPr>
+              <a:t> </a:t>
+            </a:r>
+            <a:r>
+              <a:rPr lang="en-US" sz="1600" dirty="0">
+                <a:solidFill>
+                  <a:srgbClr val="D1D1D1"/>
+                </a:solidFill>
+                <a:latin typeface="Menlo-Regular" panose="020B0609030804020204" pitchFamily="49" charset="0"/>
+              </a:rPr>
+              <a:t>L</a:t>
+            </a:r>
+            <a:r>
+              <a:rPr lang="en-US" sz="1600" dirty="0">
+                <a:solidFill>
+                  <a:srgbClr val="AA936E"/>
+                </a:solidFill>
+                <a:latin typeface="Menlo-Regular" panose="020B0609030804020204" pitchFamily="49" charset="0"/>
+              </a:rPr>
+              <a:t>(</a:t>
+            </a:r>
+            <a:r>
+              <a:rPr lang="en-US" sz="1600" dirty="0" err="1">
+                <a:solidFill>
+                  <a:srgbClr val="67D774"/>
+                </a:solidFill>
+                <a:latin typeface="Menlo-Regular" panose="020B0609030804020204" pitchFamily="49" charset="0"/>
+              </a:rPr>
+              <a:t>r</a:t>
+            </a:r>
+            <a:r>
+              <a:rPr lang="en-US" sz="1600" dirty="0" err="1">
+                <a:solidFill>
+                  <a:srgbClr val="8B3E6F"/>
+                </a:solidFill>
+                <a:latin typeface="Menlo-Regular" panose="020B0609030804020204" pitchFamily="49" charset="0"/>
+              </a:rPr>
+              <a:t>,</a:t>
+            </a:r>
+            <a:r>
+              <a:rPr lang="en-US" sz="1600" dirty="0" err="1">
+                <a:solidFill>
+                  <a:srgbClr val="67D774"/>
+                </a:solidFill>
+                <a:latin typeface="Menlo-Regular" panose="020B0609030804020204" pitchFamily="49" charset="0"/>
+              </a:rPr>
+              <a:t>r</a:t>
+            </a:r>
+            <a:r>
+              <a:rPr lang="en-US" sz="1600" dirty="0">
+                <a:solidFill>
+                  <a:srgbClr val="AA936E"/>
+                </a:solidFill>
+                <a:latin typeface="Menlo-Regular" panose="020B0609030804020204" pitchFamily="49" charset="0"/>
+              </a:rPr>
+              <a:t>) </a:t>
+            </a:r>
+            <a:r>
+              <a:rPr lang="en-US" sz="1600" dirty="0">
+                <a:solidFill>
+                  <a:srgbClr val="8B3E6F"/>
+                </a:solidFill>
+                <a:latin typeface="Menlo-Regular" panose="020B0609030804020204" pitchFamily="49" charset="0"/>
+              </a:rPr>
+              <a:t>+</a:t>
+            </a:r>
+            <a:r>
+              <a:rPr lang="en-US" sz="1600" dirty="0">
+                <a:solidFill>
+                  <a:srgbClr val="AA936E"/>
+                </a:solidFill>
+                <a:latin typeface="Menlo-Regular" panose="020B0609030804020204" pitchFamily="49" charset="0"/>
+              </a:rPr>
+              <a:t> </a:t>
+            </a:r>
+            <a:r>
+              <a:rPr lang="en-US" sz="1600" dirty="0">
+                <a:solidFill>
+                  <a:srgbClr val="D1D1D1"/>
+                </a:solidFill>
+                <a:latin typeface="Menlo-Regular" panose="020B0609030804020204" pitchFamily="49" charset="0"/>
+              </a:rPr>
+              <a:t>R</a:t>
+            </a:r>
+            <a:r>
+              <a:rPr lang="en-US" sz="1600" dirty="0">
+                <a:solidFill>
+                  <a:srgbClr val="AA936E"/>
+                </a:solidFill>
+                <a:latin typeface="Menlo-Regular" panose="020B0609030804020204" pitchFamily="49" charset="0"/>
+              </a:rPr>
+              <a:t>(</a:t>
+            </a:r>
+            <a:r>
+              <a:rPr lang="en-US" sz="1600" dirty="0">
+                <a:solidFill>
+                  <a:srgbClr val="67D774"/>
+                </a:solidFill>
+                <a:latin typeface="Menlo-Regular" panose="020B0609030804020204" pitchFamily="49" charset="0"/>
+              </a:rPr>
+              <a:t>l</a:t>
+            </a:r>
+            <a:r>
+              <a:rPr lang="en-US" sz="1600" dirty="0">
+                <a:solidFill>
+                  <a:srgbClr val="AA936E"/>
+                </a:solidFill>
+                <a:latin typeface="Menlo-Regular" panose="020B0609030804020204" pitchFamily="49" charset="0"/>
+              </a:rPr>
+              <a:t>) </a:t>
+            </a:r>
+            <a:r>
+              <a:rPr lang="en-US" sz="1600" dirty="0">
+                <a:solidFill>
+                  <a:srgbClr val="8B3E6F"/>
+                </a:solidFill>
+                <a:latin typeface="Menlo-Regular" panose="020B0609030804020204" pitchFamily="49" charset="0"/>
+              </a:rPr>
+              <a:t>&lt;-&gt;</a:t>
+            </a:r>
+            <a:r>
+              <a:rPr lang="en-US" sz="1600" dirty="0">
+                <a:solidFill>
+                  <a:srgbClr val="AA936E"/>
+                </a:solidFill>
+                <a:latin typeface="Menlo-Regular" panose="020B0609030804020204" pitchFamily="49" charset="0"/>
+              </a:rPr>
+              <a:t> </a:t>
+            </a:r>
+            <a:r>
+              <a:rPr lang="en-US" sz="1600" dirty="0">
+                <a:solidFill>
+                  <a:srgbClr val="D1D1D1"/>
+                </a:solidFill>
+                <a:latin typeface="Menlo-Regular" panose="020B0609030804020204" pitchFamily="49" charset="0"/>
+              </a:rPr>
+              <a:t>L</a:t>
+            </a:r>
+            <a:r>
+              <a:rPr lang="en-US" sz="1600" dirty="0">
+                <a:solidFill>
+                  <a:srgbClr val="AA936E"/>
+                </a:solidFill>
+                <a:latin typeface="Menlo-Regular" panose="020B0609030804020204" pitchFamily="49" charset="0"/>
+              </a:rPr>
+              <a:t>(</a:t>
+            </a:r>
+            <a:r>
+              <a:rPr lang="en-US" sz="1600" dirty="0">
+                <a:solidFill>
+                  <a:srgbClr val="67D774"/>
+                </a:solidFill>
+                <a:latin typeface="Menlo-Regular" panose="020B0609030804020204" pitchFamily="49" charset="0"/>
+              </a:rPr>
+              <a:t>r</a:t>
+            </a:r>
+            <a:r>
+              <a:rPr lang="en-US" sz="1600" dirty="0">
+                <a:solidFill>
+                  <a:srgbClr val="4689CC"/>
+                </a:solidFill>
+                <a:latin typeface="Menlo-Regular" panose="020B0609030804020204" pitchFamily="49" charset="0"/>
+              </a:rPr>
+              <a:t>!</a:t>
+            </a:r>
+            <a:r>
+              <a:rPr lang="en-US" sz="1600" dirty="0">
+                <a:solidFill>
+                  <a:srgbClr val="89C17A"/>
+                </a:solidFill>
+                <a:latin typeface="Menlo-Regular" panose="020B0609030804020204" pitchFamily="49" charset="0"/>
+              </a:rPr>
+              <a:t>1</a:t>
+            </a:r>
+            <a:r>
+              <a:rPr lang="en-US" sz="1600" dirty="0">
+                <a:solidFill>
+                  <a:srgbClr val="8B3E6F"/>
+                </a:solidFill>
+                <a:latin typeface="Menlo-Regular" panose="020B0609030804020204" pitchFamily="49" charset="0"/>
+              </a:rPr>
+              <a:t>,</a:t>
+            </a:r>
+            <a:r>
+              <a:rPr lang="en-US" sz="1600" dirty="0">
+                <a:solidFill>
+                  <a:srgbClr val="67D774"/>
+                </a:solidFill>
+                <a:latin typeface="Menlo-Regular" panose="020B0609030804020204" pitchFamily="49" charset="0"/>
+              </a:rPr>
+              <a:t>r</a:t>
+            </a:r>
+            <a:r>
+              <a:rPr lang="en-US" sz="1600" dirty="0">
+                <a:solidFill>
+                  <a:srgbClr val="AA936E"/>
+                </a:solidFill>
+                <a:latin typeface="Menlo-Regular" panose="020B0609030804020204" pitchFamily="49" charset="0"/>
+              </a:rPr>
+              <a:t>)</a:t>
+            </a:r>
+            <a:r>
+              <a:rPr lang="en-US" sz="1600" dirty="0">
+                <a:solidFill>
+                  <a:srgbClr val="8B3E6F"/>
+                </a:solidFill>
+                <a:latin typeface="Menlo-Regular" panose="020B0609030804020204" pitchFamily="49" charset="0"/>
+              </a:rPr>
+              <a:t>.</a:t>
+            </a:r>
+            <a:r>
+              <a:rPr lang="en-US" sz="1600" dirty="0">
+                <a:solidFill>
+                  <a:srgbClr val="D1D1D1"/>
+                </a:solidFill>
+                <a:latin typeface="Menlo-Regular" panose="020B0609030804020204" pitchFamily="49" charset="0"/>
+              </a:rPr>
+              <a:t>R</a:t>
+            </a:r>
+            <a:r>
+              <a:rPr lang="en-US" sz="1600" dirty="0">
+                <a:solidFill>
+                  <a:srgbClr val="AA936E"/>
+                </a:solidFill>
+                <a:latin typeface="Menlo-Regular" panose="020B0609030804020204" pitchFamily="49" charset="0"/>
+              </a:rPr>
+              <a:t>(</a:t>
+            </a:r>
+            <a:r>
+              <a:rPr lang="en-US" sz="1600" dirty="0">
+                <a:solidFill>
+                  <a:srgbClr val="67D774"/>
+                </a:solidFill>
+                <a:latin typeface="Menlo-Regular" panose="020B0609030804020204" pitchFamily="49" charset="0"/>
+              </a:rPr>
+              <a:t>l</a:t>
+            </a:r>
+            <a:r>
+              <a:rPr lang="en-US" sz="1600" dirty="0">
+                <a:solidFill>
+                  <a:srgbClr val="4689CC"/>
+                </a:solidFill>
+                <a:latin typeface="Menlo-Regular" panose="020B0609030804020204" pitchFamily="49" charset="0"/>
+              </a:rPr>
+              <a:t>!</a:t>
+            </a:r>
+            <a:r>
+              <a:rPr lang="en-US" sz="1600" dirty="0">
+                <a:solidFill>
+                  <a:srgbClr val="89C17A"/>
+                </a:solidFill>
+                <a:latin typeface="Menlo-Regular" panose="020B0609030804020204" pitchFamily="49" charset="0"/>
+              </a:rPr>
+              <a:t>1</a:t>
+            </a:r>
+            <a:r>
+              <a:rPr lang="en-US" sz="1600" dirty="0">
+                <a:solidFill>
+                  <a:srgbClr val="AA936E"/>
+                </a:solidFill>
+                <a:latin typeface="Menlo-Regular" panose="020B0609030804020204" pitchFamily="49" charset="0"/>
+              </a:rPr>
+              <a:t>) </a:t>
+            </a:r>
+            <a:r>
+              <a:rPr lang="en-US" sz="1600" dirty="0">
+                <a:solidFill>
+                  <a:srgbClr val="8CD3FE"/>
+                </a:solidFill>
+                <a:latin typeface="Menlo-Regular" panose="020B0609030804020204" pitchFamily="49" charset="0"/>
+              </a:rPr>
+              <a:t>kp1</a:t>
+            </a:r>
+            <a:r>
+              <a:rPr lang="en-US" sz="1600" dirty="0">
+                <a:solidFill>
+                  <a:srgbClr val="CACACA"/>
+                </a:solidFill>
+                <a:latin typeface="Menlo-Regular" panose="020B0609030804020204" pitchFamily="49" charset="0"/>
+              </a:rPr>
+              <a:t>/</a:t>
+            </a:r>
+            <a:r>
+              <a:rPr lang="en-US" sz="1600" dirty="0" err="1">
+                <a:solidFill>
+                  <a:srgbClr val="8CD3FE"/>
+                </a:solidFill>
+                <a:latin typeface="Menlo-Regular" panose="020B0609030804020204" pitchFamily="49" charset="0"/>
+              </a:rPr>
+              <a:t>Vec</a:t>
+            </a:r>
+            <a:r>
+              <a:rPr lang="en-US" sz="1600" dirty="0">
+                <a:solidFill>
+                  <a:srgbClr val="8B3E6F"/>
+                </a:solidFill>
+                <a:latin typeface="Menlo-Regular" panose="020B0609030804020204" pitchFamily="49" charset="0"/>
+              </a:rPr>
+              <a:t>,</a:t>
+            </a:r>
+            <a:r>
+              <a:rPr lang="en-US" sz="1600" dirty="0">
+                <a:solidFill>
+                  <a:srgbClr val="AA936E"/>
+                </a:solidFill>
+                <a:latin typeface="Menlo-Regular" panose="020B0609030804020204" pitchFamily="49" charset="0"/>
+              </a:rPr>
+              <a:t> </a:t>
+            </a:r>
+            <a:r>
+              <a:rPr lang="en-US" sz="1600" dirty="0">
+                <a:solidFill>
+                  <a:srgbClr val="8CD3FE"/>
+                </a:solidFill>
+                <a:latin typeface="Menlo-Regular" panose="020B0609030804020204" pitchFamily="49" charset="0"/>
+              </a:rPr>
+              <a:t>km1</a:t>
+            </a:r>
+          </a:p>
+          <a:p>
+            <a:r>
+              <a:rPr lang="en-US" sz="1600" dirty="0">
+                <a:solidFill>
+                  <a:srgbClr val="4689CC"/>
+                </a:solidFill>
+                <a:latin typeface="Menlo-Regular" panose="020B0609030804020204" pitchFamily="49" charset="0"/>
+              </a:rPr>
+              <a:t>lrbind2:</a:t>
+            </a:r>
+            <a:r>
+              <a:rPr lang="en-US" sz="1600" dirty="0">
+                <a:solidFill>
+                  <a:srgbClr val="AA936E"/>
+                </a:solidFill>
+                <a:latin typeface="Menlo-Regular" panose="020B0609030804020204" pitchFamily="49" charset="0"/>
+              </a:rPr>
+              <a:t> </a:t>
+            </a:r>
+            <a:r>
+              <a:rPr lang="en-US" sz="1600" dirty="0">
+                <a:solidFill>
+                  <a:srgbClr val="D1D1D1"/>
+                </a:solidFill>
+                <a:latin typeface="Menlo-Regular" panose="020B0609030804020204" pitchFamily="49" charset="0"/>
+              </a:rPr>
+              <a:t>L</a:t>
+            </a:r>
+            <a:r>
+              <a:rPr lang="en-US" sz="1600" dirty="0">
+                <a:solidFill>
+                  <a:srgbClr val="AA936E"/>
+                </a:solidFill>
+                <a:latin typeface="Menlo-Regular" panose="020B0609030804020204" pitchFamily="49" charset="0"/>
+              </a:rPr>
+              <a:t>(</a:t>
+            </a:r>
+            <a:r>
+              <a:rPr lang="en-US" sz="1600" dirty="0" err="1">
+                <a:solidFill>
+                  <a:srgbClr val="67D774"/>
+                </a:solidFill>
+                <a:latin typeface="Menlo-Regular" panose="020B0609030804020204" pitchFamily="49" charset="0"/>
+              </a:rPr>
+              <a:t>r</a:t>
+            </a:r>
+            <a:r>
+              <a:rPr lang="en-US" sz="1600" dirty="0" err="1">
+                <a:solidFill>
+                  <a:srgbClr val="8B3E6F"/>
+                </a:solidFill>
+                <a:latin typeface="Menlo-Regular" panose="020B0609030804020204" pitchFamily="49" charset="0"/>
+              </a:rPr>
+              <a:t>,</a:t>
+            </a:r>
+            <a:r>
+              <a:rPr lang="en-US" sz="1600" dirty="0" err="1">
+                <a:solidFill>
+                  <a:srgbClr val="67D774"/>
+                </a:solidFill>
+                <a:latin typeface="Menlo-Regular" panose="020B0609030804020204" pitchFamily="49" charset="0"/>
+              </a:rPr>
+              <a:t>r</a:t>
+            </a:r>
+            <a:r>
+              <a:rPr lang="en-US" sz="1600" dirty="0">
+                <a:solidFill>
+                  <a:srgbClr val="4689CC"/>
+                </a:solidFill>
+                <a:latin typeface="Menlo-Regular" panose="020B0609030804020204" pitchFamily="49" charset="0"/>
+              </a:rPr>
+              <a:t>!</a:t>
+            </a:r>
+            <a:r>
+              <a:rPr lang="en-US" sz="1600" dirty="0">
+                <a:solidFill>
+                  <a:srgbClr val="89C17A"/>
+                </a:solidFill>
+                <a:latin typeface="Menlo-Regular" panose="020B0609030804020204" pitchFamily="49" charset="0"/>
+              </a:rPr>
+              <a:t>+</a:t>
+            </a:r>
+            <a:r>
+              <a:rPr lang="en-US" sz="1600" dirty="0">
+                <a:solidFill>
+                  <a:srgbClr val="AA936E"/>
+                </a:solidFill>
+                <a:latin typeface="Menlo-Regular" panose="020B0609030804020204" pitchFamily="49" charset="0"/>
+              </a:rPr>
+              <a:t>) </a:t>
+            </a:r>
+            <a:r>
+              <a:rPr lang="en-US" sz="1600" dirty="0">
+                <a:solidFill>
+                  <a:srgbClr val="8B3E6F"/>
+                </a:solidFill>
+                <a:latin typeface="Menlo-Regular" panose="020B0609030804020204" pitchFamily="49" charset="0"/>
+              </a:rPr>
+              <a:t>+</a:t>
+            </a:r>
+            <a:r>
+              <a:rPr lang="en-US" sz="1600" dirty="0">
+                <a:solidFill>
+                  <a:srgbClr val="AA936E"/>
+                </a:solidFill>
+                <a:latin typeface="Menlo-Regular" panose="020B0609030804020204" pitchFamily="49" charset="0"/>
+              </a:rPr>
+              <a:t> </a:t>
+            </a:r>
+            <a:r>
+              <a:rPr lang="en-US" sz="1600" dirty="0">
+                <a:solidFill>
+                  <a:srgbClr val="D1D1D1"/>
+                </a:solidFill>
+                <a:latin typeface="Menlo-Regular" panose="020B0609030804020204" pitchFamily="49" charset="0"/>
+              </a:rPr>
+              <a:t>R</a:t>
+            </a:r>
+            <a:r>
+              <a:rPr lang="en-US" sz="1600" dirty="0">
+                <a:solidFill>
+                  <a:srgbClr val="AA936E"/>
+                </a:solidFill>
+                <a:latin typeface="Menlo-Regular" panose="020B0609030804020204" pitchFamily="49" charset="0"/>
+              </a:rPr>
+              <a:t>(</a:t>
+            </a:r>
+            <a:r>
+              <a:rPr lang="en-US" sz="1600" dirty="0">
+                <a:solidFill>
+                  <a:srgbClr val="67D774"/>
+                </a:solidFill>
+                <a:latin typeface="Menlo-Regular" panose="020B0609030804020204" pitchFamily="49" charset="0"/>
+              </a:rPr>
+              <a:t>l</a:t>
+            </a:r>
+            <a:r>
+              <a:rPr lang="en-US" sz="1600" dirty="0">
+                <a:solidFill>
+                  <a:srgbClr val="AA936E"/>
+                </a:solidFill>
+                <a:latin typeface="Menlo-Regular" panose="020B0609030804020204" pitchFamily="49" charset="0"/>
+              </a:rPr>
+              <a:t>) </a:t>
+            </a:r>
+            <a:r>
+              <a:rPr lang="en-US" sz="1600" dirty="0">
+                <a:solidFill>
+                  <a:srgbClr val="8B3E6F"/>
+                </a:solidFill>
+                <a:latin typeface="Menlo-Regular" panose="020B0609030804020204" pitchFamily="49" charset="0"/>
+              </a:rPr>
+              <a:t>&lt;-&gt;</a:t>
+            </a:r>
+            <a:r>
+              <a:rPr lang="en-US" sz="1600" dirty="0">
+                <a:solidFill>
+                  <a:srgbClr val="AA936E"/>
+                </a:solidFill>
+                <a:latin typeface="Menlo-Regular" panose="020B0609030804020204" pitchFamily="49" charset="0"/>
+              </a:rPr>
+              <a:t> </a:t>
+            </a:r>
+            <a:r>
+              <a:rPr lang="en-US" sz="1600" dirty="0">
+                <a:solidFill>
+                  <a:srgbClr val="D1D1D1"/>
+                </a:solidFill>
+                <a:latin typeface="Menlo-Regular" panose="020B0609030804020204" pitchFamily="49" charset="0"/>
+              </a:rPr>
+              <a:t>L</a:t>
+            </a:r>
+            <a:r>
+              <a:rPr lang="en-US" sz="1600" dirty="0">
+                <a:solidFill>
+                  <a:srgbClr val="AA936E"/>
+                </a:solidFill>
+                <a:latin typeface="Menlo-Regular" panose="020B0609030804020204" pitchFamily="49" charset="0"/>
+              </a:rPr>
+              <a:t>(</a:t>
+            </a:r>
+            <a:r>
+              <a:rPr lang="en-US" sz="1600" dirty="0">
+                <a:solidFill>
+                  <a:srgbClr val="67D774"/>
+                </a:solidFill>
+                <a:latin typeface="Menlo-Regular" panose="020B0609030804020204" pitchFamily="49" charset="0"/>
+              </a:rPr>
+              <a:t>r</a:t>
+            </a:r>
+            <a:r>
+              <a:rPr lang="en-US" sz="1600" dirty="0">
+                <a:solidFill>
+                  <a:srgbClr val="4689CC"/>
+                </a:solidFill>
+                <a:latin typeface="Menlo-Regular" panose="020B0609030804020204" pitchFamily="49" charset="0"/>
+              </a:rPr>
+              <a:t>!</a:t>
+            </a:r>
+            <a:r>
+              <a:rPr lang="en-US" sz="1600" dirty="0">
+                <a:solidFill>
+                  <a:srgbClr val="89C17A"/>
+                </a:solidFill>
+                <a:latin typeface="Menlo-Regular" panose="020B0609030804020204" pitchFamily="49" charset="0"/>
+              </a:rPr>
+              <a:t>1</a:t>
+            </a:r>
+            <a:r>
+              <a:rPr lang="en-US" sz="1600" dirty="0">
+                <a:solidFill>
+                  <a:srgbClr val="8B3E6F"/>
+                </a:solidFill>
+                <a:latin typeface="Menlo-Regular" panose="020B0609030804020204" pitchFamily="49" charset="0"/>
+              </a:rPr>
+              <a:t>,</a:t>
+            </a:r>
+            <a:r>
+              <a:rPr lang="en-US" sz="1600" dirty="0">
+                <a:solidFill>
+                  <a:srgbClr val="67D774"/>
+                </a:solidFill>
+                <a:latin typeface="Menlo-Regular" panose="020B0609030804020204" pitchFamily="49" charset="0"/>
+              </a:rPr>
+              <a:t>r</a:t>
+            </a:r>
+            <a:r>
+              <a:rPr lang="en-US" sz="1600" dirty="0">
+                <a:solidFill>
+                  <a:srgbClr val="4689CC"/>
+                </a:solidFill>
+                <a:latin typeface="Menlo-Regular" panose="020B0609030804020204" pitchFamily="49" charset="0"/>
+              </a:rPr>
+              <a:t>!</a:t>
+            </a:r>
+            <a:r>
+              <a:rPr lang="en-US" sz="1600" dirty="0">
+                <a:solidFill>
+                  <a:srgbClr val="89C17A"/>
+                </a:solidFill>
+                <a:latin typeface="Menlo-Regular" panose="020B0609030804020204" pitchFamily="49" charset="0"/>
+              </a:rPr>
+              <a:t>+</a:t>
+            </a:r>
+            <a:r>
+              <a:rPr lang="en-US" sz="1600" dirty="0">
+                <a:solidFill>
+                  <a:srgbClr val="AA936E"/>
+                </a:solidFill>
+                <a:latin typeface="Menlo-Regular" panose="020B0609030804020204" pitchFamily="49" charset="0"/>
+              </a:rPr>
+              <a:t>)</a:t>
+            </a:r>
+            <a:r>
+              <a:rPr lang="en-US" sz="1600" dirty="0">
+                <a:solidFill>
+                  <a:srgbClr val="8B3E6F"/>
+                </a:solidFill>
+                <a:latin typeface="Menlo-Regular" panose="020B0609030804020204" pitchFamily="49" charset="0"/>
+              </a:rPr>
+              <a:t>.</a:t>
+            </a:r>
+            <a:r>
+              <a:rPr lang="en-US" sz="1600" dirty="0">
+                <a:solidFill>
+                  <a:srgbClr val="D1D1D1"/>
+                </a:solidFill>
+                <a:latin typeface="Menlo-Regular" panose="020B0609030804020204" pitchFamily="49" charset="0"/>
+              </a:rPr>
+              <a:t>R</a:t>
+            </a:r>
+            <a:r>
+              <a:rPr lang="en-US" sz="1600" dirty="0">
+                <a:solidFill>
+                  <a:srgbClr val="AA936E"/>
+                </a:solidFill>
+                <a:latin typeface="Menlo-Regular" panose="020B0609030804020204" pitchFamily="49" charset="0"/>
+              </a:rPr>
+              <a:t>(</a:t>
+            </a:r>
+            <a:r>
+              <a:rPr lang="en-US" sz="1600" dirty="0">
+                <a:solidFill>
+                  <a:srgbClr val="67D774"/>
+                </a:solidFill>
+                <a:latin typeface="Menlo-Regular" panose="020B0609030804020204" pitchFamily="49" charset="0"/>
+              </a:rPr>
+              <a:t>l</a:t>
+            </a:r>
+            <a:r>
+              <a:rPr lang="en-US" sz="1600" dirty="0">
+                <a:solidFill>
+                  <a:srgbClr val="4689CC"/>
+                </a:solidFill>
+                <a:latin typeface="Menlo-Regular" panose="020B0609030804020204" pitchFamily="49" charset="0"/>
+              </a:rPr>
+              <a:t>!</a:t>
+            </a:r>
+            <a:r>
+              <a:rPr lang="en-US" sz="1600" dirty="0">
+                <a:solidFill>
+                  <a:srgbClr val="89C17A"/>
+                </a:solidFill>
+                <a:latin typeface="Menlo-Regular" panose="020B0609030804020204" pitchFamily="49" charset="0"/>
+              </a:rPr>
+              <a:t>1</a:t>
+            </a:r>
+            <a:r>
+              <a:rPr lang="en-US" sz="1600" dirty="0">
+                <a:solidFill>
+                  <a:srgbClr val="AA936E"/>
+                </a:solidFill>
+                <a:latin typeface="Menlo-Regular" panose="020B0609030804020204" pitchFamily="49" charset="0"/>
+              </a:rPr>
+              <a:t>) </a:t>
+            </a:r>
+            <a:r>
+              <a:rPr lang="en-US" sz="1600" dirty="0">
+                <a:solidFill>
+                  <a:srgbClr val="8CD3FE"/>
+                </a:solidFill>
+                <a:latin typeface="Menlo-Regular" panose="020B0609030804020204" pitchFamily="49" charset="0"/>
+              </a:rPr>
+              <a:t>kp1</a:t>
+            </a:r>
+            <a:r>
+              <a:rPr lang="en-US" sz="1600" dirty="0">
+                <a:solidFill>
+                  <a:srgbClr val="CACACA"/>
+                </a:solidFill>
+                <a:latin typeface="Menlo-Regular" panose="020B0609030804020204" pitchFamily="49" charset="0"/>
+              </a:rPr>
+              <a:t>/</a:t>
+            </a:r>
+            <a:r>
+              <a:rPr lang="en-US" sz="1600" dirty="0" err="1">
+                <a:solidFill>
+                  <a:srgbClr val="8CD3FE"/>
+                </a:solidFill>
+                <a:latin typeface="Menlo-Regular" panose="020B0609030804020204" pitchFamily="49" charset="0"/>
+              </a:rPr>
+              <a:t>Vpm</a:t>
+            </a:r>
+            <a:r>
+              <a:rPr lang="en-US" sz="1600" dirty="0">
+                <a:solidFill>
+                  <a:srgbClr val="8B3E6F"/>
+                </a:solidFill>
+                <a:latin typeface="Menlo-Regular" panose="020B0609030804020204" pitchFamily="49" charset="0"/>
+              </a:rPr>
+              <a:t>,</a:t>
+            </a:r>
+            <a:r>
+              <a:rPr lang="en-US" sz="1600" dirty="0">
+                <a:solidFill>
+                  <a:srgbClr val="AA936E"/>
+                </a:solidFill>
+                <a:latin typeface="Menlo-Regular" panose="020B0609030804020204" pitchFamily="49" charset="0"/>
+              </a:rPr>
+              <a:t> </a:t>
+            </a:r>
+            <a:r>
+              <a:rPr lang="en-US" sz="1600" dirty="0">
+                <a:solidFill>
+                  <a:srgbClr val="8CD3FE"/>
+                </a:solidFill>
+                <a:latin typeface="Menlo-Regular" panose="020B0609030804020204" pitchFamily="49" charset="0"/>
+              </a:rPr>
+              <a:t>km1</a:t>
+            </a:r>
+            <a:endParaRPr lang="en-US" sz="1600" b="0" dirty="0">
+              <a:solidFill>
+                <a:srgbClr val="B9A381"/>
+              </a:solidFill>
+              <a:effectLst/>
+              <a:latin typeface="Menlo" panose="020B0609030804020204" pitchFamily="49" charset="0"/>
+            </a:endParaRPr>
+          </a:p>
+        </p:txBody>
+      </p:sp>
+      <mc:AlternateContent xmlns:mc="http://schemas.openxmlformats.org/markup-compatibility/2006">
+        <mc:Choice xmlns:a14="http://schemas.microsoft.com/office/drawing/2010/main" Requires="a14">
+          <p:sp>
+            <p:nvSpPr>
+              <p:cNvPr id="29" name="TextBox 28">
+                <a:extLst>
+                  <a:ext uri="{FF2B5EF4-FFF2-40B4-BE49-F238E27FC236}">
+                    <a16:creationId xmlns:a16="http://schemas.microsoft.com/office/drawing/2014/main" id="{B42A16AB-4BE0-37E9-1885-4E3443FF1E7F}"/>
+                  </a:ext>
+                </a:extLst>
+              </p:cNvPr>
+              <p:cNvSpPr txBox="1"/>
+              <p:nvPr/>
+            </p:nvSpPr>
+            <p:spPr>
+              <a:xfrm>
+                <a:off x="293141" y="4732249"/>
+                <a:ext cx="4193712" cy="399533"/>
+              </a:xfrm>
+              <a:prstGeom prst="rect">
+                <a:avLst/>
+              </a:prstGeom>
+              <a:noFill/>
+            </p:spPr>
+            <p:txBody>
+              <a:bodyPr wrap="none" rtlCol="0">
+                <a:spAutoFit/>
+              </a:bodyPr>
+              <a:lstStyle/>
+              <a:p>
+                <a:pPr/>
+                <a14:m>
+                  <m:oMathPara xmlns:m="http://schemas.openxmlformats.org/officeDocument/2006/math">
+                    <m:oMathParaPr>
+                      <m:jc m:val="centerGroup"/>
+                    </m:oMathParaPr>
+                    <m:oMath xmlns:m="http://schemas.openxmlformats.org/officeDocument/2006/math">
+                      <m:sSub>
+                        <m:sSubPr>
+                          <m:ctrlPr>
+                            <a:rPr lang="en-US" b="0" i="1" smtClean="0">
+                              <a:latin typeface="Cambria Math" panose="02040503050406030204" pitchFamily="18" charset="0"/>
+                            </a:rPr>
+                          </m:ctrlPr>
+                        </m:sSubPr>
+                        <m:e>
+                          <m:r>
+                            <a:rPr lang="en-US" b="0" i="1" smtClean="0">
+                              <a:latin typeface="Cambria Math" panose="02040503050406030204" pitchFamily="18" charset="0"/>
+                            </a:rPr>
+                            <m:t>𝑉</m:t>
+                          </m:r>
+                        </m:e>
+                        <m:sub>
+                          <m:r>
+                            <m:rPr>
+                              <m:sty m:val="p"/>
+                            </m:rPr>
+                            <a:rPr lang="en-US" b="0" i="0" smtClean="0">
+                              <a:latin typeface="Cambria Math" panose="02040503050406030204" pitchFamily="18" charset="0"/>
+                            </a:rPr>
+                            <m:t>pm</m:t>
+                          </m:r>
+                        </m:sub>
+                      </m:sSub>
+                      <m:r>
+                        <a:rPr lang="en-US" b="0" i="1" smtClean="0">
+                          <a:latin typeface="Cambria Math" panose="02040503050406030204" pitchFamily="18" charset="0"/>
+                        </a:rPr>
+                        <m:t>=</m:t>
+                      </m:r>
+                      <m:sSub>
+                        <m:sSubPr>
+                          <m:ctrlPr>
+                            <a:rPr lang="en-US" b="0" i="1" smtClean="0">
+                              <a:latin typeface="Cambria Math" panose="02040503050406030204" pitchFamily="18" charset="0"/>
+                            </a:rPr>
+                          </m:ctrlPr>
+                        </m:sSubPr>
+                        <m:e>
+                          <m:r>
+                            <a:rPr lang="en-US" b="0" i="1" smtClean="0">
+                              <a:latin typeface="Cambria Math" panose="02040503050406030204" pitchFamily="18" charset="0"/>
+                            </a:rPr>
+                            <m:t>𝐴</m:t>
+                          </m:r>
+                        </m:e>
+                        <m:sub>
+                          <m:r>
+                            <m:rPr>
+                              <m:sty m:val="p"/>
+                            </m:rPr>
+                            <a:rPr lang="en-US" b="0" i="0" smtClean="0">
+                              <a:latin typeface="Cambria Math" panose="02040503050406030204" pitchFamily="18" charset="0"/>
+                            </a:rPr>
+                            <m:t>cell</m:t>
+                          </m:r>
+                        </m:sub>
+                      </m:sSub>
+                      <m:r>
+                        <a:rPr lang="en-US" b="0" i="1" smtClean="0">
+                          <a:latin typeface="Cambria Math" panose="02040503050406030204" pitchFamily="18" charset="0"/>
+                          <a:ea typeface="Cambria Math" panose="02040503050406030204" pitchFamily="18" charset="0"/>
+                        </a:rPr>
+                        <m:t>×</m:t>
+                      </m:r>
+                      <m:sSub>
+                        <m:sSubPr>
+                          <m:ctrlPr>
+                            <a:rPr lang="en-US" b="0" i="1" smtClean="0">
+                              <a:latin typeface="Cambria Math" panose="02040503050406030204" pitchFamily="18" charset="0"/>
+                            </a:rPr>
+                          </m:ctrlPr>
+                        </m:sSubPr>
+                        <m:e>
+                          <m:r>
+                            <a:rPr lang="en-US" b="0" i="1" smtClean="0">
+                              <a:latin typeface="Cambria Math" panose="02040503050406030204" pitchFamily="18" charset="0"/>
+                            </a:rPr>
+                            <m:t>𝑑</m:t>
+                          </m:r>
+                        </m:e>
+                        <m:sub>
+                          <m:r>
+                            <m:rPr>
+                              <m:sty m:val="p"/>
+                            </m:rPr>
+                            <a:rPr lang="en-US" b="0" i="0" smtClean="0">
+                              <a:latin typeface="Cambria Math" panose="02040503050406030204" pitchFamily="18" charset="0"/>
+                            </a:rPr>
+                            <m:t>cell</m:t>
+                          </m:r>
+                        </m:sub>
+                      </m:sSub>
+                      <m:r>
+                        <a:rPr lang="en-US" b="0" i="1" smtClean="0">
+                          <a:latin typeface="Cambria Math" panose="02040503050406030204" pitchFamily="18" charset="0"/>
+                          <a:ea typeface="Cambria Math" panose="02040503050406030204" pitchFamily="18" charset="0"/>
+                        </a:rPr>
+                        <m:t>≈1000 </m:t>
+                      </m:r>
+                      <m:r>
+                        <a:rPr lang="en-US" b="0" i="1" smtClean="0">
+                          <a:latin typeface="Cambria Math" panose="02040503050406030204" pitchFamily="18" charset="0"/>
+                          <a:ea typeface="Cambria Math" panose="02040503050406030204" pitchFamily="18" charset="0"/>
+                        </a:rPr>
+                        <m:t>𝜇</m:t>
+                      </m:r>
+                      <m:sSup>
+                        <m:sSupPr>
+                          <m:ctrlPr>
+                            <a:rPr lang="en-US" b="0" i="1" smtClean="0">
+                              <a:latin typeface="Cambria Math" panose="02040503050406030204" pitchFamily="18" charset="0"/>
+                              <a:ea typeface="Cambria Math" panose="02040503050406030204" pitchFamily="18" charset="0"/>
+                            </a:rPr>
+                          </m:ctrlPr>
+                        </m:sSupPr>
+                        <m:e>
+                          <m:r>
+                            <m:rPr>
+                              <m:sty m:val="p"/>
+                            </m:rPr>
+                            <a:rPr lang="en-US" b="0" i="0" smtClean="0">
+                              <a:latin typeface="Cambria Math" panose="02040503050406030204" pitchFamily="18" charset="0"/>
+                              <a:ea typeface="Cambria Math" panose="02040503050406030204" pitchFamily="18" charset="0"/>
+                            </a:rPr>
+                            <m:t>m</m:t>
+                          </m:r>
+                        </m:e>
+                        <m:sup>
+                          <m:r>
+                            <a:rPr lang="en-US" b="0" i="1" smtClean="0">
+                              <a:latin typeface="Cambria Math" panose="02040503050406030204" pitchFamily="18" charset="0"/>
+                              <a:ea typeface="Cambria Math" panose="02040503050406030204" pitchFamily="18" charset="0"/>
+                            </a:rPr>
+                            <m:t>2</m:t>
+                          </m:r>
+                        </m:sup>
+                      </m:sSup>
+                      <m:r>
+                        <a:rPr lang="en-US" b="0" i="1" smtClean="0">
+                          <a:latin typeface="Cambria Math" panose="02040503050406030204" pitchFamily="18" charset="0"/>
+                          <a:ea typeface="Cambria Math" panose="02040503050406030204" pitchFamily="18" charset="0"/>
+                        </a:rPr>
+                        <m:t>×0.01 </m:t>
+                      </m:r>
+                      <m:r>
+                        <a:rPr lang="en-US" b="0" i="1" smtClean="0">
+                          <a:latin typeface="Cambria Math" panose="02040503050406030204" pitchFamily="18" charset="0"/>
+                          <a:ea typeface="Cambria Math" panose="02040503050406030204" pitchFamily="18" charset="0"/>
+                        </a:rPr>
+                        <m:t>𝜇</m:t>
+                      </m:r>
+                      <m:r>
+                        <m:rPr>
+                          <m:sty m:val="p"/>
+                        </m:rPr>
+                        <a:rPr lang="en-US" b="0" i="0" smtClean="0">
+                          <a:latin typeface="Cambria Math" panose="02040503050406030204" pitchFamily="18" charset="0"/>
+                          <a:ea typeface="Cambria Math" panose="02040503050406030204" pitchFamily="18" charset="0"/>
+                        </a:rPr>
+                        <m:t>m</m:t>
+                      </m:r>
+                    </m:oMath>
+                  </m:oMathPara>
+                </a14:m>
+                <a:endParaRPr lang="en-US" b="0" dirty="0"/>
+              </a:p>
+            </p:txBody>
+          </p:sp>
+        </mc:Choice>
+        <mc:Fallback>
+          <p:sp>
+            <p:nvSpPr>
+              <p:cNvPr id="29" name="TextBox 28">
+                <a:extLst>
+                  <a:ext uri="{FF2B5EF4-FFF2-40B4-BE49-F238E27FC236}">
+                    <a16:creationId xmlns:a16="http://schemas.microsoft.com/office/drawing/2014/main" id="{B42A16AB-4BE0-37E9-1885-4E3443FF1E7F}"/>
+                  </a:ext>
+                </a:extLst>
+              </p:cNvPr>
+              <p:cNvSpPr txBox="1">
+                <a:spLocks noRot="1" noChangeAspect="1" noMove="1" noResize="1" noEditPoints="1" noAdjustHandles="1" noChangeArrowheads="1" noChangeShapeType="1" noTextEdit="1"/>
+              </p:cNvSpPr>
+              <p:nvPr/>
+            </p:nvSpPr>
+            <p:spPr>
+              <a:xfrm>
+                <a:off x="293141" y="4732249"/>
+                <a:ext cx="4193712" cy="399533"/>
+              </a:xfrm>
+              <a:prstGeom prst="rect">
+                <a:avLst/>
+              </a:prstGeom>
+              <a:blipFill>
+                <a:blip r:embed="rId2"/>
+                <a:stretch>
+                  <a:fillRect b="-9091"/>
+                </a:stretch>
+              </a:blipFill>
+            </p:spPr>
+            <p:txBody>
+              <a:bodyPr/>
+              <a:lstStyle/>
+              <a:p>
+                <a:r>
+                  <a:rPr lang="en-US">
+                    <a:noFill/>
+                  </a:rPr>
+                  <a:t> </a:t>
+                </a:r>
+              </a:p>
+            </p:txBody>
+          </p:sp>
+        </mc:Fallback>
+      </mc:AlternateContent>
+      <p:grpSp>
+        <p:nvGrpSpPr>
+          <p:cNvPr id="30" name="Group 29">
+            <a:extLst>
+              <a:ext uri="{FF2B5EF4-FFF2-40B4-BE49-F238E27FC236}">
+                <a16:creationId xmlns:a16="http://schemas.microsoft.com/office/drawing/2014/main" id="{E945ABCA-BCD3-7D0C-0014-F954E4E1D663}"/>
+              </a:ext>
+            </a:extLst>
+          </p:cNvPr>
+          <p:cNvGrpSpPr/>
+          <p:nvPr/>
+        </p:nvGrpSpPr>
+        <p:grpSpPr>
+          <a:xfrm>
+            <a:off x="1344916" y="2490639"/>
+            <a:ext cx="218663" cy="665105"/>
+            <a:chOff x="6251711" y="3300608"/>
+            <a:chExt cx="218663" cy="665105"/>
+          </a:xfrm>
+        </p:grpSpPr>
+        <p:sp>
+          <p:nvSpPr>
+            <p:cNvPr id="31" name="Rounded Rectangle 30">
+              <a:extLst>
+                <a:ext uri="{FF2B5EF4-FFF2-40B4-BE49-F238E27FC236}">
+                  <a16:creationId xmlns:a16="http://schemas.microsoft.com/office/drawing/2014/main" id="{41388ADA-6301-DC5F-FC00-3BB1BC7D92C8}"/>
+                </a:ext>
+              </a:extLst>
+            </p:cNvPr>
+            <p:cNvSpPr/>
+            <p:nvPr/>
+          </p:nvSpPr>
+          <p:spPr>
+            <a:xfrm>
+              <a:off x="6251711" y="3300608"/>
+              <a:ext cx="218663" cy="665105"/>
+            </a:xfrm>
+            <a:prstGeom prst="roundRect">
+              <a:avLst/>
+            </a:prstGeom>
+            <a:solidFill>
+              <a:schemeClr val="accent1">
+                <a:lumMod val="60000"/>
+                <a:lumOff val="40000"/>
+              </a:schemeClr>
+            </a:solidFill>
+          </p:spPr>
+          <p:style>
+            <a:lnRef idx="2">
+              <a:schemeClr val="accent1">
+                <a:shade val="50000"/>
+              </a:schemeClr>
+            </a:lnRef>
+            <a:fillRef idx="1">
+              <a:schemeClr val="accent1"/>
+            </a:fillRef>
+            <a:effectRef idx="0">
+              <a:schemeClr val="accent1"/>
+            </a:effectRef>
+            <a:fontRef idx="minor">
+              <a:schemeClr val="lt1"/>
+            </a:fontRef>
+          </p:style>
+          <p:txBody>
+            <a:bodyPr rtlCol="0" anchor="ctr"/>
+            <a:lstStyle/>
+            <a:p>
+              <a:pPr algn="ctr"/>
+              <a:endParaRPr lang="en-US"/>
+            </a:p>
+          </p:txBody>
+        </p:sp>
+        <p:sp>
+          <p:nvSpPr>
+            <p:cNvPr id="37" name="Oval 36">
+              <a:extLst>
+                <a:ext uri="{FF2B5EF4-FFF2-40B4-BE49-F238E27FC236}">
+                  <a16:creationId xmlns:a16="http://schemas.microsoft.com/office/drawing/2014/main" id="{2F22C3A3-9329-1E18-B31B-2207FCD6EAEC}"/>
+                </a:ext>
+              </a:extLst>
+            </p:cNvPr>
+            <p:cNvSpPr/>
+            <p:nvPr/>
+          </p:nvSpPr>
+          <p:spPr>
+            <a:xfrm>
+              <a:off x="6296846" y="3360242"/>
+              <a:ext cx="128392" cy="128392"/>
+            </a:xfrm>
+            <a:prstGeom prst="ellipse">
+              <a:avLst/>
+            </a:prstGeom>
+            <a:solidFill>
+              <a:schemeClr val="bg1"/>
+            </a:solidFill>
+            <a:ln>
+              <a:solidFill>
+                <a:schemeClr val="tx1"/>
+              </a:solidFill>
+            </a:ln>
+          </p:spPr>
+          <p:style>
+            <a:lnRef idx="2">
+              <a:schemeClr val="accent1">
+                <a:shade val="50000"/>
+              </a:schemeClr>
+            </a:lnRef>
+            <a:fillRef idx="1">
+              <a:schemeClr val="accent1"/>
+            </a:fillRef>
+            <a:effectRef idx="0">
+              <a:schemeClr val="accent1"/>
+            </a:effectRef>
+            <a:fontRef idx="minor">
+              <a:schemeClr val="lt1"/>
+            </a:fontRef>
+          </p:style>
+          <p:txBody>
+            <a:bodyPr rtlCol="0" anchor="ctr"/>
+            <a:lstStyle/>
+            <a:p>
+              <a:pPr algn="ctr"/>
+              <a:endParaRPr lang="en-US"/>
+            </a:p>
+          </p:txBody>
+        </p:sp>
+      </p:grpSp>
+      <p:grpSp>
+        <p:nvGrpSpPr>
+          <p:cNvPr id="38" name="Group 37">
+            <a:extLst>
+              <a:ext uri="{FF2B5EF4-FFF2-40B4-BE49-F238E27FC236}">
+                <a16:creationId xmlns:a16="http://schemas.microsoft.com/office/drawing/2014/main" id="{41A8DF1B-81A0-B271-F9B5-B2C041749971}"/>
+              </a:ext>
+            </a:extLst>
+          </p:cNvPr>
+          <p:cNvGrpSpPr/>
+          <p:nvPr/>
+        </p:nvGrpSpPr>
+        <p:grpSpPr>
+          <a:xfrm>
+            <a:off x="1518443" y="2062240"/>
+            <a:ext cx="476722" cy="252592"/>
+            <a:chOff x="2990779" y="2342337"/>
+            <a:chExt cx="476722" cy="252592"/>
+          </a:xfrm>
+        </p:grpSpPr>
+        <p:sp>
+          <p:nvSpPr>
+            <p:cNvPr id="39" name="Rounded Rectangle 38">
+              <a:extLst>
+                <a:ext uri="{FF2B5EF4-FFF2-40B4-BE49-F238E27FC236}">
+                  <a16:creationId xmlns:a16="http://schemas.microsoft.com/office/drawing/2014/main" id="{3907E813-598D-80AA-76DD-8B94E11F3B43}"/>
+                </a:ext>
+              </a:extLst>
+            </p:cNvPr>
+            <p:cNvSpPr/>
+            <p:nvPr/>
+          </p:nvSpPr>
+          <p:spPr>
+            <a:xfrm>
+              <a:off x="2990779" y="2342337"/>
+              <a:ext cx="476722" cy="252592"/>
+            </a:xfrm>
+            <a:prstGeom prst="roundRect">
+              <a:avLst/>
+            </a:prstGeom>
+            <a:solidFill>
+              <a:srgbClr val="FFC000"/>
+            </a:solidFill>
+          </p:spPr>
+          <p:style>
+            <a:lnRef idx="2">
+              <a:schemeClr val="accent1">
+                <a:shade val="50000"/>
+              </a:schemeClr>
+            </a:lnRef>
+            <a:fillRef idx="1">
+              <a:schemeClr val="accent1"/>
+            </a:fillRef>
+            <a:effectRef idx="0">
+              <a:schemeClr val="accent1"/>
+            </a:effectRef>
+            <a:fontRef idx="minor">
+              <a:schemeClr val="lt1"/>
+            </a:fontRef>
+          </p:style>
+          <p:txBody>
+            <a:bodyPr rtlCol="0" anchor="ctr"/>
+            <a:lstStyle/>
+            <a:p>
+              <a:pPr algn="ctr"/>
+              <a:endParaRPr lang="en-US"/>
+            </a:p>
+          </p:txBody>
+        </p:sp>
+        <p:sp>
+          <p:nvSpPr>
+            <p:cNvPr id="40" name="Oval 39">
+              <a:extLst>
+                <a:ext uri="{FF2B5EF4-FFF2-40B4-BE49-F238E27FC236}">
+                  <a16:creationId xmlns:a16="http://schemas.microsoft.com/office/drawing/2014/main" id="{CE710D85-2F54-7359-D1E3-849C27AA5934}"/>
+                </a:ext>
+              </a:extLst>
+            </p:cNvPr>
+            <p:cNvSpPr/>
+            <p:nvPr/>
+          </p:nvSpPr>
+          <p:spPr>
+            <a:xfrm>
+              <a:off x="3047109" y="2406903"/>
+              <a:ext cx="128392" cy="128392"/>
+            </a:xfrm>
+            <a:prstGeom prst="ellipse">
+              <a:avLst/>
+            </a:prstGeom>
+            <a:solidFill>
+              <a:schemeClr val="bg1"/>
+            </a:solidFill>
+            <a:ln>
+              <a:solidFill>
+                <a:schemeClr val="tx1"/>
+              </a:solidFill>
+            </a:ln>
+          </p:spPr>
+          <p:style>
+            <a:lnRef idx="2">
+              <a:schemeClr val="accent1">
+                <a:shade val="50000"/>
+              </a:schemeClr>
+            </a:lnRef>
+            <a:fillRef idx="1">
+              <a:schemeClr val="accent1"/>
+            </a:fillRef>
+            <a:effectRef idx="0">
+              <a:schemeClr val="accent1"/>
+            </a:effectRef>
+            <a:fontRef idx="minor">
+              <a:schemeClr val="lt1"/>
+            </a:fontRef>
+          </p:style>
+          <p:txBody>
+            <a:bodyPr rtlCol="0" anchor="ctr"/>
+            <a:lstStyle/>
+            <a:p>
+              <a:pPr algn="ctr"/>
+              <a:endParaRPr lang="en-US"/>
+            </a:p>
+          </p:txBody>
+        </p:sp>
+        <p:sp>
+          <p:nvSpPr>
+            <p:cNvPr id="41" name="Oval 40">
+              <a:extLst>
+                <a:ext uri="{FF2B5EF4-FFF2-40B4-BE49-F238E27FC236}">
+                  <a16:creationId xmlns:a16="http://schemas.microsoft.com/office/drawing/2014/main" id="{BB327152-4978-51A3-6689-9380D5AD71AC}"/>
+                </a:ext>
+              </a:extLst>
+            </p:cNvPr>
+            <p:cNvSpPr/>
+            <p:nvPr/>
+          </p:nvSpPr>
+          <p:spPr>
+            <a:xfrm>
+              <a:off x="3282780" y="2406903"/>
+              <a:ext cx="128392" cy="128392"/>
+            </a:xfrm>
+            <a:prstGeom prst="ellipse">
+              <a:avLst/>
+            </a:prstGeom>
+            <a:solidFill>
+              <a:schemeClr val="bg1"/>
+            </a:solidFill>
+            <a:ln>
+              <a:solidFill>
+                <a:schemeClr val="tx1"/>
+              </a:solidFill>
+            </a:ln>
+          </p:spPr>
+          <p:style>
+            <a:lnRef idx="2">
+              <a:schemeClr val="accent1">
+                <a:shade val="50000"/>
+              </a:schemeClr>
+            </a:lnRef>
+            <a:fillRef idx="1">
+              <a:schemeClr val="accent1"/>
+            </a:fillRef>
+            <a:effectRef idx="0">
+              <a:schemeClr val="accent1"/>
+            </a:effectRef>
+            <a:fontRef idx="minor">
+              <a:schemeClr val="lt1"/>
+            </a:fontRef>
+          </p:style>
+          <p:txBody>
+            <a:bodyPr rtlCol="0" anchor="ctr"/>
+            <a:lstStyle/>
+            <a:p>
+              <a:pPr algn="ctr"/>
+              <a:endParaRPr lang="en-US"/>
+            </a:p>
+          </p:txBody>
+        </p:sp>
+      </p:grpSp>
+      <p:cxnSp>
+        <p:nvCxnSpPr>
+          <p:cNvPr id="8" name="Straight Connector 7">
+            <a:extLst>
+              <a:ext uri="{FF2B5EF4-FFF2-40B4-BE49-F238E27FC236}">
+                <a16:creationId xmlns:a16="http://schemas.microsoft.com/office/drawing/2014/main" id="{4722A1A5-A3E9-0D61-B249-3FB08984EBC4}"/>
+              </a:ext>
+            </a:extLst>
+          </p:cNvPr>
+          <p:cNvCxnSpPr>
+            <a:stCxn id="41" idx="4"/>
+            <a:endCxn id="24" idx="0"/>
+          </p:cNvCxnSpPr>
+          <p:nvPr/>
+        </p:nvCxnSpPr>
+        <p:spPr>
+          <a:xfrm flipH="1">
+            <a:off x="1873273" y="2255198"/>
+            <a:ext cx="1367" cy="151822"/>
+          </a:xfrm>
+          <a:prstGeom prst="line">
+            <a:avLst/>
+          </a:prstGeom>
+          <a:ln w="28575">
+            <a:solidFill>
+              <a:schemeClr val="tx1"/>
+            </a:solidFill>
+          </a:ln>
+        </p:spPr>
+        <p:style>
+          <a:lnRef idx="1">
+            <a:schemeClr val="accent1"/>
+          </a:lnRef>
+          <a:fillRef idx="0">
+            <a:schemeClr val="accent1"/>
+          </a:fillRef>
+          <a:effectRef idx="0">
+            <a:schemeClr val="accent1"/>
+          </a:effectRef>
+          <a:fontRef idx="minor">
+            <a:schemeClr val="tx1"/>
+          </a:fontRef>
+        </p:style>
+      </p:cxnSp>
+    </p:spTree>
+    <p:extLst>
+      <p:ext uri="{BB962C8B-B14F-4D97-AF65-F5344CB8AC3E}">
+        <p14:creationId xmlns:p14="http://schemas.microsoft.com/office/powerpoint/2010/main" val="2894896823"/>
+      </p:ext>
+    </p:extLst>
+  </p:cSld>
+  <p:clrMapOvr>
+    <a:masterClrMapping/>
+  </p:clrMapOvr>
+  <p:timing>
+    <p:tnLst>
+      <p:par>
+        <p:cTn id="1" dur="indefinite" restart="never" nodeType="tmRoot">
+          <p:childTnLst>
+            <p:seq concurrent="1" nextAc="seek">
+              <p:cTn id="2" dur="indefinite" nodeType="mainSeq">
+                <p:childTnLst>
+                  <p:par>
+                    <p:cTn id="3" fill="hold">
+                      <p:stCondLst>
+                        <p:cond delay="indefinite"/>
+                      </p:stCondLst>
+                      <p:childTnLst>
+                        <p:par>
+                          <p:cTn id="4" fill="hold">
+                            <p:stCondLst>
+                              <p:cond delay="0"/>
+                            </p:stCondLst>
+                            <p:childTnLst>
+                              <p:par>
+                                <p:cTn id="5" presetID="1" presetClass="entr" presetSubtype="0" fill="hold" grpId="0" nodeType="clickEffect">
+                                  <p:stCondLst>
+                                    <p:cond delay="0"/>
+                                  </p:stCondLst>
+                                  <p:childTnLst>
+                                    <p:set>
+                                      <p:cBhvr>
+                                        <p:cTn id="6" dur="1" fill="hold">
+                                          <p:stCondLst>
+                                            <p:cond delay="0"/>
+                                          </p:stCondLst>
+                                        </p:cTn>
+                                        <p:tgtEl>
+                                          <p:spTgt spid="29"/>
+                                        </p:tgtEl>
+                                        <p:attrNameLst>
+                                          <p:attrName>style.visibility</p:attrName>
+                                        </p:attrNameLst>
+                                      </p:cBhvr>
+                                      <p:to>
+                                        <p:strVal val="visible"/>
+                                      </p:to>
+                                    </p:set>
+                                  </p:childTnLst>
+                                </p:cTn>
+                              </p:par>
+                            </p:childTnLst>
+                          </p:cTn>
+                        </p:par>
+                      </p:childTnLst>
+                    </p:cTn>
+                  </p:par>
+                  <p:par>
+                    <p:cTn id="7" fill="hold">
+                      <p:stCondLst>
+                        <p:cond delay="indefinite"/>
+                      </p:stCondLst>
+                      <p:childTnLst>
+                        <p:par>
+                          <p:cTn id="8" fill="hold">
+                            <p:stCondLst>
+                              <p:cond delay="0"/>
+                            </p:stCondLst>
+                            <p:childTnLst>
+                              <p:par>
+                                <p:cTn id="9" presetID="1" presetClass="entr" presetSubtype="0" fill="hold" grpId="0" nodeType="clickEffect">
+                                  <p:stCondLst>
+                                    <p:cond delay="0"/>
+                                  </p:stCondLst>
+                                  <p:childTnLst>
+                                    <p:set>
+                                      <p:cBhvr>
+                                        <p:cTn id="10" dur="1" fill="hold">
+                                          <p:stCondLst>
+                                            <p:cond delay="0"/>
+                                          </p:stCondLst>
+                                        </p:cTn>
+                                        <p:tgtEl>
+                                          <p:spTgt spid="28"/>
+                                        </p:tgtEl>
+                                        <p:attrNameLst>
+                                          <p:attrName>style.visibility</p:attrName>
+                                        </p:attrNameLst>
+                                      </p:cBhvr>
+                                      <p:to>
+                                        <p:strVal val="visible"/>
+                                      </p:to>
+                                    </p:set>
+                                  </p:childTnLst>
+                                </p:cTn>
+                              </p:par>
+                              <p:par>
+                                <p:cTn id="11" presetID="1" presetClass="entr" presetSubtype="0" fill="hold" grpId="0" nodeType="withEffect">
+                                  <p:stCondLst>
+                                    <p:cond delay="0"/>
+                                  </p:stCondLst>
+                                  <p:childTnLst>
+                                    <p:set>
+                                      <p:cBhvr>
+                                        <p:cTn id="12" dur="1" fill="hold">
+                                          <p:stCondLst>
+                                            <p:cond delay="0"/>
+                                          </p:stCondLst>
+                                        </p:cTn>
+                                        <p:tgtEl>
+                                          <p:spTgt spid="32"/>
+                                        </p:tgtEl>
+                                        <p:attrNameLst>
+                                          <p:attrName>style.visibility</p:attrName>
+                                        </p:attrNameLst>
+                                      </p:cBhvr>
+                                      <p:to>
+                                        <p:strVal val="visible"/>
+                                      </p:to>
+                                    </p:set>
+                                  </p:childTnLst>
+                                </p:cTn>
+                              </p:par>
+                            </p:childTnLst>
+                          </p:cTn>
+                        </p:par>
+                      </p:childTnLst>
+                    </p:cTn>
+                  </p:par>
+                  <p:par>
+                    <p:cTn id="13" fill="hold">
+                      <p:stCondLst>
+                        <p:cond delay="indefinite"/>
+                      </p:stCondLst>
+                      <p:childTnLst>
+                        <p:par>
+                          <p:cTn id="14" fill="hold">
+                            <p:stCondLst>
+                              <p:cond delay="0"/>
+                            </p:stCondLst>
+                            <p:childTnLst>
+                              <p:par>
+                                <p:cTn id="15" presetID="1" presetClass="entr" presetSubtype="0" fill="hold" grpId="0" nodeType="clickEffect">
+                                  <p:stCondLst>
+                                    <p:cond delay="0"/>
+                                  </p:stCondLst>
+                                  <p:childTnLst>
+                                    <p:set>
+                                      <p:cBhvr>
+                                        <p:cTn id="16" dur="1" fill="hold">
+                                          <p:stCondLst>
+                                            <p:cond delay="0"/>
+                                          </p:stCondLst>
+                                        </p:cTn>
+                                        <p:tgtEl>
+                                          <p:spTgt spid="35"/>
+                                        </p:tgtEl>
+                                        <p:attrNameLst>
+                                          <p:attrName>style.visibility</p:attrName>
+                                        </p:attrNameLst>
+                                      </p:cBhvr>
+                                      <p:to>
+                                        <p:strVal val="visible"/>
+                                      </p:to>
+                                    </p:set>
+                                  </p:childTnLst>
+                                </p:cTn>
+                              </p:par>
+                              <p:par>
+                                <p:cTn id="17" presetID="1" presetClass="entr" presetSubtype="0" fill="hold" grpId="0" nodeType="withEffect">
+                                  <p:stCondLst>
+                                    <p:cond delay="0"/>
+                                  </p:stCondLst>
+                                  <p:childTnLst>
+                                    <p:set>
+                                      <p:cBhvr>
+                                        <p:cTn id="18" dur="1" fill="hold">
+                                          <p:stCondLst>
+                                            <p:cond delay="0"/>
+                                          </p:stCondLst>
+                                        </p:cTn>
+                                        <p:tgtEl>
+                                          <p:spTgt spid="36"/>
+                                        </p:tgtEl>
+                                        <p:attrNameLst>
+                                          <p:attrName>style.visibility</p:attrName>
+                                        </p:attrNameLst>
+                                      </p:cBhvr>
+                                      <p:to>
+                                        <p:strVal val="visible"/>
+                                      </p:to>
+                                    </p:set>
+                                  </p:childTnLst>
+                                </p:cTn>
+                              </p:par>
+                            </p:childTnLst>
+                          </p:cTn>
+                        </p:par>
+                      </p:childTnLst>
+                    </p:cTn>
+                  </p:par>
+                </p:childTnLst>
+              </p:cTn>
+              <p:prevCondLst>
+                <p:cond evt="onPrev" delay="0">
+                  <p:tgtEl>
+                    <p:sldTgt/>
+                  </p:tgtEl>
+                </p:cond>
+              </p:prevCondLst>
+              <p:nextCondLst>
+                <p:cond evt="onNext" delay="0">
+                  <p:tgtEl>
+                    <p:sldTgt/>
+                  </p:tgtEl>
+                </p:cond>
+              </p:nextCondLst>
+            </p:seq>
+          </p:childTnLst>
+        </p:cTn>
+      </p:par>
+    </p:tnLst>
+    <p:bldLst>
+      <p:bldP spid="28" grpId="0"/>
+      <p:bldP spid="32" grpId="0" animBg="1"/>
+      <p:bldP spid="35" grpId="0"/>
+      <p:bldP spid="36" grpId="0" animBg="1"/>
+      <p:bldP spid="29" grpId="0"/>
+    </p:bldLst>
+  </p:timing>
+</p:sld>
+</file>
+
+<file path=ppt/slides/slide13.xml><?xml version="1.0" encoding="utf-8"?>
+<p:sld xmlns:a="http://schemas.openxmlformats.org/drawingml/2006/main" xmlns:r="http://schemas.openxmlformats.org/officeDocument/2006/relationships" xmlns:p="http://schemas.openxmlformats.org/presentationml/2006/main">
+  <p:cSld>
+    <p:spTree>
+      <p:nvGrpSpPr>
+        <p:cNvPr id="1" name=""/>
+        <p:cNvGrpSpPr/>
+        <p:nvPr/>
+      </p:nvGrpSpPr>
+      <p:grpSpPr>
+        <a:xfrm>
+          <a:off x="0" y="0"/>
+          <a:ext cx="0" cy="0"/>
+          <a:chOff x="0" y="0"/>
+          <a:chExt cx="0" cy="0"/>
+        </a:xfrm>
+      </p:grpSpPr>
+      <p:sp>
+        <p:nvSpPr>
           <p:cNvPr id="4" name="Title 3">
             <a:extLst>
               <a:ext uri="{FF2B5EF4-FFF2-40B4-BE49-F238E27FC236}">
@@ -6581,8 +9412,16 @@
           <a:lstStyle/>
           <a:p>
             <a:r>
+              <a:rPr lang="en-US" sz="3600" dirty="0">
+                <a:latin typeface="Menlo" panose="020B0609030804020204" pitchFamily="49" charset="0"/>
+                <a:ea typeface="Menlo" panose="020B0609030804020204" pitchFamily="49" charset="0"/>
+                <a:cs typeface="Menlo" panose="020B0609030804020204" pitchFamily="49" charset="0"/>
+              </a:rPr>
+              <a:t>compartments</a:t>
+            </a:r>
+            <a:r>
               <a:rPr lang="en-US" dirty="0"/>
-              <a:t>compartments block specifies compartmental topology and properties</a:t>
+              <a:t> block specifies compartmental topology and properties</a:t>
             </a:r>
           </a:p>
         </p:txBody>
@@ -7461,7 +10300,7 @@
           <a:p>
             <a:fld id="{ACBFD042-C91F-404F-967F-80F6580C454E}" type="slidenum">
               <a:rPr lang="en-US" smtClean="0"/>
-              <a:t>12</a:t>
+              <a:t>13</a:t>
             </a:fld>
             <a:endParaRPr lang="en-US"/>
           </a:p>
@@ -7471,288 +10310,6 @@
     <p:extLst>
       <p:ext uri="{BB962C8B-B14F-4D97-AF65-F5344CB8AC3E}">
         <p14:creationId xmlns:p14="http://schemas.microsoft.com/office/powerpoint/2010/main" val="128722202"/>
-      </p:ext>
-    </p:extLst>
-  </p:cSld>
-  <p:clrMapOvr>
-    <a:masterClrMapping/>
-  </p:clrMapOvr>
-</p:sld>
-</file>
-
-<file path=ppt/slides/slide13.xml><?xml version="1.0" encoding="utf-8"?>
-<p:sld xmlns:a="http://schemas.openxmlformats.org/drawingml/2006/main" xmlns:r="http://schemas.openxmlformats.org/officeDocument/2006/relationships" xmlns:p="http://schemas.openxmlformats.org/presentationml/2006/main">
-  <p:cSld>
-    <p:spTree>
-      <p:nvGrpSpPr>
-        <p:cNvPr id="1" name=""/>
-        <p:cNvGrpSpPr/>
-        <p:nvPr/>
-      </p:nvGrpSpPr>
-      <p:grpSpPr>
-        <a:xfrm>
-          <a:off x="0" y="0"/>
-          <a:ext cx="0" cy="0"/>
-          <a:chOff x="0" y="0"/>
-          <a:chExt cx="0" cy="0"/>
-        </a:xfrm>
-      </p:grpSpPr>
-      <p:sp>
-        <p:nvSpPr>
-          <p:cNvPr id="2" name="Title 1">
-            <a:extLst>
-              <a:ext uri="{FF2B5EF4-FFF2-40B4-BE49-F238E27FC236}">
-                <a16:creationId xmlns:a16="http://schemas.microsoft.com/office/drawing/2014/main" id="{552CC12D-3B62-AA4E-8D9C-DEE0E4C1AB69}"/>
-              </a:ext>
-            </a:extLst>
-          </p:cNvPr>
-          <p:cNvSpPr>
-            <a:spLocks noGrp="1"/>
-          </p:cNvSpPr>
-          <p:nvPr>
-            <p:ph type="title"/>
-          </p:nvPr>
-        </p:nvSpPr>
-        <p:spPr/>
-        <p:txBody>
-          <a:bodyPr/>
-          <a:lstStyle/>
-          <a:p>
-            <a:r>
-              <a:rPr lang="en-US" dirty="0"/>
-              <a:t>Sources of information about compartmental models</a:t>
-            </a:r>
-          </a:p>
-        </p:txBody>
-      </p:sp>
-      <p:sp>
-        <p:nvSpPr>
-          <p:cNvPr id="4" name="Content Placeholder 3">
-            <a:extLst>
-              <a:ext uri="{FF2B5EF4-FFF2-40B4-BE49-F238E27FC236}">
-                <a16:creationId xmlns:a16="http://schemas.microsoft.com/office/drawing/2014/main" id="{157A7146-96C2-214D-BE37-514B554F2A1B}"/>
-              </a:ext>
-            </a:extLst>
-          </p:cNvPr>
-          <p:cNvSpPr>
-            <a:spLocks noGrp="1"/>
-          </p:cNvSpPr>
-          <p:nvPr>
-            <p:ph idx="1"/>
-          </p:nvPr>
-        </p:nvSpPr>
-        <p:spPr>
-          <a:xfrm>
-            <a:off x="838200" y="1825625"/>
-            <a:ext cx="11208026" cy="4351338"/>
-          </a:xfrm>
-        </p:spPr>
-        <p:txBody>
-          <a:bodyPr/>
-          <a:lstStyle/>
-          <a:p>
-            <a:r>
-              <a:rPr lang="en-US" dirty="0">
-                <a:hlinkClick r:id="rId2"/>
-              </a:rPr>
-              <a:t>bionetgen.org </a:t>
-            </a:r>
-            <a:r>
-              <a:rPr lang="en-US" dirty="0"/>
-              <a:t>– Main website for </a:t>
-            </a:r>
-            <a:r>
-              <a:rPr lang="en-US" dirty="0" err="1"/>
-              <a:t>BioNetGen</a:t>
-            </a:r>
-            <a:endParaRPr lang="en-US" dirty="0"/>
-          </a:p>
-          <a:p>
-            <a:r>
-              <a:rPr lang="en-US" dirty="0">
-                <a:hlinkClick r:id="rId3"/>
-              </a:rPr>
-              <a:t>bionetgen.org/tutorial</a:t>
-            </a:r>
-            <a:r>
-              <a:rPr lang="en-US" dirty="0"/>
-              <a:t> – Extensive examples with documentation</a:t>
-            </a:r>
-          </a:p>
-          <a:p>
-            <a:pPr lvl="1"/>
-            <a:r>
-              <a:rPr lang="en-US" dirty="0"/>
-              <a:t>Simple compartmental models are </a:t>
-            </a:r>
-            <a:r>
-              <a:rPr lang="en-US" dirty="0">
-                <a:hlinkClick r:id="rId4"/>
-              </a:rPr>
-              <a:t>here</a:t>
-            </a:r>
-            <a:r>
-              <a:rPr lang="en-US" dirty="0"/>
-              <a:t>.</a:t>
-            </a:r>
-          </a:p>
-          <a:p>
-            <a:pPr lvl="1"/>
-            <a:endParaRPr lang="en-US" dirty="0"/>
-          </a:p>
-          <a:p>
-            <a:pPr lvl="1"/>
-            <a:endParaRPr lang="en-US" dirty="0"/>
-          </a:p>
-          <a:p>
-            <a:pPr lvl="1"/>
-            <a:endParaRPr lang="en-US" dirty="0"/>
-          </a:p>
-          <a:p>
-            <a:r>
-              <a:rPr lang="en-US" dirty="0">
-                <a:hlinkClick r:id="rId5"/>
-              </a:rPr>
-              <a:t>Quick Reference Guide</a:t>
-            </a:r>
-            <a:r>
-              <a:rPr lang="en-US" dirty="0"/>
-              <a:t>*– Handy overview of model syntax and conventions</a:t>
-            </a:r>
-          </a:p>
-          <a:p>
-            <a:r>
-              <a:rPr lang="en-US" dirty="0">
-                <a:hlinkClick r:id="rId6"/>
-              </a:rPr>
-              <a:t>Actions and Arguments Guide</a:t>
-            </a:r>
-            <a:r>
-              <a:rPr lang="en-US" dirty="0"/>
-              <a:t>*– Full documentation of </a:t>
-            </a:r>
-            <a:r>
-              <a:rPr lang="en-US" sz="2400" dirty="0">
-                <a:latin typeface="Monaco" pitchFamily="2" charset="77"/>
-              </a:rPr>
-              <a:t>action</a:t>
-            </a:r>
-            <a:r>
-              <a:rPr lang="en-US" dirty="0"/>
-              <a:t> syntax.</a:t>
-            </a:r>
-          </a:p>
-          <a:p>
-            <a:endParaRPr lang="en-US" dirty="0"/>
-          </a:p>
-        </p:txBody>
-      </p:sp>
-      <p:sp>
-        <p:nvSpPr>
-          <p:cNvPr id="3" name="Slide Number Placeholder 2">
-            <a:extLst>
-              <a:ext uri="{FF2B5EF4-FFF2-40B4-BE49-F238E27FC236}">
-                <a16:creationId xmlns:a16="http://schemas.microsoft.com/office/drawing/2014/main" id="{32774C4C-781B-5A4A-9E23-9A9B4F30D65F}"/>
-              </a:ext>
-            </a:extLst>
-          </p:cNvPr>
-          <p:cNvSpPr>
-            <a:spLocks noGrp="1"/>
-          </p:cNvSpPr>
-          <p:nvPr>
-            <p:ph type="sldNum" sz="quarter" idx="12"/>
-          </p:nvPr>
-        </p:nvSpPr>
-        <p:spPr/>
-        <p:txBody>
-          <a:bodyPr/>
-          <a:lstStyle/>
-          <a:p>
-            <a:fld id="{ACBFD042-C91F-404F-967F-80F6580C454E}" type="slidenum">
-              <a:rPr lang="en-US" smtClean="0"/>
-              <a:t>13</a:t>
-            </a:fld>
-            <a:endParaRPr lang="en-US"/>
-          </a:p>
-        </p:txBody>
-      </p:sp>
-      <p:sp>
-        <p:nvSpPr>
-          <p:cNvPr id="5" name="TextBox 4">
-            <a:extLst>
-              <a:ext uri="{FF2B5EF4-FFF2-40B4-BE49-F238E27FC236}">
-                <a16:creationId xmlns:a16="http://schemas.microsoft.com/office/drawing/2014/main" id="{5600E5DB-4CB5-B246-A0D1-4438234516D9}"/>
-              </a:ext>
-            </a:extLst>
-          </p:cNvPr>
-          <p:cNvSpPr txBox="1"/>
-          <p:nvPr/>
-        </p:nvSpPr>
-        <p:spPr>
-          <a:xfrm>
-            <a:off x="5218044" y="6356350"/>
-            <a:ext cx="5365828" cy="369332"/>
-          </a:xfrm>
-          <a:prstGeom prst="rect">
-            <a:avLst/>
-          </a:prstGeom>
-          <a:noFill/>
-        </p:spPr>
-        <p:txBody>
-          <a:bodyPr wrap="none" rtlCol="0">
-            <a:spAutoFit/>
-          </a:bodyPr>
-          <a:lstStyle/>
-          <a:p>
-            <a:r>
-              <a:rPr lang="en-US" dirty="0"/>
-              <a:t>*Use links on </a:t>
-            </a:r>
-            <a:r>
-              <a:rPr lang="en-US" dirty="0" err="1"/>
-              <a:t>bionetgen.org</a:t>
-            </a:r>
-            <a:r>
-              <a:rPr lang="en-US" dirty="0"/>
-              <a:t> as they may have changed.</a:t>
-            </a:r>
-          </a:p>
-        </p:txBody>
-      </p:sp>
-      <p:pic>
-        <p:nvPicPr>
-          <p:cNvPr id="6" name="Picture 5">
-            <a:extLst>
-              <a:ext uri="{FF2B5EF4-FFF2-40B4-BE49-F238E27FC236}">
-                <a16:creationId xmlns:a16="http://schemas.microsoft.com/office/drawing/2014/main" id="{586DB9C9-8479-9E47-A889-CFE63D78FC5A}"/>
-              </a:ext>
-            </a:extLst>
-          </p:cNvPr>
-          <p:cNvPicPr>
-            <a:picLocks noChangeAspect="1"/>
-          </p:cNvPicPr>
-          <p:nvPr/>
-        </p:nvPicPr>
-        <p:blipFill>
-          <a:blip r:embed="rId7"/>
-          <a:stretch>
-            <a:fillRect/>
-          </a:stretch>
-        </p:blipFill>
-        <p:spPr>
-          <a:xfrm>
-            <a:off x="7043351" y="2814826"/>
-            <a:ext cx="4127157" cy="1561935"/>
-          </a:xfrm>
-          <a:prstGeom prst="rect">
-            <a:avLst/>
-          </a:prstGeom>
-        </p:spPr>
-      </p:pic>
-    </p:spTree>
-    <p:extLst>
-      <p:ext uri="{BB962C8B-B14F-4D97-AF65-F5344CB8AC3E}">
-        <p14:creationId xmlns:p14="http://schemas.microsoft.com/office/powerpoint/2010/main" val="3223791030"/>
       </p:ext>
     </p:extLst>
   </p:cSld>
@@ -7784,7 +10341,7 @@
           <p:cNvPr id="2" name="Title 1">
             <a:extLst>
               <a:ext uri="{FF2B5EF4-FFF2-40B4-BE49-F238E27FC236}">
-                <a16:creationId xmlns:a16="http://schemas.microsoft.com/office/drawing/2014/main" id="{DDA6B9E1-0DD6-7134-80A3-07596C0E363F}"/>
+                <a16:creationId xmlns:a16="http://schemas.microsoft.com/office/drawing/2014/main" id="{AF1E4F3B-2D72-BA08-3DAD-D8BF5EDD2EDF}"/>
               </a:ext>
             </a:extLst>
           </p:cNvPr>
@@ -7802,609 +10359,17 @@
           <a:p>
             <a:r>
               <a:rPr lang="en-US" dirty="0"/>
-              <a:t>Setting up a simple model of ligand-receptor binding</a:t>
-            </a:r>
-          </a:p>
-        </p:txBody>
-      </p:sp>
-      <p:sp>
-        <p:nvSpPr>
-          <p:cNvPr id="4" name="Rectangle 3">
-            <a:extLst>
-              <a:ext uri="{FF2B5EF4-FFF2-40B4-BE49-F238E27FC236}">
-                <a16:creationId xmlns:a16="http://schemas.microsoft.com/office/drawing/2014/main" id="{CAE63971-9355-15CA-39C2-F793E4619D86}"/>
-              </a:ext>
-            </a:extLst>
-          </p:cNvPr>
-          <p:cNvSpPr/>
-          <p:nvPr/>
-        </p:nvSpPr>
-        <p:spPr>
-          <a:xfrm>
-            <a:off x="665922" y="2097156"/>
-            <a:ext cx="3975652" cy="3776869"/>
-          </a:xfrm>
-          <a:custGeom>
-            <a:avLst/>
-            <a:gdLst>
-              <a:gd name="connsiteX0" fmla="*/ 0 w 3975652"/>
-              <a:gd name="connsiteY0" fmla="*/ 0 h 3776869"/>
-              <a:gd name="connsiteX1" fmla="*/ 528194 w 3975652"/>
-              <a:gd name="connsiteY1" fmla="*/ 0 h 3776869"/>
-              <a:gd name="connsiteX2" fmla="*/ 976874 w 3975652"/>
-              <a:gd name="connsiteY2" fmla="*/ 0 h 3776869"/>
-              <a:gd name="connsiteX3" fmla="*/ 1624338 w 3975652"/>
-              <a:gd name="connsiteY3" fmla="*/ 0 h 3776869"/>
-              <a:gd name="connsiteX4" fmla="*/ 2152532 w 3975652"/>
-              <a:gd name="connsiteY4" fmla="*/ 0 h 3776869"/>
-              <a:gd name="connsiteX5" fmla="*/ 2680725 w 3975652"/>
-              <a:gd name="connsiteY5" fmla="*/ 0 h 3776869"/>
-              <a:gd name="connsiteX6" fmla="*/ 3328189 w 3975652"/>
-              <a:gd name="connsiteY6" fmla="*/ 0 h 3776869"/>
-              <a:gd name="connsiteX7" fmla="*/ 3975652 w 3975652"/>
-              <a:gd name="connsiteY7" fmla="*/ 0 h 3776869"/>
-              <a:gd name="connsiteX8" fmla="*/ 3975652 w 3975652"/>
-              <a:gd name="connsiteY8" fmla="*/ 615090 h 3776869"/>
-              <a:gd name="connsiteX9" fmla="*/ 3975652 w 3975652"/>
-              <a:gd name="connsiteY9" fmla="*/ 1079105 h 3776869"/>
-              <a:gd name="connsiteX10" fmla="*/ 3975652 w 3975652"/>
-              <a:gd name="connsiteY10" fmla="*/ 1543121 h 3776869"/>
-              <a:gd name="connsiteX11" fmla="*/ 3975652 w 3975652"/>
-              <a:gd name="connsiteY11" fmla="*/ 2082673 h 3776869"/>
-              <a:gd name="connsiteX12" fmla="*/ 3975652 w 3975652"/>
-              <a:gd name="connsiteY12" fmla="*/ 2659995 h 3776869"/>
-              <a:gd name="connsiteX13" fmla="*/ 3975652 w 3975652"/>
-              <a:gd name="connsiteY13" fmla="*/ 3086242 h 3776869"/>
-              <a:gd name="connsiteX14" fmla="*/ 3975652 w 3975652"/>
-              <a:gd name="connsiteY14" fmla="*/ 3776869 h 3776869"/>
-              <a:gd name="connsiteX15" fmla="*/ 3407702 w 3975652"/>
-              <a:gd name="connsiteY15" fmla="*/ 3776869 h 3776869"/>
-              <a:gd name="connsiteX16" fmla="*/ 2839751 w 3975652"/>
-              <a:gd name="connsiteY16" fmla="*/ 3776869 h 3776869"/>
-              <a:gd name="connsiteX17" fmla="*/ 2192288 w 3975652"/>
-              <a:gd name="connsiteY17" fmla="*/ 3776869 h 3776869"/>
-              <a:gd name="connsiteX18" fmla="*/ 1624338 w 3975652"/>
-              <a:gd name="connsiteY18" fmla="*/ 3776869 h 3776869"/>
-              <a:gd name="connsiteX19" fmla="*/ 1175657 w 3975652"/>
-              <a:gd name="connsiteY19" fmla="*/ 3776869 h 3776869"/>
-              <a:gd name="connsiteX20" fmla="*/ 687220 w 3975652"/>
-              <a:gd name="connsiteY20" fmla="*/ 3776869 h 3776869"/>
-              <a:gd name="connsiteX21" fmla="*/ 0 w 3975652"/>
-              <a:gd name="connsiteY21" fmla="*/ 3776869 h 3776869"/>
-              <a:gd name="connsiteX22" fmla="*/ 0 w 3975652"/>
-              <a:gd name="connsiteY22" fmla="*/ 3237316 h 3776869"/>
-              <a:gd name="connsiteX23" fmla="*/ 0 w 3975652"/>
-              <a:gd name="connsiteY23" fmla="*/ 2697764 h 3776869"/>
-              <a:gd name="connsiteX24" fmla="*/ 0 w 3975652"/>
-              <a:gd name="connsiteY24" fmla="*/ 2195980 h 3776869"/>
-              <a:gd name="connsiteX25" fmla="*/ 0 w 3975652"/>
-              <a:gd name="connsiteY25" fmla="*/ 1769733 h 3776869"/>
-              <a:gd name="connsiteX26" fmla="*/ 0 w 3975652"/>
-              <a:gd name="connsiteY26" fmla="*/ 1343486 h 3776869"/>
-              <a:gd name="connsiteX27" fmla="*/ 0 w 3975652"/>
-              <a:gd name="connsiteY27" fmla="*/ 766165 h 3776869"/>
-              <a:gd name="connsiteX28" fmla="*/ 0 w 3975652"/>
-              <a:gd name="connsiteY28" fmla="*/ 0 h 3776869"/>
-            </a:gdLst>
-            <a:ahLst/>
-            <a:cxnLst>
-              <a:cxn ang="0">
-                <a:pos x="connsiteX0" y="connsiteY0"/>
-              </a:cxn>
-              <a:cxn ang="0">
-                <a:pos x="connsiteX1" y="connsiteY1"/>
-              </a:cxn>
-              <a:cxn ang="0">
-                <a:pos x="connsiteX2" y="connsiteY2"/>
-              </a:cxn>
-              <a:cxn ang="0">
-                <a:pos x="connsiteX3" y="connsiteY3"/>
-              </a:cxn>
-              <a:cxn ang="0">
-                <a:pos x="connsiteX4" y="connsiteY4"/>
-              </a:cxn>
-              <a:cxn ang="0">
-                <a:pos x="connsiteX5" y="connsiteY5"/>
-              </a:cxn>
-              <a:cxn ang="0">
-                <a:pos x="connsiteX6" y="connsiteY6"/>
-              </a:cxn>
-              <a:cxn ang="0">
-                <a:pos x="connsiteX7" y="connsiteY7"/>
-              </a:cxn>
-              <a:cxn ang="0">
-                <a:pos x="connsiteX8" y="connsiteY8"/>
-              </a:cxn>
-              <a:cxn ang="0">
-                <a:pos x="connsiteX9" y="connsiteY9"/>
-              </a:cxn>
-              <a:cxn ang="0">
-                <a:pos x="connsiteX10" y="connsiteY10"/>
-              </a:cxn>
-              <a:cxn ang="0">
-                <a:pos x="connsiteX11" y="connsiteY11"/>
-              </a:cxn>
-              <a:cxn ang="0">
-                <a:pos x="connsiteX12" y="connsiteY12"/>
-              </a:cxn>
-              <a:cxn ang="0">
-                <a:pos x="connsiteX13" y="connsiteY13"/>
-              </a:cxn>
-              <a:cxn ang="0">
-                <a:pos x="connsiteX14" y="connsiteY14"/>
-              </a:cxn>
-              <a:cxn ang="0">
-                <a:pos x="connsiteX15" y="connsiteY15"/>
-              </a:cxn>
-              <a:cxn ang="0">
-                <a:pos x="connsiteX16" y="connsiteY16"/>
-              </a:cxn>
-              <a:cxn ang="0">
-                <a:pos x="connsiteX17" y="connsiteY17"/>
-              </a:cxn>
-              <a:cxn ang="0">
-                <a:pos x="connsiteX18" y="connsiteY18"/>
-              </a:cxn>
-              <a:cxn ang="0">
-                <a:pos x="connsiteX19" y="connsiteY19"/>
-              </a:cxn>
-              <a:cxn ang="0">
-                <a:pos x="connsiteX20" y="connsiteY20"/>
-              </a:cxn>
-              <a:cxn ang="0">
-                <a:pos x="connsiteX21" y="connsiteY21"/>
-              </a:cxn>
-              <a:cxn ang="0">
-                <a:pos x="connsiteX22" y="connsiteY22"/>
-              </a:cxn>
-              <a:cxn ang="0">
-                <a:pos x="connsiteX23" y="connsiteY23"/>
-              </a:cxn>
-              <a:cxn ang="0">
-                <a:pos x="connsiteX24" y="connsiteY24"/>
-              </a:cxn>
-              <a:cxn ang="0">
-                <a:pos x="connsiteX25" y="connsiteY25"/>
-              </a:cxn>
-              <a:cxn ang="0">
-                <a:pos x="connsiteX26" y="connsiteY26"/>
-              </a:cxn>
-              <a:cxn ang="0">
-                <a:pos x="connsiteX27" y="connsiteY27"/>
-              </a:cxn>
-              <a:cxn ang="0">
-                <a:pos x="connsiteX28" y="connsiteY28"/>
-              </a:cxn>
-            </a:cxnLst>
-            <a:rect l="l" t="t" r="r" b="b"/>
-            <a:pathLst>
-              <a:path w="3975652" h="3776869" extrusionOk="0">
-                <a:moveTo>
-                  <a:pt x="0" y="0"/>
-                </a:moveTo>
-                <a:cubicBezTo>
-                  <a:pt x="146543" y="-52885"/>
-                  <a:pt x="266299" y="22001"/>
-                  <a:pt x="528194" y="0"/>
-                </a:cubicBezTo>
-                <a:cubicBezTo>
-                  <a:pt x="790089" y="-22001"/>
-                  <a:pt x="843782" y="18531"/>
-                  <a:pt x="976874" y="0"/>
-                </a:cubicBezTo>
-                <a:cubicBezTo>
-                  <a:pt x="1109966" y="-18531"/>
-                  <a:pt x="1403230" y="47683"/>
-                  <a:pt x="1624338" y="0"/>
-                </a:cubicBezTo>
-                <a:cubicBezTo>
-                  <a:pt x="1845446" y="-47683"/>
-                  <a:pt x="1931084" y="41422"/>
-                  <a:pt x="2152532" y="0"/>
-                </a:cubicBezTo>
-                <a:cubicBezTo>
-                  <a:pt x="2373980" y="-41422"/>
-                  <a:pt x="2526538" y="40307"/>
-                  <a:pt x="2680725" y="0"/>
-                </a:cubicBezTo>
-                <a:cubicBezTo>
-                  <a:pt x="2834912" y="-40307"/>
-                  <a:pt x="3020336" y="59664"/>
-                  <a:pt x="3328189" y="0"/>
-                </a:cubicBezTo>
-                <a:cubicBezTo>
-                  <a:pt x="3636042" y="-59664"/>
-                  <a:pt x="3817660" y="3803"/>
-                  <a:pt x="3975652" y="0"/>
-                </a:cubicBezTo>
-                <a:cubicBezTo>
-                  <a:pt x="4045686" y="148507"/>
-                  <a:pt x="3959995" y="341072"/>
-                  <a:pt x="3975652" y="615090"/>
-                </a:cubicBezTo>
-                <a:cubicBezTo>
-                  <a:pt x="3991309" y="889108"/>
-                  <a:pt x="3934943" y="907993"/>
-                  <a:pt x="3975652" y="1079105"/>
-                </a:cubicBezTo>
-                <a:cubicBezTo>
-                  <a:pt x="4016361" y="1250218"/>
-                  <a:pt x="3936409" y="1397518"/>
-                  <a:pt x="3975652" y="1543121"/>
-                </a:cubicBezTo>
-                <a:cubicBezTo>
-                  <a:pt x="4014895" y="1688724"/>
-                  <a:pt x="3921037" y="1847420"/>
-                  <a:pt x="3975652" y="2082673"/>
-                </a:cubicBezTo>
-                <a:cubicBezTo>
-                  <a:pt x="4030267" y="2317926"/>
-                  <a:pt x="3930974" y="2378582"/>
-                  <a:pt x="3975652" y="2659995"/>
-                </a:cubicBezTo>
-                <a:cubicBezTo>
-                  <a:pt x="4020330" y="2941408"/>
-                  <a:pt x="3937120" y="2909879"/>
-                  <a:pt x="3975652" y="3086242"/>
-                </a:cubicBezTo>
-                <a:cubicBezTo>
-                  <a:pt x="4014184" y="3262605"/>
-                  <a:pt x="3925902" y="3607411"/>
-                  <a:pt x="3975652" y="3776869"/>
-                </a:cubicBezTo>
-                <a:cubicBezTo>
-                  <a:pt x="3731113" y="3843588"/>
-                  <a:pt x="3550278" y="3744662"/>
-                  <a:pt x="3407702" y="3776869"/>
-                </a:cubicBezTo>
-                <a:cubicBezTo>
-                  <a:pt x="3265126" y="3809076"/>
-                  <a:pt x="3003274" y="3730024"/>
-                  <a:pt x="2839751" y="3776869"/>
-                </a:cubicBezTo>
-                <a:cubicBezTo>
-                  <a:pt x="2676228" y="3823714"/>
-                  <a:pt x="2425553" y="3756809"/>
-                  <a:pt x="2192288" y="3776869"/>
-                </a:cubicBezTo>
-                <a:cubicBezTo>
-                  <a:pt x="1959023" y="3796929"/>
-                  <a:pt x="1793781" y="3752071"/>
-                  <a:pt x="1624338" y="3776869"/>
-                </a:cubicBezTo>
-                <a:cubicBezTo>
-                  <a:pt x="1454895" y="3801667"/>
-                  <a:pt x="1358944" y="3766524"/>
-                  <a:pt x="1175657" y="3776869"/>
-                </a:cubicBezTo>
-                <a:cubicBezTo>
-                  <a:pt x="992370" y="3787214"/>
-                  <a:pt x="893571" y="3731668"/>
-                  <a:pt x="687220" y="3776869"/>
-                </a:cubicBezTo>
-                <a:cubicBezTo>
-                  <a:pt x="480869" y="3822070"/>
-                  <a:pt x="155471" y="3744485"/>
-                  <a:pt x="0" y="3776869"/>
-                </a:cubicBezTo>
-                <a:cubicBezTo>
-                  <a:pt x="-57422" y="3606426"/>
-                  <a:pt x="15429" y="3489126"/>
-                  <a:pt x="0" y="3237316"/>
-                </a:cubicBezTo>
-                <a:cubicBezTo>
-                  <a:pt x="-15429" y="2985506"/>
-                  <a:pt x="30812" y="2903278"/>
-                  <a:pt x="0" y="2697764"/>
-                </a:cubicBezTo>
-                <a:cubicBezTo>
-                  <a:pt x="-30812" y="2492250"/>
-                  <a:pt x="25273" y="2410758"/>
-                  <a:pt x="0" y="2195980"/>
-                </a:cubicBezTo>
-                <a:cubicBezTo>
-                  <a:pt x="-25273" y="1981202"/>
-                  <a:pt x="44909" y="1964437"/>
-                  <a:pt x="0" y="1769733"/>
-                </a:cubicBezTo>
-                <a:cubicBezTo>
-                  <a:pt x="-44909" y="1575029"/>
-                  <a:pt x="42165" y="1481248"/>
-                  <a:pt x="0" y="1343486"/>
-                </a:cubicBezTo>
-                <a:cubicBezTo>
-                  <a:pt x="-42165" y="1205724"/>
-                  <a:pt x="60655" y="884761"/>
-                  <a:pt x="0" y="766165"/>
-                </a:cubicBezTo>
-                <a:cubicBezTo>
-                  <a:pt x="-60655" y="647569"/>
-                  <a:pt x="7915" y="317147"/>
-                  <a:pt x="0" y="0"/>
-                </a:cubicBezTo>
-                <a:close/>
-              </a:path>
-            </a:pathLst>
-          </a:custGeom>
-          <a:noFill/>
-          <a:ln>
-            <a:solidFill>
-              <a:srgbClr val="2F5597"/>
-            </a:solidFill>
-            <a:extLst>
-              <a:ext uri="{C807C97D-BFC1-408E-A445-0C87EB9F89A2}">
-                <ask:lineSketchStyleProps xmlns:ask="http://schemas.microsoft.com/office/drawing/2018/sketchyshapes" sd="1219033472">
-                  <a:prstGeom prst="rect">
-                    <a:avLst/>
-                  </a:prstGeom>
-                  <ask:type>
-                    <ask:lineSketchScribble/>
-                  </ask:type>
-                </ask:lineSketchStyleProps>
-              </a:ext>
-            </a:extLst>
-          </a:ln>
-        </p:spPr>
-        <p:style>
-          <a:lnRef idx="2">
-            <a:schemeClr val="accent1">
-              <a:shade val="50000"/>
-            </a:schemeClr>
-          </a:lnRef>
-          <a:fillRef idx="1">
-            <a:schemeClr val="accent1"/>
-          </a:fillRef>
-          <a:effectRef idx="0">
-            <a:schemeClr val="accent1"/>
-          </a:effectRef>
-          <a:fontRef idx="minor">
-            <a:schemeClr val="lt1"/>
-          </a:fontRef>
-        </p:style>
-        <p:txBody>
-          <a:bodyPr rtlCol="0" anchor="ctr"/>
-          <a:lstStyle/>
-          <a:p>
-            <a:pPr algn="ctr"/>
-            <a:endParaRPr lang="en-US">
-              <a:solidFill>
-                <a:schemeClr val="accent1">
-                  <a:lumMod val="75000"/>
-                </a:schemeClr>
-              </a:solidFill>
-            </a:endParaRPr>
-          </a:p>
-        </p:txBody>
-      </p:sp>
-      <p:sp>
-        <p:nvSpPr>
-          <p:cNvPr id="5" name="TextBox 4">
-            <a:extLst>
-              <a:ext uri="{FF2B5EF4-FFF2-40B4-BE49-F238E27FC236}">
-                <a16:creationId xmlns:a16="http://schemas.microsoft.com/office/drawing/2014/main" id="{49A88964-66D9-3663-78FB-391228F9D619}"/>
-              </a:ext>
-            </a:extLst>
-          </p:cNvPr>
-          <p:cNvSpPr txBox="1"/>
-          <p:nvPr/>
-        </p:nvSpPr>
-        <p:spPr>
-          <a:xfrm>
-            <a:off x="4641574" y="1912491"/>
-            <a:ext cx="2393156" cy="369332"/>
-          </a:xfrm>
-          <a:prstGeom prst="rect">
-            <a:avLst/>
-          </a:prstGeom>
-          <a:noFill/>
-        </p:spPr>
-        <p:txBody>
-          <a:bodyPr wrap="none" rtlCol="0">
-            <a:spAutoFit/>
-          </a:bodyPr>
-          <a:lstStyle/>
-          <a:p>
-            <a:r>
-              <a:rPr lang="en-US" b="1" dirty="0">
-                <a:solidFill>
-                  <a:srgbClr val="2F5597"/>
-                </a:solidFill>
-              </a:rPr>
-              <a:t>Extracellular space (EC)</a:t>
-            </a:r>
-          </a:p>
-        </p:txBody>
-      </p:sp>
-      <p:sp>
-        <p:nvSpPr>
-          <p:cNvPr id="6" name="Oval 5">
-            <a:extLst>
-              <a:ext uri="{FF2B5EF4-FFF2-40B4-BE49-F238E27FC236}">
-                <a16:creationId xmlns:a16="http://schemas.microsoft.com/office/drawing/2014/main" id="{DE4571F8-EF21-E62A-2168-F85F955CBDF1}"/>
-              </a:ext>
-            </a:extLst>
-          </p:cNvPr>
-          <p:cNvSpPr/>
-          <p:nvPr/>
-        </p:nvSpPr>
-        <p:spPr>
-          <a:xfrm>
-            <a:off x="2012673" y="3429000"/>
-            <a:ext cx="1456083" cy="1252330"/>
-          </a:xfrm>
-          <a:prstGeom prst="ellipse">
-            <a:avLst/>
-          </a:prstGeom>
-          <a:solidFill>
-            <a:schemeClr val="accent6">
-              <a:lumMod val="60000"/>
-              <a:lumOff val="40000"/>
-            </a:schemeClr>
-          </a:solidFill>
-          <a:ln w="57150">
-            <a:solidFill>
-              <a:schemeClr val="accent2">
-                <a:lumMod val="75000"/>
-              </a:schemeClr>
-            </a:solidFill>
-          </a:ln>
-        </p:spPr>
-        <p:style>
-          <a:lnRef idx="2">
-            <a:schemeClr val="accent1">
-              <a:shade val="50000"/>
-            </a:schemeClr>
-          </a:lnRef>
-          <a:fillRef idx="1">
-            <a:schemeClr val="accent1"/>
-          </a:fillRef>
-          <a:effectRef idx="0">
-            <a:schemeClr val="accent1"/>
-          </a:effectRef>
-          <a:fontRef idx="minor">
-            <a:schemeClr val="lt1"/>
-          </a:fontRef>
-        </p:style>
-        <p:txBody>
-          <a:bodyPr rtlCol="0" anchor="ctr"/>
-          <a:lstStyle/>
-          <a:p>
-            <a:pPr algn="ctr"/>
-            <a:endParaRPr lang="en-US"/>
-          </a:p>
-        </p:txBody>
-      </p:sp>
-      <p:sp>
-        <p:nvSpPr>
-          <p:cNvPr id="7" name="TextBox 6">
-            <a:extLst>
-              <a:ext uri="{FF2B5EF4-FFF2-40B4-BE49-F238E27FC236}">
-                <a16:creationId xmlns:a16="http://schemas.microsoft.com/office/drawing/2014/main" id="{F7B70CF3-F767-D420-2AB3-C1405E0B2F7D}"/>
-              </a:ext>
-            </a:extLst>
-          </p:cNvPr>
-          <p:cNvSpPr txBox="1"/>
-          <p:nvPr/>
-        </p:nvSpPr>
-        <p:spPr>
-          <a:xfrm>
-            <a:off x="3191756" y="3318902"/>
-            <a:ext cx="534121" cy="369332"/>
-          </a:xfrm>
-          <a:prstGeom prst="rect">
-            <a:avLst/>
-          </a:prstGeom>
-          <a:noFill/>
-        </p:spPr>
-        <p:txBody>
-          <a:bodyPr wrap="none" rtlCol="0">
-            <a:spAutoFit/>
-          </a:bodyPr>
-          <a:lstStyle/>
-          <a:p>
-            <a:r>
-              <a:rPr lang="en-US" b="1" dirty="0">
-                <a:solidFill>
-                  <a:schemeClr val="accent1">
-                    <a:lumMod val="75000"/>
-                  </a:schemeClr>
-                </a:solidFill>
-              </a:rPr>
-              <a:t>Cell</a:t>
-            </a:r>
-          </a:p>
-        </p:txBody>
-      </p:sp>
-      <p:sp>
-        <p:nvSpPr>
-          <p:cNvPr id="8" name="TextBox 7">
-            <a:extLst>
-              <a:ext uri="{FF2B5EF4-FFF2-40B4-BE49-F238E27FC236}">
-                <a16:creationId xmlns:a16="http://schemas.microsoft.com/office/drawing/2014/main" id="{A6742B8C-0C79-0A89-3A5D-BD77FF9D4D79}"/>
-              </a:ext>
-            </a:extLst>
-          </p:cNvPr>
-          <p:cNvSpPr txBox="1"/>
-          <p:nvPr/>
-        </p:nvSpPr>
-        <p:spPr>
-          <a:xfrm>
-            <a:off x="892355" y="3658417"/>
-            <a:ext cx="1120318" cy="584775"/>
-          </a:xfrm>
-          <a:prstGeom prst="rect">
-            <a:avLst/>
-          </a:prstGeom>
-          <a:noFill/>
-        </p:spPr>
-        <p:txBody>
-          <a:bodyPr wrap="square" rtlCol="0">
-            <a:spAutoFit/>
-          </a:bodyPr>
-          <a:lstStyle/>
-          <a:p>
-            <a:pPr algn="r"/>
-            <a:r>
-              <a:rPr lang="en-US" sz="1600" b="1" dirty="0">
-                <a:solidFill>
-                  <a:schemeClr val="accent2">
-                    <a:lumMod val="75000"/>
-                  </a:schemeClr>
-                </a:solidFill>
-              </a:rPr>
-              <a:t>Plasma membrane</a:t>
-            </a:r>
-          </a:p>
-        </p:txBody>
-      </p:sp>
-      <p:sp>
-        <p:nvSpPr>
-          <p:cNvPr id="11" name="TextBox 10">
-            <a:extLst>
-              <a:ext uri="{FF2B5EF4-FFF2-40B4-BE49-F238E27FC236}">
-                <a16:creationId xmlns:a16="http://schemas.microsoft.com/office/drawing/2014/main" id="{C70B9B80-D618-A796-0316-980E5983DD7A}"/>
-              </a:ext>
-            </a:extLst>
-          </p:cNvPr>
-          <p:cNvSpPr txBox="1"/>
-          <p:nvPr/>
-        </p:nvSpPr>
-        <p:spPr>
-          <a:xfrm>
-            <a:off x="2205619" y="4111944"/>
-            <a:ext cx="1164614" cy="369332"/>
-          </a:xfrm>
-          <a:prstGeom prst="rect">
-            <a:avLst/>
-          </a:prstGeom>
-          <a:noFill/>
-        </p:spPr>
-        <p:txBody>
-          <a:bodyPr wrap="none" rtlCol="0">
-            <a:spAutoFit/>
-          </a:bodyPr>
-          <a:lstStyle/>
-          <a:p>
-            <a:r>
-              <a:rPr lang="en-US" b="1" dirty="0">
-                <a:solidFill>
-                  <a:schemeClr val="accent6">
-                    <a:lumMod val="20000"/>
-                    <a:lumOff val="80000"/>
-                  </a:schemeClr>
-                </a:solidFill>
-              </a:rPr>
-              <a:t>cytoplasm</a:t>
+              <a:t>Compartmental dimerization model</a:t>
             </a:r>
           </a:p>
         </p:txBody>
       </p:sp>
       <p:grpSp>
         <p:nvGrpSpPr>
-          <p:cNvPr id="9" name="Group 8">
+          <p:cNvPr id="3" name="Group 2">
             <a:extLst>
               <a:ext uri="{FF2B5EF4-FFF2-40B4-BE49-F238E27FC236}">
-                <a16:creationId xmlns:a16="http://schemas.microsoft.com/office/drawing/2014/main" id="{B14DDB73-26B0-41E7-3B32-5C01589A5C50}"/>
+                <a16:creationId xmlns:a16="http://schemas.microsoft.com/office/drawing/2014/main" id="{B72E0177-5CB7-24FA-B6BC-21BAF096EF91}"/>
               </a:ext>
             </a:extLst>
           </p:cNvPr>
@@ -8413,7 +10378,337 @@
         </p:nvGrpSpPr>
         <p:grpSpPr>
           <a:xfrm>
-            <a:off x="6251711" y="3300608"/>
+            <a:off x="838200" y="1879602"/>
+            <a:ext cx="3561080" cy="2642122"/>
+            <a:chOff x="4948555" y="3436882"/>
+            <a:chExt cx="3561080" cy="2483432"/>
+          </a:xfrm>
+        </p:grpSpPr>
+        <p:grpSp>
+          <p:nvGrpSpPr>
+            <p:cNvPr id="4" name="Group 3">
+              <a:extLst>
+                <a:ext uri="{FF2B5EF4-FFF2-40B4-BE49-F238E27FC236}">
+                  <a16:creationId xmlns:a16="http://schemas.microsoft.com/office/drawing/2014/main" id="{AAD636F9-CDDD-4A0D-554F-3CE9C8502714}"/>
+                </a:ext>
+              </a:extLst>
+            </p:cNvPr>
+            <p:cNvGrpSpPr/>
+            <p:nvPr/>
+          </p:nvGrpSpPr>
+          <p:grpSpPr>
+            <a:xfrm>
+              <a:off x="4948555" y="3436882"/>
+              <a:ext cx="3561080" cy="2483432"/>
+              <a:chOff x="4867062" y="3596649"/>
+              <a:chExt cx="3052521" cy="1921031"/>
+            </a:xfrm>
+          </p:grpSpPr>
+          <p:sp>
+            <p:nvSpPr>
+              <p:cNvPr id="20" name="Rectangle 19">
+                <a:extLst>
+                  <a:ext uri="{FF2B5EF4-FFF2-40B4-BE49-F238E27FC236}">
+                    <a16:creationId xmlns:a16="http://schemas.microsoft.com/office/drawing/2014/main" id="{7B9B19FF-D3BE-4297-A8C6-55FBF187E5E3}"/>
+                  </a:ext>
+                </a:extLst>
+              </p:cNvPr>
+              <p:cNvSpPr/>
+              <p:nvPr/>
+            </p:nvSpPr>
+            <p:spPr>
+              <a:xfrm>
+                <a:off x="4867062" y="3596649"/>
+                <a:ext cx="3052521" cy="1921031"/>
+              </a:xfrm>
+              <a:prstGeom prst="rect">
+                <a:avLst/>
+              </a:prstGeom>
+              <a:solidFill>
+                <a:schemeClr val="bg1">
+                  <a:lumMod val="75000"/>
+                </a:schemeClr>
+              </a:solidFill>
+              <a:ln>
+                <a:noFill/>
+              </a:ln>
+            </p:spPr>
+            <p:style>
+              <a:lnRef idx="1">
+                <a:schemeClr val="accent1"/>
+              </a:lnRef>
+              <a:fillRef idx="3">
+                <a:schemeClr val="accent1"/>
+              </a:fillRef>
+              <a:effectRef idx="2">
+                <a:schemeClr val="accent1"/>
+              </a:effectRef>
+              <a:fontRef idx="minor">
+                <a:schemeClr val="lt1"/>
+              </a:fontRef>
+            </p:style>
+            <p:txBody>
+              <a:bodyPr rtlCol="0" anchor="ctr"/>
+              <a:lstStyle/>
+              <a:p>
+                <a:pPr algn="ctr"/>
+                <a:endParaRPr lang="en-US"/>
+              </a:p>
+            </p:txBody>
+          </p:sp>
+          <p:sp>
+            <p:nvSpPr>
+              <p:cNvPr id="21" name="TextBox 20">
+                <a:extLst>
+                  <a:ext uri="{FF2B5EF4-FFF2-40B4-BE49-F238E27FC236}">
+                    <a16:creationId xmlns:a16="http://schemas.microsoft.com/office/drawing/2014/main" id="{3AC741E7-1C80-CA01-6C85-92CED39DACF9}"/>
+                  </a:ext>
+                </a:extLst>
+              </p:cNvPr>
+              <p:cNvSpPr txBox="1"/>
+              <p:nvPr/>
+            </p:nvSpPr>
+            <p:spPr>
+              <a:xfrm>
+                <a:off x="5000728" y="4041294"/>
+                <a:ext cx="183394" cy="215444"/>
+              </a:xfrm>
+              <a:prstGeom prst="rect">
+                <a:avLst/>
+              </a:prstGeom>
+              <a:noFill/>
+            </p:spPr>
+            <p:txBody>
+              <a:bodyPr wrap="none" lIns="0" tIns="0" rIns="0" bIns="0" rtlCol="0">
+                <a:spAutoFit/>
+              </a:bodyPr>
+              <a:lstStyle/>
+              <a:p>
+                <a:r>
+                  <a:rPr lang="en-US" sz="1400" dirty="0"/>
+                  <a:t>EC</a:t>
+                </a:r>
+              </a:p>
+            </p:txBody>
+          </p:sp>
+        </p:grpSp>
+        <p:sp>
+          <p:nvSpPr>
+            <p:cNvPr id="5" name="Oval 4">
+              <a:extLst>
+                <a:ext uri="{FF2B5EF4-FFF2-40B4-BE49-F238E27FC236}">
+                  <a16:creationId xmlns:a16="http://schemas.microsoft.com/office/drawing/2014/main" id="{1852403C-3AFD-49E1-8371-D0EC1184F444}"/>
+                </a:ext>
+              </a:extLst>
+            </p:cNvPr>
+            <p:cNvSpPr/>
+            <p:nvPr/>
+          </p:nvSpPr>
+          <p:spPr>
+            <a:xfrm>
+              <a:off x="5092425" y="4035038"/>
+              <a:ext cx="2658822" cy="1777551"/>
+            </a:xfrm>
+            <a:prstGeom prst="ellipse">
+              <a:avLst/>
+            </a:prstGeom>
+            <a:solidFill>
+              <a:schemeClr val="tx2">
+                <a:lumMod val="20000"/>
+                <a:lumOff val="80000"/>
+              </a:schemeClr>
+            </a:solidFill>
+            <a:ln>
+              <a:solidFill>
+                <a:schemeClr val="tx2"/>
+              </a:solidFill>
+            </a:ln>
+          </p:spPr>
+          <p:style>
+            <a:lnRef idx="1">
+              <a:schemeClr val="accent1"/>
+            </a:lnRef>
+            <a:fillRef idx="3">
+              <a:schemeClr val="accent1"/>
+            </a:fillRef>
+            <a:effectRef idx="2">
+              <a:schemeClr val="accent1"/>
+            </a:effectRef>
+            <a:fontRef idx="minor">
+              <a:schemeClr val="lt1"/>
+            </a:fontRef>
+          </p:style>
+          <p:txBody>
+            <a:bodyPr rtlCol="0" anchor="ctr"/>
+            <a:lstStyle/>
+            <a:p>
+              <a:pPr algn="ctr"/>
+              <a:endParaRPr lang="en-US"/>
+            </a:p>
+          </p:txBody>
+        </p:sp>
+        <p:grpSp>
+          <p:nvGrpSpPr>
+            <p:cNvPr id="6" name="Group 5">
+              <a:extLst>
+                <a:ext uri="{FF2B5EF4-FFF2-40B4-BE49-F238E27FC236}">
+                  <a16:creationId xmlns:a16="http://schemas.microsoft.com/office/drawing/2014/main" id="{966E5BB2-6B12-CD29-63E5-C6EF1CC7BC92}"/>
+                </a:ext>
+              </a:extLst>
+            </p:cNvPr>
+            <p:cNvGrpSpPr/>
+            <p:nvPr/>
+          </p:nvGrpSpPr>
+          <p:grpSpPr>
+            <a:xfrm>
+              <a:off x="5235255" y="4022526"/>
+              <a:ext cx="2415895" cy="1645294"/>
+              <a:chOff x="5235256" y="4022526"/>
+              <a:chExt cx="1918353" cy="1326731"/>
+            </a:xfrm>
+          </p:grpSpPr>
+          <p:sp>
+            <p:nvSpPr>
+              <p:cNvPr id="17" name="Oval 16">
+                <a:extLst>
+                  <a:ext uri="{FF2B5EF4-FFF2-40B4-BE49-F238E27FC236}">
+                    <a16:creationId xmlns:a16="http://schemas.microsoft.com/office/drawing/2014/main" id="{2EAE2D0A-9B11-4B79-342B-E1EB3739E163}"/>
+                  </a:ext>
+                </a:extLst>
+              </p:cNvPr>
+              <p:cNvSpPr/>
+              <p:nvPr/>
+            </p:nvSpPr>
+            <p:spPr>
+              <a:xfrm>
+                <a:off x="5235256" y="4193550"/>
+                <a:ext cx="1918353" cy="1155707"/>
+              </a:xfrm>
+              <a:prstGeom prst="ellipse">
+                <a:avLst/>
+              </a:prstGeom>
+              <a:solidFill>
+                <a:schemeClr val="accent5">
+                  <a:lumMod val="20000"/>
+                  <a:lumOff val="80000"/>
+                </a:schemeClr>
+              </a:solidFill>
+              <a:ln>
+                <a:solidFill>
+                  <a:schemeClr val="tx2"/>
+                </a:solidFill>
+              </a:ln>
+            </p:spPr>
+            <p:style>
+              <a:lnRef idx="1">
+                <a:schemeClr val="accent1"/>
+              </a:lnRef>
+              <a:fillRef idx="3">
+                <a:schemeClr val="accent1"/>
+              </a:fillRef>
+              <a:effectRef idx="2">
+                <a:schemeClr val="accent1"/>
+              </a:effectRef>
+              <a:fontRef idx="minor">
+                <a:schemeClr val="lt1"/>
+              </a:fontRef>
+            </p:style>
+            <p:txBody>
+              <a:bodyPr rtlCol="0" anchor="ctr"/>
+              <a:lstStyle/>
+              <a:p>
+                <a:pPr algn="ctr"/>
+                <a:endParaRPr lang="en-US"/>
+              </a:p>
+            </p:txBody>
+          </p:sp>
+          <p:sp>
+            <p:nvSpPr>
+              <p:cNvPr id="18" name="TextBox 17">
+                <a:extLst>
+                  <a:ext uri="{FF2B5EF4-FFF2-40B4-BE49-F238E27FC236}">
+                    <a16:creationId xmlns:a16="http://schemas.microsoft.com/office/drawing/2014/main" id="{692F840A-F5A8-3E86-702C-08947736F909}"/>
+                  </a:ext>
+                </a:extLst>
+              </p:cNvPr>
+              <p:cNvSpPr txBox="1"/>
+              <p:nvPr/>
+            </p:nvSpPr>
+            <p:spPr>
+              <a:xfrm>
+                <a:off x="6060256" y="4022526"/>
+                <a:ext cx="246249" cy="215444"/>
+              </a:xfrm>
+              <a:prstGeom prst="rect">
+                <a:avLst/>
+              </a:prstGeom>
+              <a:noFill/>
+            </p:spPr>
+            <p:txBody>
+              <a:bodyPr wrap="none" lIns="0" tIns="0" rIns="0" bIns="0" rtlCol="0">
+                <a:spAutoFit/>
+              </a:bodyPr>
+              <a:lstStyle/>
+              <a:p>
+                <a:r>
+                  <a:rPr lang="en-US" sz="1400" dirty="0"/>
+                  <a:t>PM</a:t>
+                </a:r>
+              </a:p>
+            </p:txBody>
+          </p:sp>
+          <p:sp>
+            <p:nvSpPr>
+              <p:cNvPr id="19" name="TextBox 18">
+                <a:extLst>
+                  <a:ext uri="{FF2B5EF4-FFF2-40B4-BE49-F238E27FC236}">
+                    <a16:creationId xmlns:a16="http://schemas.microsoft.com/office/drawing/2014/main" id="{36E2966E-9A02-7063-854E-6D1B220A824C}"/>
+                  </a:ext>
+                </a:extLst>
+              </p:cNvPr>
+              <p:cNvSpPr txBox="1"/>
+              <p:nvPr/>
+            </p:nvSpPr>
+            <p:spPr>
+              <a:xfrm>
+                <a:off x="6075420" y="4217792"/>
+                <a:ext cx="188478" cy="215444"/>
+              </a:xfrm>
+              <a:prstGeom prst="rect">
+                <a:avLst/>
+              </a:prstGeom>
+              <a:noFill/>
+            </p:spPr>
+            <p:txBody>
+              <a:bodyPr wrap="none" lIns="0" tIns="0" rIns="0" bIns="0" rtlCol="0">
+                <a:spAutoFit/>
+              </a:bodyPr>
+              <a:lstStyle/>
+              <a:p>
+                <a:r>
+                  <a:rPr lang="en-US" sz="1400" dirty="0"/>
+                  <a:t>CP</a:t>
+                </a:r>
+              </a:p>
+            </p:txBody>
+          </p:sp>
+        </p:grpSp>
+      </p:grpSp>
+      <p:grpSp>
+        <p:nvGrpSpPr>
+          <p:cNvPr id="22" name="Group 21">
+            <a:extLst>
+              <a:ext uri="{FF2B5EF4-FFF2-40B4-BE49-F238E27FC236}">
+                <a16:creationId xmlns:a16="http://schemas.microsoft.com/office/drawing/2014/main" id="{9F0769EB-A811-6086-2B66-66EE62A83AF3}"/>
+              </a:ext>
+            </a:extLst>
+          </p:cNvPr>
+          <p:cNvGrpSpPr/>
+          <p:nvPr/>
+        </p:nvGrpSpPr>
+        <p:grpSpPr>
+          <a:xfrm>
+            <a:off x="1763942" y="2347386"/>
             <a:ext cx="218663" cy="665105"/>
             <a:chOff x="6251711" y="3300608"/>
             <a:chExt cx="218663" cy="665105"/>
@@ -8421,10 +10716,10 @@
         </p:grpSpPr>
         <p:sp>
           <p:nvSpPr>
-            <p:cNvPr id="12" name="Rounded Rectangle 11">
+            <p:cNvPr id="23" name="Rounded Rectangle 22">
               <a:extLst>
                 <a:ext uri="{FF2B5EF4-FFF2-40B4-BE49-F238E27FC236}">
-                  <a16:creationId xmlns:a16="http://schemas.microsoft.com/office/drawing/2014/main" id="{9ED0B81B-DA6F-AF88-896B-04D97A57898F}"/>
+                  <a16:creationId xmlns:a16="http://schemas.microsoft.com/office/drawing/2014/main" id="{95C1C39C-AF6F-1DDD-68E5-ADBB82F8D5E2}"/>
                 </a:ext>
               </a:extLst>
             </p:cNvPr>
@@ -8473,10 +10768,10 @@
         </p:sp>
         <p:sp>
           <p:nvSpPr>
-            <p:cNvPr id="13" name="Oval 12">
+            <p:cNvPr id="24" name="Oval 23">
               <a:extLst>
                 <a:ext uri="{FF2B5EF4-FFF2-40B4-BE49-F238E27FC236}">
-                  <a16:creationId xmlns:a16="http://schemas.microsoft.com/office/drawing/2014/main" id="{C79FED32-17F7-596D-F447-5D163D21707F}"/>
+                  <a16:creationId xmlns:a16="http://schemas.microsoft.com/office/drawing/2014/main" id="{FA74B02F-12EC-E072-7622-33C1332E926E}"/>
                 </a:ext>
               </a:extLst>
             </p:cNvPr>
@@ -8526,10 +10821,2218 @@
           </p:txBody>
         </p:sp>
       </p:grpSp>
+      <p:sp>
+        <p:nvSpPr>
+          <p:cNvPr id="28" name="TextBox 27">
+            <a:extLst>
+              <a:ext uri="{FF2B5EF4-FFF2-40B4-BE49-F238E27FC236}">
+                <a16:creationId xmlns:a16="http://schemas.microsoft.com/office/drawing/2014/main" id="{917028D7-8D38-EAD4-78F9-DE8233847493}"/>
+              </a:ext>
+            </a:extLst>
+          </p:cNvPr>
+          <p:cNvSpPr txBox="1"/>
+          <p:nvPr/>
+        </p:nvSpPr>
+        <p:spPr>
+          <a:xfrm>
+            <a:off x="4667153" y="1554313"/>
+            <a:ext cx="3656450" cy="461665"/>
+          </a:xfrm>
+          <a:prstGeom prst="rect">
+            <a:avLst/>
+          </a:prstGeom>
+          <a:noFill/>
+        </p:spPr>
+        <p:txBody>
+          <a:bodyPr wrap="none" rtlCol="0">
+            <a:spAutoFit/>
+          </a:bodyPr>
+          <a:lstStyle/>
+          <a:p>
+            <a:r>
+              <a:rPr lang="en-US" sz="2400" dirty="0"/>
+              <a:t>Compartment specification:</a:t>
+            </a:r>
+          </a:p>
+        </p:txBody>
+      </p:sp>
+      <p:sp>
+        <p:nvSpPr>
+          <p:cNvPr id="32" name="Rectangle 31">
+            <a:extLst>
+              <a:ext uri="{FF2B5EF4-FFF2-40B4-BE49-F238E27FC236}">
+                <a16:creationId xmlns:a16="http://schemas.microsoft.com/office/drawing/2014/main" id="{66500920-A1F3-A526-B3FD-2F494283D7D5}"/>
+              </a:ext>
+            </a:extLst>
+          </p:cNvPr>
+          <p:cNvSpPr/>
+          <p:nvPr/>
+        </p:nvSpPr>
+        <p:spPr>
+          <a:xfrm>
+            <a:off x="4667153" y="2020397"/>
+            <a:ext cx="7024904" cy="954107"/>
+          </a:xfrm>
+          <a:prstGeom prst="rect">
+            <a:avLst/>
+          </a:prstGeom>
+          <a:solidFill>
+            <a:schemeClr val="tx1"/>
+          </a:solidFill>
+        </p:spPr>
+        <p:txBody>
+          <a:bodyPr wrap="square">
+            <a:spAutoFit/>
+          </a:bodyPr>
+          <a:lstStyle/>
+          <a:p>
+            <a:r>
+              <a:rPr lang="en-US" sz="1400" dirty="0">
+                <a:solidFill>
+                  <a:srgbClr val="5E4FA4"/>
+                </a:solidFill>
+                <a:latin typeface="Menlo-Regular" panose="020B0609030804020204" pitchFamily="49" charset="0"/>
+              </a:rPr>
+              <a:t>begin</a:t>
+            </a:r>
+            <a:r>
+              <a:rPr lang="en-US" sz="1400" dirty="0">
+                <a:solidFill>
+                  <a:srgbClr val="AA936E"/>
+                </a:solidFill>
+                <a:latin typeface="Menlo-Regular" panose="020B0609030804020204" pitchFamily="49" charset="0"/>
+              </a:rPr>
+              <a:t> </a:t>
+            </a:r>
+            <a:r>
+              <a:rPr lang="en-US" sz="1400" dirty="0">
+                <a:solidFill>
+                  <a:srgbClr val="A25153"/>
+                </a:solidFill>
+                <a:latin typeface="Menlo-Regular" panose="020B0609030804020204" pitchFamily="49" charset="0"/>
+              </a:rPr>
+              <a:t>compartments</a:t>
+            </a:r>
+          </a:p>
+          <a:p>
+            <a:r>
+              <a:rPr lang="en-US" sz="1400" dirty="0">
+                <a:solidFill>
+                  <a:srgbClr val="AA936E"/>
+                </a:solidFill>
+                <a:latin typeface="Menlo-Regular" panose="020B0609030804020204" pitchFamily="49" charset="0"/>
+              </a:rPr>
+              <a:t>  </a:t>
+            </a:r>
+            <a:r>
+              <a:rPr lang="en-US" sz="1400" dirty="0">
+                <a:solidFill>
+                  <a:srgbClr val="8CD3FE"/>
+                </a:solidFill>
+                <a:latin typeface="Menlo-Regular" panose="020B0609030804020204" pitchFamily="49" charset="0"/>
+              </a:rPr>
+              <a:t>EC</a:t>
+            </a:r>
+            <a:r>
+              <a:rPr lang="en-US" sz="1400" dirty="0">
+                <a:solidFill>
+                  <a:srgbClr val="AA936E"/>
+                </a:solidFill>
+                <a:latin typeface="Menlo-Regular" panose="020B0609030804020204" pitchFamily="49" charset="0"/>
+              </a:rPr>
+              <a:t> </a:t>
+            </a:r>
+            <a:r>
+              <a:rPr lang="en-US" sz="1400" dirty="0">
+                <a:solidFill>
+                  <a:srgbClr val="A7C598"/>
+                </a:solidFill>
+                <a:latin typeface="Menlo-Regular" panose="020B0609030804020204" pitchFamily="49" charset="0"/>
+              </a:rPr>
+              <a:t>3</a:t>
+            </a:r>
+            <a:r>
+              <a:rPr lang="en-US" sz="1400" dirty="0">
+                <a:solidFill>
+                  <a:srgbClr val="AA936E"/>
+                </a:solidFill>
+                <a:latin typeface="Menlo-Regular" panose="020B0609030804020204" pitchFamily="49" charset="0"/>
+              </a:rPr>
+              <a:t> </a:t>
+            </a:r>
+            <a:r>
+              <a:rPr lang="en-US" sz="1400" dirty="0" err="1">
+                <a:solidFill>
+                  <a:srgbClr val="8CD3FE"/>
+                </a:solidFill>
+                <a:latin typeface="Menlo-Regular" panose="020B0609030804020204" pitchFamily="49" charset="0"/>
+              </a:rPr>
+              <a:t>Vec</a:t>
+            </a:r>
+            <a:endParaRPr lang="en-US" sz="1400" dirty="0">
+              <a:solidFill>
+                <a:srgbClr val="8CD3FE"/>
+              </a:solidFill>
+              <a:latin typeface="Menlo-Regular" panose="020B0609030804020204" pitchFamily="49" charset="0"/>
+            </a:endParaRPr>
+          </a:p>
+          <a:p>
+            <a:r>
+              <a:rPr lang="en-US" sz="1400" dirty="0">
+                <a:solidFill>
+                  <a:srgbClr val="AA936E"/>
+                </a:solidFill>
+                <a:latin typeface="Menlo-Regular" panose="020B0609030804020204" pitchFamily="49" charset="0"/>
+              </a:rPr>
+              <a:t>  </a:t>
+            </a:r>
+            <a:r>
+              <a:rPr lang="en-US" sz="1400" dirty="0">
+                <a:solidFill>
+                  <a:srgbClr val="8CD3FE"/>
+                </a:solidFill>
+                <a:latin typeface="Menlo-Regular" panose="020B0609030804020204" pitchFamily="49" charset="0"/>
+              </a:rPr>
+              <a:t>PM</a:t>
+            </a:r>
+            <a:r>
+              <a:rPr lang="en-US" sz="1400" dirty="0">
+                <a:solidFill>
+                  <a:srgbClr val="AA936E"/>
+                </a:solidFill>
+                <a:latin typeface="Menlo-Regular" panose="020B0609030804020204" pitchFamily="49" charset="0"/>
+              </a:rPr>
+              <a:t> </a:t>
+            </a:r>
+            <a:r>
+              <a:rPr lang="en-US" sz="1400" dirty="0">
+                <a:solidFill>
+                  <a:srgbClr val="A7C598"/>
+                </a:solidFill>
+                <a:latin typeface="Menlo-Regular" panose="020B0609030804020204" pitchFamily="49" charset="0"/>
+              </a:rPr>
+              <a:t>2</a:t>
+            </a:r>
+            <a:r>
+              <a:rPr lang="en-US" sz="1400" dirty="0">
+                <a:solidFill>
+                  <a:srgbClr val="AA936E"/>
+                </a:solidFill>
+                <a:latin typeface="Menlo-Regular" panose="020B0609030804020204" pitchFamily="49" charset="0"/>
+              </a:rPr>
+              <a:t> </a:t>
+            </a:r>
+            <a:r>
+              <a:rPr lang="en-US" sz="1400" dirty="0" err="1">
+                <a:solidFill>
+                  <a:srgbClr val="8CD3FE"/>
+                </a:solidFill>
+                <a:latin typeface="Menlo-Regular" panose="020B0609030804020204" pitchFamily="49" charset="0"/>
+              </a:rPr>
+              <a:t>Vpm</a:t>
+            </a:r>
+            <a:r>
+              <a:rPr lang="en-US" sz="1400" dirty="0">
+                <a:solidFill>
+                  <a:srgbClr val="AA936E"/>
+                </a:solidFill>
+                <a:latin typeface="Menlo-Regular" panose="020B0609030804020204" pitchFamily="49" charset="0"/>
+              </a:rPr>
+              <a:t> </a:t>
+            </a:r>
+            <a:r>
+              <a:rPr lang="en-US" sz="1400" dirty="0">
+                <a:solidFill>
+                  <a:srgbClr val="8CD3FE"/>
+                </a:solidFill>
+                <a:latin typeface="Menlo-Regular" panose="020B0609030804020204" pitchFamily="49" charset="0"/>
+              </a:rPr>
+              <a:t>EC</a:t>
+            </a:r>
+          </a:p>
+          <a:p>
+            <a:r>
+              <a:rPr lang="en-US" sz="1400" dirty="0">
+                <a:solidFill>
+                  <a:srgbClr val="5E4FA4"/>
+                </a:solidFill>
+                <a:latin typeface="Menlo-Regular" panose="020B0609030804020204" pitchFamily="49" charset="0"/>
+              </a:rPr>
+              <a:t>end</a:t>
+            </a:r>
+            <a:r>
+              <a:rPr lang="en-US" sz="1400" dirty="0">
+                <a:solidFill>
+                  <a:srgbClr val="AA936E"/>
+                </a:solidFill>
+                <a:latin typeface="Menlo-Regular" panose="020B0609030804020204" pitchFamily="49" charset="0"/>
+              </a:rPr>
+              <a:t> </a:t>
+            </a:r>
+            <a:r>
+              <a:rPr lang="en-US" sz="1400" dirty="0">
+                <a:solidFill>
+                  <a:srgbClr val="A25153"/>
+                </a:solidFill>
+                <a:latin typeface="Menlo-Regular" panose="020B0609030804020204" pitchFamily="49" charset="0"/>
+              </a:rPr>
+              <a:t>compartments</a:t>
+            </a:r>
+            <a:endParaRPr lang="en-US" sz="1400" dirty="0">
+              <a:solidFill>
+                <a:srgbClr val="D4D4D4"/>
+              </a:solidFill>
+              <a:latin typeface="Menlo" panose="020B0609030804020204" pitchFamily="49" charset="0"/>
+            </a:endParaRPr>
+          </a:p>
+        </p:txBody>
+      </p:sp>
+      <p:sp>
+        <p:nvSpPr>
+          <p:cNvPr id="35" name="TextBox 34">
+            <a:extLst>
+              <a:ext uri="{FF2B5EF4-FFF2-40B4-BE49-F238E27FC236}">
+                <a16:creationId xmlns:a16="http://schemas.microsoft.com/office/drawing/2014/main" id="{8AC6A08B-0F1D-EA3A-F9F7-F9E51D143CE0}"/>
+              </a:ext>
+            </a:extLst>
+          </p:cNvPr>
+          <p:cNvSpPr txBox="1"/>
+          <p:nvPr/>
+        </p:nvSpPr>
+        <p:spPr>
+          <a:xfrm>
+            <a:off x="4667153" y="5018924"/>
+            <a:ext cx="7428770" cy="830997"/>
+          </a:xfrm>
+          <a:prstGeom prst="rect">
+            <a:avLst/>
+          </a:prstGeom>
+          <a:noFill/>
+        </p:spPr>
+        <p:txBody>
+          <a:bodyPr wrap="square" rtlCol="0">
+            <a:spAutoFit/>
+          </a:bodyPr>
+          <a:lstStyle/>
+          <a:p>
+            <a:r>
+              <a:rPr lang="en-US" sz="2400" dirty="0"/>
+              <a:t>Volume factors automatically added to reactions generated by reaction rules:</a:t>
+            </a:r>
+          </a:p>
+        </p:txBody>
+      </p:sp>
+      <p:sp>
+        <p:nvSpPr>
+          <p:cNvPr id="36" name="Rectangle 35">
+            <a:extLst>
+              <a:ext uri="{FF2B5EF4-FFF2-40B4-BE49-F238E27FC236}">
+                <a16:creationId xmlns:a16="http://schemas.microsoft.com/office/drawing/2014/main" id="{BAE1D3B9-BD52-9BCB-7287-0FBF38537D91}"/>
+              </a:ext>
+            </a:extLst>
+          </p:cNvPr>
+          <p:cNvSpPr/>
+          <p:nvPr/>
+        </p:nvSpPr>
+        <p:spPr>
+          <a:xfrm>
+            <a:off x="4667153" y="5849921"/>
+            <a:ext cx="7428770" cy="584775"/>
+          </a:xfrm>
+          <a:prstGeom prst="rect">
+            <a:avLst/>
+          </a:prstGeom>
+          <a:solidFill>
+            <a:schemeClr val="tx1"/>
+          </a:solidFill>
+        </p:spPr>
+        <p:txBody>
+          <a:bodyPr wrap="square">
+            <a:spAutoFit/>
+          </a:bodyPr>
+          <a:lstStyle/>
+          <a:p>
+            <a:r>
+              <a:rPr lang="en-US" sz="1600" dirty="0">
+                <a:solidFill>
+                  <a:srgbClr val="4689CC"/>
+                </a:solidFill>
+                <a:latin typeface="Menlo-Regular" panose="020B0609030804020204" pitchFamily="49" charset="0"/>
+              </a:rPr>
+              <a:t>lrbind1:</a:t>
+            </a:r>
+            <a:r>
+              <a:rPr lang="en-US" sz="1600" dirty="0">
+                <a:solidFill>
+                  <a:srgbClr val="AA936E"/>
+                </a:solidFill>
+                <a:latin typeface="Menlo-Regular" panose="020B0609030804020204" pitchFamily="49" charset="0"/>
+              </a:rPr>
+              <a:t> </a:t>
+            </a:r>
+            <a:r>
+              <a:rPr lang="en-US" sz="1600" dirty="0">
+                <a:solidFill>
+                  <a:srgbClr val="D1D1D1"/>
+                </a:solidFill>
+                <a:latin typeface="Menlo-Regular" panose="020B0609030804020204" pitchFamily="49" charset="0"/>
+              </a:rPr>
+              <a:t>L</a:t>
+            </a:r>
+            <a:r>
+              <a:rPr lang="en-US" sz="1600" dirty="0">
+                <a:solidFill>
+                  <a:srgbClr val="AA936E"/>
+                </a:solidFill>
+                <a:latin typeface="Menlo-Regular" panose="020B0609030804020204" pitchFamily="49" charset="0"/>
+              </a:rPr>
+              <a:t>(</a:t>
+            </a:r>
+            <a:r>
+              <a:rPr lang="en-US" sz="1600" dirty="0" err="1">
+                <a:solidFill>
+                  <a:srgbClr val="67D774"/>
+                </a:solidFill>
+                <a:latin typeface="Menlo-Regular" panose="020B0609030804020204" pitchFamily="49" charset="0"/>
+              </a:rPr>
+              <a:t>r</a:t>
+            </a:r>
+            <a:r>
+              <a:rPr lang="en-US" sz="1600" dirty="0" err="1">
+                <a:solidFill>
+                  <a:srgbClr val="8B3E6F"/>
+                </a:solidFill>
+                <a:latin typeface="Menlo-Regular" panose="020B0609030804020204" pitchFamily="49" charset="0"/>
+              </a:rPr>
+              <a:t>,</a:t>
+            </a:r>
+            <a:r>
+              <a:rPr lang="en-US" sz="1600" dirty="0" err="1">
+                <a:solidFill>
+                  <a:srgbClr val="67D774"/>
+                </a:solidFill>
+                <a:latin typeface="Menlo-Regular" panose="020B0609030804020204" pitchFamily="49" charset="0"/>
+              </a:rPr>
+              <a:t>r</a:t>
+            </a:r>
+            <a:r>
+              <a:rPr lang="en-US" sz="1600" dirty="0">
+                <a:solidFill>
+                  <a:srgbClr val="AA936E"/>
+                </a:solidFill>
+                <a:latin typeface="Menlo-Regular" panose="020B0609030804020204" pitchFamily="49" charset="0"/>
+              </a:rPr>
+              <a:t>) </a:t>
+            </a:r>
+            <a:r>
+              <a:rPr lang="en-US" sz="1600" dirty="0">
+                <a:solidFill>
+                  <a:srgbClr val="8B3E6F"/>
+                </a:solidFill>
+                <a:latin typeface="Menlo-Regular" panose="020B0609030804020204" pitchFamily="49" charset="0"/>
+              </a:rPr>
+              <a:t>+</a:t>
+            </a:r>
+            <a:r>
+              <a:rPr lang="en-US" sz="1600" dirty="0">
+                <a:solidFill>
+                  <a:srgbClr val="AA936E"/>
+                </a:solidFill>
+                <a:latin typeface="Menlo-Regular" panose="020B0609030804020204" pitchFamily="49" charset="0"/>
+              </a:rPr>
+              <a:t> </a:t>
+            </a:r>
+            <a:r>
+              <a:rPr lang="en-US" sz="1600" dirty="0">
+                <a:solidFill>
+                  <a:srgbClr val="D1D1D1"/>
+                </a:solidFill>
+                <a:latin typeface="Menlo-Regular" panose="020B0609030804020204" pitchFamily="49" charset="0"/>
+              </a:rPr>
+              <a:t>R</a:t>
+            </a:r>
+            <a:r>
+              <a:rPr lang="en-US" sz="1600" dirty="0">
+                <a:solidFill>
+                  <a:srgbClr val="AA936E"/>
+                </a:solidFill>
+                <a:latin typeface="Menlo-Regular" panose="020B0609030804020204" pitchFamily="49" charset="0"/>
+              </a:rPr>
+              <a:t>(</a:t>
+            </a:r>
+            <a:r>
+              <a:rPr lang="en-US" sz="1600" dirty="0">
+                <a:solidFill>
+                  <a:srgbClr val="67D774"/>
+                </a:solidFill>
+                <a:latin typeface="Menlo-Regular" panose="020B0609030804020204" pitchFamily="49" charset="0"/>
+              </a:rPr>
+              <a:t>l</a:t>
+            </a:r>
+            <a:r>
+              <a:rPr lang="en-US" sz="1600" dirty="0">
+                <a:solidFill>
+                  <a:srgbClr val="AA936E"/>
+                </a:solidFill>
+                <a:latin typeface="Menlo-Regular" panose="020B0609030804020204" pitchFamily="49" charset="0"/>
+              </a:rPr>
+              <a:t>) </a:t>
+            </a:r>
+            <a:r>
+              <a:rPr lang="en-US" sz="1600" dirty="0">
+                <a:solidFill>
+                  <a:srgbClr val="8B3E6F"/>
+                </a:solidFill>
+                <a:latin typeface="Menlo-Regular" panose="020B0609030804020204" pitchFamily="49" charset="0"/>
+              </a:rPr>
+              <a:t>&lt;-&gt;</a:t>
+            </a:r>
+            <a:r>
+              <a:rPr lang="en-US" sz="1600" dirty="0">
+                <a:solidFill>
+                  <a:srgbClr val="AA936E"/>
+                </a:solidFill>
+                <a:latin typeface="Menlo-Regular" panose="020B0609030804020204" pitchFamily="49" charset="0"/>
+              </a:rPr>
+              <a:t> </a:t>
+            </a:r>
+            <a:r>
+              <a:rPr lang="en-US" sz="1600" dirty="0">
+                <a:solidFill>
+                  <a:srgbClr val="D1D1D1"/>
+                </a:solidFill>
+                <a:latin typeface="Menlo-Regular" panose="020B0609030804020204" pitchFamily="49" charset="0"/>
+              </a:rPr>
+              <a:t>L</a:t>
+            </a:r>
+            <a:r>
+              <a:rPr lang="en-US" sz="1600" dirty="0">
+                <a:solidFill>
+                  <a:srgbClr val="AA936E"/>
+                </a:solidFill>
+                <a:latin typeface="Menlo-Regular" panose="020B0609030804020204" pitchFamily="49" charset="0"/>
+              </a:rPr>
+              <a:t>(</a:t>
+            </a:r>
+            <a:r>
+              <a:rPr lang="en-US" sz="1600" dirty="0">
+                <a:solidFill>
+                  <a:srgbClr val="67D774"/>
+                </a:solidFill>
+                <a:latin typeface="Menlo-Regular" panose="020B0609030804020204" pitchFamily="49" charset="0"/>
+              </a:rPr>
+              <a:t>r</a:t>
+            </a:r>
+            <a:r>
+              <a:rPr lang="en-US" sz="1600" dirty="0">
+                <a:solidFill>
+                  <a:srgbClr val="4689CC"/>
+                </a:solidFill>
+                <a:latin typeface="Menlo-Regular" panose="020B0609030804020204" pitchFamily="49" charset="0"/>
+              </a:rPr>
+              <a:t>!</a:t>
+            </a:r>
+            <a:r>
+              <a:rPr lang="en-US" sz="1600" dirty="0">
+                <a:solidFill>
+                  <a:srgbClr val="89C17A"/>
+                </a:solidFill>
+                <a:latin typeface="Menlo-Regular" panose="020B0609030804020204" pitchFamily="49" charset="0"/>
+              </a:rPr>
+              <a:t>1</a:t>
+            </a:r>
+            <a:r>
+              <a:rPr lang="en-US" sz="1600" dirty="0">
+                <a:solidFill>
+                  <a:srgbClr val="8B3E6F"/>
+                </a:solidFill>
+                <a:latin typeface="Menlo-Regular" panose="020B0609030804020204" pitchFamily="49" charset="0"/>
+              </a:rPr>
+              <a:t>,</a:t>
+            </a:r>
+            <a:r>
+              <a:rPr lang="en-US" sz="1600" dirty="0">
+                <a:solidFill>
+                  <a:srgbClr val="67D774"/>
+                </a:solidFill>
+                <a:latin typeface="Menlo-Regular" panose="020B0609030804020204" pitchFamily="49" charset="0"/>
+              </a:rPr>
+              <a:t>r</a:t>
+            </a:r>
+            <a:r>
+              <a:rPr lang="en-US" sz="1600" dirty="0">
+                <a:solidFill>
+                  <a:srgbClr val="AA936E"/>
+                </a:solidFill>
+                <a:latin typeface="Menlo-Regular" panose="020B0609030804020204" pitchFamily="49" charset="0"/>
+              </a:rPr>
+              <a:t>)</a:t>
+            </a:r>
+            <a:r>
+              <a:rPr lang="en-US" sz="1600" dirty="0">
+                <a:solidFill>
+                  <a:srgbClr val="8B3E6F"/>
+                </a:solidFill>
+                <a:latin typeface="Menlo-Regular" panose="020B0609030804020204" pitchFamily="49" charset="0"/>
+              </a:rPr>
+              <a:t>.</a:t>
+            </a:r>
+            <a:r>
+              <a:rPr lang="en-US" sz="1600" dirty="0">
+                <a:solidFill>
+                  <a:srgbClr val="D1D1D1"/>
+                </a:solidFill>
+                <a:latin typeface="Menlo-Regular" panose="020B0609030804020204" pitchFamily="49" charset="0"/>
+              </a:rPr>
+              <a:t>R</a:t>
+            </a:r>
+            <a:r>
+              <a:rPr lang="en-US" sz="1600" dirty="0">
+                <a:solidFill>
+                  <a:srgbClr val="AA936E"/>
+                </a:solidFill>
+                <a:latin typeface="Menlo-Regular" panose="020B0609030804020204" pitchFamily="49" charset="0"/>
+              </a:rPr>
+              <a:t>(</a:t>
+            </a:r>
+            <a:r>
+              <a:rPr lang="en-US" sz="1600" dirty="0">
+                <a:solidFill>
+                  <a:srgbClr val="67D774"/>
+                </a:solidFill>
+                <a:latin typeface="Menlo-Regular" panose="020B0609030804020204" pitchFamily="49" charset="0"/>
+              </a:rPr>
+              <a:t>l</a:t>
+            </a:r>
+            <a:r>
+              <a:rPr lang="en-US" sz="1600" dirty="0">
+                <a:solidFill>
+                  <a:srgbClr val="4689CC"/>
+                </a:solidFill>
+                <a:latin typeface="Menlo-Regular" panose="020B0609030804020204" pitchFamily="49" charset="0"/>
+              </a:rPr>
+              <a:t>!</a:t>
+            </a:r>
+            <a:r>
+              <a:rPr lang="en-US" sz="1600" dirty="0">
+                <a:solidFill>
+                  <a:srgbClr val="89C17A"/>
+                </a:solidFill>
+                <a:latin typeface="Menlo-Regular" panose="020B0609030804020204" pitchFamily="49" charset="0"/>
+              </a:rPr>
+              <a:t>1</a:t>
+            </a:r>
+            <a:r>
+              <a:rPr lang="en-US" sz="1600" dirty="0">
+                <a:solidFill>
+                  <a:srgbClr val="AA936E"/>
+                </a:solidFill>
+                <a:latin typeface="Menlo-Regular" panose="020B0609030804020204" pitchFamily="49" charset="0"/>
+              </a:rPr>
+              <a:t>) </a:t>
+            </a:r>
+            <a:r>
+              <a:rPr lang="en-US" sz="1600" dirty="0">
+                <a:solidFill>
+                  <a:srgbClr val="8CD3FE"/>
+                </a:solidFill>
+                <a:latin typeface="Menlo-Regular" panose="020B0609030804020204" pitchFamily="49" charset="0"/>
+              </a:rPr>
+              <a:t>kp1</a:t>
+            </a:r>
+            <a:r>
+              <a:rPr lang="en-US" sz="1600" dirty="0">
+                <a:solidFill>
+                  <a:srgbClr val="8B3E6F"/>
+                </a:solidFill>
+                <a:latin typeface="Menlo-Regular" panose="020B0609030804020204" pitchFamily="49" charset="0"/>
+              </a:rPr>
+              <a:t>,</a:t>
+            </a:r>
+            <a:r>
+              <a:rPr lang="en-US" sz="1600" dirty="0">
+                <a:solidFill>
+                  <a:srgbClr val="AA936E"/>
+                </a:solidFill>
+                <a:latin typeface="Menlo-Regular" panose="020B0609030804020204" pitchFamily="49" charset="0"/>
+              </a:rPr>
+              <a:t> </a:t>
+            </a:r>
+            <a:r>
+              <a:rPr lang="en-US" sz="1600" dirty="0">
+                <a:solidFill>
+                  <a:srgbClr val="8CD3FE"/>
+                </a:solidFill>
+                <a:latin typeface="Menlo-Regular" panose="020B0609030804020204" pitchFamily="49" charset="0"/>
+              </a:rPr>
+              <a:t>km1</a:t>
+            </a:r>
+          </a:p>
+          <a:p>
+            <a:r>
+              <a:rPr lang="en-US" sz="1600" dirty="0">
+                <a:solidFill>
+                  <a:srgbClr val="4689CC"/>
+                </a:solidFill>
+                <a:latin typeface="Menlo-Regular" panose="020B0609030804020204" pitchFamily="49" charset="0"/>
+              </a:rPr>
+              <a:t>lrbind2:</a:t>
+            </a:r>
+            <a:r>
+              <a:rPr lang="en-US" sz="1600" dirty="0">
+                <a:solidFill>
+                  <a:srgbClr val="AA936E"/>
+                </a:solidFill>
+                <a:latin typeface="Menlo-Regular" panose="020B0609030804020204" pitchFamily="49" charset="0"/>
+              </a:rPr>
+              <a:t> </a:t>
+            </a:r>
+            <a:r>
+              <a:rPr lang="en-US" sz="1600" dirty="0">
+                <a:solidFill>
+                  <a:srgbClr val="D1D1D1"/>
+                </a:solidFill>
+                <a:latin typeface="Menlo-Regular" panose="020B0609030804020204" pitchFamily="49" charset="0"/>
+              </a:rPr>
+              <a:t>L</a:t>
+            </a:r>
+            <a:r>
+              <a:rPr lang="en-US" sz="1600" dirty="0">
+                <a:solidFill>
+                  <a:srgbClr val="AA936E"/>
+                </a:solidFill>
+                <a:latin typeface="Menlo-Regular" panose="020B0609030804020204" pitchFamily="49" charset="0"/>
+              </a:rPr>
+              <a:t>(</a:t>
+            </a:r>
+            <a:r>
+              <a:rPr lang="en-US" sz="1600" dirty="0" err="1">
+                <a:solidFill>
+                  <a:srgbClr val="67D774"/>
+                </a:solidFill>
+                <a:latin typeface="Menlo-Regular" panose="020B0609030804020204" pitchFamily="49" charset="0"/>
+              </a:rPr>
+              <a:t>r</a:t>
+            </a:r>
+            <a:r>
+              <a:rPr lang="en-US" sz="1600" dirty="0" err="1">
+                <a:solidFill>
+                  <a:srgbClr val="8B3E6F"/>
+                </a:solidFill>
+                <a:latin typeface="Menlo-Regular" panose="020B0609030804020204" pitchFamily="49" charset="0"/>
+              </a:rPr>
+              <a:t>,</a:t>
+            </a:r>
+            <a:r>
+              <a:rPr lang="en-US" sz="1600" dirty="0" err="1">
+                <a:solidFill>
+                  <a:srgbClr val="67D774"/>
+                </a:solidFill>
+                <a:latin typeface="Menlo-Regular" panose="020B0609030804020204" pitchFamily="49" charset="0"/>
+              </a:rPr>
+              <a:t>r</a:t>
+            </a:r>
+            <a:r>
+              <a:rPr lang="en-US" sz="1600" dirty="0">
+                <a:solidFill>
+                  <a:srgbClr val="4689CC"/>
+                </a:solidFill>
+                <a:latin typeface="Menlo-Regular" panose="020B0609030804020204" pitchFamily="49" charset="0"/>
+              </a:rPr>
+              <a:t>!</a:t>
+            </a:r>
+            <a:r>
+              <a:rPr lang="en-US" sz="1600" dirty="0">
+                <a:solidFill>
+                  <a:srgbClr val="89C17A"/>
+                </a:solidFill>
+                <a:latin typeface="Menlo-Regular" panose="020B0609030804020204" pitchFamily="49" charset="0"/>
+              </a:rPr>
+              <a:t>+</a:t>
+            </a:r>
+            <a:r>
+              <a:rPr lang="en-US" sz="1600" dirty="0">
+                <a:solidFill>
+                  <a:srgbClr val="AA936E"/>
+                </a:solidFill>
+                <a:latin typeface="Menlo-Regular" panose="020B0609030804020204" pitchFamily="49" charset="0"/>
+              </a:rPr>
+              <a:t>) </a:t>
+            </a:r>
+            <a:r>
+              <a:rPr lang="en-US" sz="1600" dirty="0">
+                <a:solidFill>
+                  <a:srgbClr val="8B3E6F"/>
+                </a:solidFill>
+                <a:latin typeface="Menlo-Regular" panose="020B0609030804020204" pitchFamily="49" charset="0"/>
+              </a:rPr>
+              <a:t>+</a:t>
+            </a:r>
+            <a:r>
+              <a:rPr lang="en-US" sz="1600" dirty="0">
+                <a:solidFill>
+                  <a:srgbClr val="AA936E"/>
+                </a:solidFill>
+                <a:latin typeface="Menlo-Regular" panose="020B0609030804020204" pitchFamily="49" charset="0"/>
+              </a:rPr>
+              <a:t> </a:t>
+            </a:r>
+            <a:r>
+              <a:rPr lang="en-US" sz="1600" dirty="0">
+                <a:solidFill>
+                  <a:srgbClr val="D1D1D1"/>
+                </a:solidFill>
+                <a:latin typeface="Menlo-Regular" panose="020B0609030804020204" pitchFamily="49" charset="0"/>
+              </a:rPr>
+              <a:t>R</a:t>
+            </a:r>
+            <a:r>
+              <a:rPr lang="en-US" sz="1600" dirty="0">
+                <a:solidFill>
+                  <a:srgbClr val="AA936E"/>
+                </a:solidFill>
+                <a:latin typeface="Menlo-Regular" panose="020B0609030804020204" pitchFamily="49" charset="0"/>
+              </a:rPr>
+              <a:t>(</a:t>
+            </a:r>
+            <a:r>
+              <a:rPr lang="en-US" sz="1600" dirty="0">
+                <a:solidFill>
+                  <a:srgbClr val="67D774"/>
+                </a:solidFill>
+                <a:latin typeface="Menlo-Regular" panose="020B0609030804020204" pitchFamily="49" charset="0"/>
+              </a:rPr>
+              <a:t>l</a:t>
+            </a:r>
+            <a:r>
+              <a:rPr lang="en-US" sz="1600" dirty="0">
+                <a:solidFill>
+                  <a:srgbClr val="AA936E"/>
+                </a:solidFill>
+                <a:latin typeface="Menlo-Regular" panose="020B0609030804020204" pitchFamily="49" charset="0"/>
+              </a:rPr>
+              <a:t>) </a:t>
+            </a:r>
+            <a:r>
+              <a:rPr lang="en-US" sz="1600" dirty="0">
+                <a:solidFill>
+                  <a:srgbClr val="8B3E6F"/>
+                </a:solidFill>
+                <a:latin typeface="Menlo-Regular" panose="020B0609030804020204" pitchFamily="49" charset="0"/>
+              </a:rPr>
+              <a:t>&lt;-&gt;</a:t>
+            </a:r>
+            <a:r>
+              <a:rPr lang="en-US" sz="1600" dirty="0">
+                <a:solidFill>
+                  <a:srgbClr val="AA936E"/>
+                </a:solidFill>
+                <a:latin typeface="Menlo-Regular" panose="020B0609030804020204" pitchFamily="49" charset="0"/>
+              </a:rPr>
+              <a:t> </a:t>
+            </a:r>
+            <a:r>
+              <a:rPr lang="en-US" sz="1600" dirty="0">
+                <a:solidFill>
+                  <a:srgbClr val="D1D1D1"/>
+                </a:solidFill>
+                <a:latin typeface="Menlo-Regular" panose="020B0609030804020204" pitchFamily="49" charset="0"/>
+              </a:rPr>
+              <a:t>L</a:t>
+            </a:r>
+            <a:r>
+              <a:rPr lang="en-US" sz="1600" dirty="0">
+                <a:solidFill>
+                  <a:srgbClr val="AA936E"/>
+                </a:solidFill>
+                <a:latin typeface="Menlo-Regular" panose="020B0609030804020204" pitchFamily="49" charset="0"/>
+              </a:rPr>
+              <a:t>(</a:t>
+            </a:r>
+            <a:r>
+              <a:rPr lang="en-US" sz="1600" dirty="0">
+                <a:solidFill>
+                  <a:srgbClr val="67D774"/>
+                </a:solidFill>
+                <a:latin typeface="Menlo-Regular" panose="020B0609030804020204" pitchFamily="49" charset="0"/>
+              </a:rPr>
+              <a:t>r</a:t>
+            </a:r>
+            <a:r>
+              <a:rPr lang="en-US" sz="1600" dirty="0">
+                <a:solidFill>
+                  <a:srgbClr val="4689CC"/>
+                </a:solidFill>
+                <a:latin typeface="Menlo-Regular" panose="020B0609030804020204" pitchFamily="49" charset="0"/>
+              </a:rPr>
+              <a:t>!</a:t>
+            </a:r>
+            <a:r>
+              <a:rPr lang="en-US" sz="1600" dirty="0">
+                <a:solidFill>
+                  <a:srgbClr val="89C17A"/>
+                </a:solidFill>
+                <a:latin typeface="Menlo-Regular" panose="020B0609030804020204" pitchFamily="49" charset="0"/>
+              </a:rPr>
+              <a:t>1</a:t>
+            </a:r>
+            <a:r>
+              <a:rPr lang="en-US" sz="1600" dirty="0">
+                <a:solidFill>
+                  <a:srgbClr val="8B3E6F"/>
+                </a:solidFill>
+                <a:latin typeface="Menlo-Regular" panose="020B0609030804020204" pitchFamily="49" charset="0"/>
+              </a:rPr>
+              <a:t>,</a:t>
+            </a:r>
+            <a:r>
+              <a:rPr lang="en-US" sz="1600" dirty="0">
+                <a:solidFill>
+                  <a:srgbClr val="67D774"/>
+                </a:solidFill>
+                <a:latin typeface="Menlo-Regular" panose="020B0609030804020204" pitchFamily="49" charset="0"/>
+              </a:rPr>
+              <a:t>r</a:t>
+            </a:r>
+            <a:r>
+              <a:rPr lang="en-US" sz="1600" dirty="0">
+                <a:solidFill>
+                  <a:srgbClr val="4689CC"/>
+                </a:solidFill>
+                <a:latin typeface="Menlo-Regular" panose="020B0609030804020204" pitchFamily="49" charset="0"/>
+              </a:rPr>
+              <a:t>!</a:t>
+            </a:r>
+            <a:r>
+              <a:rPr lang="en-US" sz="1600" dirty="0">
+                <a:solidFill>
+                  <a:srgbClr val="89C17A"/>
+                </a:solidFill>
+                <a:latin typeface="Menlo-Regular" panose="020B0609030804020204" pitchFamily="49" charset="0"/>
+              </a:rPr>
+              <a:t>+</a:t>
+            </a:r>
+            <a:r>
+              <a:rPr lang="en-US" sz="1600" dirty="0">
+                <a:solidFill>
+                  <a:srgbClr val="AA936E"/>
+                </a:solidFill>
+                <a:latin typeface="Menlo-Regular" panose="020B0609030804020204" pitchFamily="49" charset="0"/>
+              </a:rPr>
+              <a:t>)</a:t>
+            </a:r>
+            <a:r>
+              <a:rPr lang="en-US" sz="1600" dirty="0">
+                <a:solidFill>
+                  <a:srgbClr val="8B3E6F"/>
+                </a:solidFill>
+                <a:latin typeface="Menlo-Regular" panose="020B0609030804020204" pitchFamily="49" charset="0"/>
+              </a:rPr>
+              <a:t>.</a:t>
+            </a:r>
+            <a:r>
+              <a:rPr lang="en-US" sz="1600" dirty="0">
+                <a:solidFill>
+                  <a:srgbClr val="D1D1D1"/>
+                </a:solidFill>
+                <a:latin typeface="Menlo-Regular" panose="020B0609030804020204" pitchFamily="49" charset="0"/>
+              </a:rPr>
+              <a:t>R</a:t>
+            </a:r>
+            <a:r>
+              <a:rPr lang="en-US" sz="1600" dirty="0">
+                <a:solidFill>
+                  <a:srgbClr val="AA936E"/>
+                </a:solidFill>
+                <a:latin typeface="Menlo-Regular" panose="020B0609030804020204" pitchFamily="49" charset="0"/>
+              </a:rPr>
+              <a:t>(</a:t>
+            </a:r>
+            <a:r>
+              <a:rPr lang="en-US" sz="1600" dirty="0">
+                <a:solidFill>
+                  <a:srgbClr val="67D774"/>
+                </a:solidFill>
+                <a:latin typeface="Menlo-Regular" panose="020B0609030804020204" pitchFamily="49" charset="0"/>
+              </a:rPr>
+              <a:t>l</a:t>
+            </a:r>
+            <a:r>
+              <a:rPr lang="en-US" sz="1600" dirty="0">
+                <a:solidFill>
+                  <a:srgbClr val="4689CC"/>
+                </a:solidFill>
+                <a:latin typeface="Menlo-Regular" panose="020B0609030804020204" pitchFamily="49" charset="0"/>
+              </a:rPr>
+              <a:t>!</a:t>
+            </a:r>
+            <a:r>
+              <a:rPr lang="en-US" sz="1600" dirty="0">
+                <a:solidFill>
+                  <a:srgbClr val="89C17A"/>
+                </a:solidFill>
+                <a:latin typeface="Menlo-Regular" panose="020B0609030804020204" pitchFamily="49" charset="0"/>
+              </a:rPr>
+              <a:t>1</a:t>
+            </a:r>
+            <a:r>
+              <a:rPr lang="en-US" sz="1600" dirty="0">
+                <a:solidFill>
+                  <a:srgbClr val="AA936E"/>
+                </a:solidFill>
+                <a:latin typeface="Menlo-Regular" panose="020B0609030804020204" pitchFamily="49" charset="0"/>
+              </a:rPr>
+              <a:t>) </a:t>
+            </a:r>
+            <a:r>
+              <a:rPr lang="en-US" sz="1600" dirty="0">
+                <a:solidFill>
+                  <a:srgbClr val="8CD3FE"/>
+                </a:solidFill>
+                <a:latin typeface="Menlo-Regular" panose="020B0609030804020204" pitchFamily="49" charset="0"/>
+              </a:rPr>
+              <a:t>kp1</a:t>
+            </a:r>
+            <a:r>
+              <a:rPr lang="en-US" sz="1600" dirty="0">
+                <a:solidFill>
+                  <a:srgbClr val="8B3E6F"/>
+                </a:solidFill>
+                <a:latin typeface="Menlo-Regular" panose="020B0609030804020204" pitchFamily="49" charset="0"/>
+              </a:rPr>
+              <a:t>,</a:t>
+            </a:r>
+            <a:r>
+              <a:rPr lang="en-US" sz="1600" dirty="0">
+                <a:solidFill>
+                  <a:srgbClr val="AA936E"/>
+                </a:solidFill>
+                <a:latin typeface="Menlo-Regular" panose="020B0609030804020204" pitchFamily="49" charset="0"/>
+              </a:rPr>
+              <a:t> </a:t>
+            </a:r>
+            <a:r>
+              <a:rPr lang="en-US" sz="1600" dirty="0">
+                <a:solidFill>
+                  <a:srgbClr val="8CD3FE"/>
+                </a:solidFill>
+                <a:latin typeface="Menlo-Regular" panose="020B0609030804020204" pitchFamily="49" charset="0"/>
+              </a:rPr>
+              <a:t>km1</a:t>
+            </a:r>
+            <a:endParaRPr lang="en-US" sz="1600" b="0" dirty="0">
+              <a:solidFill>
+                <a:srgbClr val="B9A381"/>
+              </a:solidFill>
+              <a:effectLst/>
+              <a:latin typeface="Menlo" panose="020B0609030804020204" pitchFamily="49" charset="0"/>
+            </a:endParaRPr>
+          </a:p>
+        </p:txBody>
+      </p:sp>
+      <p:grpSp>
+        <p:nvGrpSpPr>
+          <p:cNvPr id="30" name="Group 29">
+            <a:extLst>
+              <a:ext uri="{FF2B5EF4-FFF2-40B4-BE49-F238E27FC236}">
+                <a16:creationId xmlns:a16="http://schemas.microsoft.com/office/drawing/2014/main" id="{E945ABCA-BCD3-7D0C-0014-F954E4E1D663}"/>
+              </a:ext>
+            </a:extLst>
+          </p:cNvPr>
+          <p:cNvGrpSpPr/>
+          <p:nvPr/>
+        </p:nvGrpSpPr>
+        <p:grpSpPr>
+          <a:xfrm>
+            <a:off x="1344916" y="2490639"/>
+            <a:ext cx="218663" cy="665105"/>
+            <a:chOff x="6251711" y="3300608"/>
+            <a:chExt cx="218663" cy="665105"/>
+          </a:xfrm>
+        </p:grpSpPr>
+        <p:sp>
+          <p:nvSpPr>
+            <p:cNvPr id="31" name="Rounded Rectangle 30">
+              <a:extLst>
+                <a:ext uri="{FF2B5EF4-FFF2-40B4-BE49-F238E27FC236}">
+                  <a16:creationId xmlns:a16="http://schemas.microsoft.com/office/drawing/2014/main" id="{41388ADA-6301-DC5F-FC00-3BB1BC7D92C8}"/>
+                </a:ext>
+              </a:extLst>
+            </p:cNvPr>
+            <p:cNvSpPr/>
+            <p:nvPr/>
+          </p:nvSpPr>
+          <p:spPr>
+            <a:xfrm>
+              <a:off x="6251711" y="3300608"/>
+              <a:ext cx="218663" cy="665105"/>
+            </a:xfrm>
+            <a:prstGeom prst="roundRect">
+              <a:avLst/>
+            </a:prstGeom>
+            <a:solidFill>
+              <a:schemeClr val="accent1">
+                <a:lumMod val="60000"/>
+                <a:lumOff val="40000"/>
+              </a:schemeClr>
+            </a:solidFill>
+          </p:spPr>
+          <p:style>
+            <a:lnRef idx="2">
+              <a:schemeClr val="accent1">
+                <a:shade val="50000"/>
+              </a:schemeClr>
+            </a:lnRef>
+            <a:fillRef idx="1">
+              <a:schemeClr val="accent1"/>
+            </a:fillRef>
+            <a:effectRef idx="0">
+              <a:schemeClr val="accent1"/>
+            </a:effectRef>
+            <a:fontRef idx="minor">
+              <a:schemeClr val="lt1"/>
+            </a:fontRef>
+          </p:style>
+          <p:txBody>
+            <a:bodyPr rtlCol="0" anchor="ctr"/>
+            <a:lstStyle/>
+            <a:p>
+              <a:pPr algn="ctr"/>
+              <a:endParaRPr lang="en-US"/>
+            </a:p>
+          </p:txBody>
+        </p:sp>
+        <p:sp>
+          <p:nvSpPr>
+            <p:cNvPr id="37" name="Oval 36">
+              <a:extLst>
+                <a:ext uri="{FF2B5EF4-FFF2-40B4-BE49-F238E27FC236}">
+                  <a16:creationId xmlns:a16="http://schemas.microsoft.com/office/drawing/2014/main" id="{2F22C3A3-9329-1E18-B31B-2207FCD6EAEC}"/>
+                </a:ext>
+              </a:extLst>
+            </p:cNvPr>
+            <p:cNvSpPr/>
+            <p:nvPr/>
+          </p:nvSpPr>
+          <p:spPr>
+            <a:xfrm>
+              <a:off x="6296846" y="3360242"/>
+              <a:ext cx="128392" cy="128392"/>
+            </a:xfrm>
+            <a:prstGeom prst="ellipse">
+              <a:avLst/>
+            </a:prstGeom>
+            <a:solidFill>
+              <a:schemeClr val="bg1"/>
+            </a:solidFill>
+            <a:ln>
+              <a:solidFill>
+                <a:schemeClr val="tx1"/>
+              </a:solidFill>
+            </a:ln>
+          </p:spPr>
+          <p:style>
+            <a:lnRef idx="2">
+              <a:schemeClr val="accent1">
+                <a:shade val="50000"/>
+              </a:schemeClr>
+            </a:lnRef>
+            <a:fillRef idx="1">
+              <a:schemeClr val="accent1"/>
+            </a:fillRef>
+            <a:effectRef idx="0">
+              <a:schemeClr val="accent1"/>
+            </a:effectRef>
+            <a:fontRef idx="minor">
+              <a:schemeClr val="lt1"/>
+            </a:fontRef>
+          </p:style>
+          <p:txBody>
+            <a:bodyPr rtlCol="0" anchor="ctr"/>
+            <a:lstStyle/>
+            <a:p>
+              <a:pPr algn="ctr"/>
+              <a:endParaRPr lang="en-US"/>
+            </a:p>
+          </p:txBody>
+        </p:sp>
+      </p:grpSp>
+      <p:grpSp>
+        <p:nvGrpSpPr>
+          <p:cNvPr id="38" name="Group 37">
+            <a:extLst>
+              <a:ext uri="{FF2B5EF4-FFF2-40B4-BE49-F238E27FC236}">
+                <a16:creationId xmlns:a16="http://schemas.microsoft.com/office/drawing/2014/main" id="{41A8DF1B-81A0-B271-F9B5-B2C041749971}"/>
+              </a:ext>
+            </a:extLst>
+          </p:cNvPr>
+          <p:cNvGrpSpPr/>
+          <p:nvPr/>
+        </p:nvGrpSpPr>
+        <p:grpSpPr>
+          <a:xfrm>
+            <a:off x="1518443" y="2062240"/>
+            <a:ext cx="476722" cy="252592"/>
+            <a:chOff x="2990779" y="2342337"/>
+            <a:chExt cx="476722" cy="252592"/>
+          </a:xfrm>
+        </p:grpSpPr>
+        <p:sp>
+          <p:nvSpPr>
+            <p:cNvPr id="39" name="Rounded Rectangle 38">
+              <a:extLst>
+                <a:ext uri="{FF2B5EF4-FFF2-40B4-BE49-F238E27FC236}">
+                  <a16:creationId xmlns:a16="http://schemas.microsoft.com/office/drawing/2014/main" id="{3907E813-598D-80AA-76DD-8B94E11F3B43}"/>
+                </a:ext>
+              </a:extLst>
+            </p:cNvPr>
+            <p:cNvSpPr/>
+            <p:nvPr/>
+          </p:nvSpPr>
+          <p:spPr>
+            <a:xfrm>
+              <a:off x="2990779" y="2342337"/>
+              <a:ext cx="476722" cy="252592"/>
+            </a:xfrm>
+            <a:prstGeom prst="roundRect">
+              <a:avLst/>
+            </a:prstGeom>
+            <a:solidFill>
+              <a:srgbClr val="FFC000"/>
+            </a:solidFill>
+          </p:spPr>
+          <p:style>
+            <a:lnRef idx="2">
+              <a:schemeClr val="accent1">
+                <a:shade val="50000"/>
+              </a:schemeClr>
+            </a:lnRef>
+            <a:fillRef idx="1">
+              <a:schemeClr val="accent1"/>
+            </a:fillRef>
+            <a:effectRef idx="0">
+              <a:schemeClr val="accent1"/>
+            </a:effectRef>
+            <a:fontRef idx="minor">
+              <a:schemeClr val="lt1"/>
+            </a:fontRef>
+          </p:style>
+          <p:txBody>
+            <a:bodyPr rtlCol="0" anchor="ctr"/>
+            <a:lstStyle/>
+            <a:p>
+              <a:pPr algn="ctr"/>
+              <a:endParaRPr lang="en-US"/>
+            </a:p>
+          </p:txBody>
+        </p:sp>
+        <p:sp>
+          <p:nvSpPr>
+            <p:cNvPr id="40" name="Oval 39">
+              <a:extLst>
+                <a:ext uri="{FF2B5EF4-FFF2-40B4-BE49-F238E27FC236}">
+                  <a16:creationId xmlns:a16="http://schemas.microsoft.com/office/drawing/2014/main" id="{CE710D85-2F54-7359-D1E3-849C27AA5934}"/>
+                </a:ext>
+              </a:extLst>
+            </p:cNvPr>
+            <p:cNvSpPr/>
+            <p:nvPr/>
+          </p:nvSpPr>
+          <p:spPr>
+            <a:xfrm>
+              <a:off x="3047109" y="2406903"/>
+              <a:ext cx="128392" cy="128392"/>
+            </a:xfrm>
+            <a:prstGeom prst="ellipse">
+              <a:avLst/>
+            </a:prstGeom>
+            <a:solidFill>
+              <a:schemeClr val="bg1"/>
+            </a:solidFill>
+            <a:ln>
+              <a:solidFill>
+                <a:schemeClr val="tx1"/>
+              </a:solidFill>
+            </a:ln>
+          </p:spPr>
+          <p:style>
+            <a:lnRef idx="2">
+              <a:schemeClr val="accent1">
+                <a:shade val="50000"/>
+              </a:schemeClr>
+            </a:lnRef>
+            <a:fillRef idx="1">
+              <a:schemeClr val="accent1"/>
+            </a:fillRef>
+            <a:effectRef idx="0">
+              <a:schemeClr val="accent1"/>
+            </a:effectRef>
+            <a:fontRef idx="minor">
+              <a:schemeClr val="lt1"/>
+            </a:fontRef>
+          </p:style>
+          <p:txBody>
+            <a:bodyPr rtlCol="0" anchor="ctr"/>
+            <a:lstStyle/>
+            <a:p>
+              <a:pPr algn="ctr"/>
+              <a:endParaRPr lang="en-US"/>
+            </a:p>
+          </p:txBody>
+        </p:sp>
+        <p:sp>
+          <p:nvSpPr>
+            <p:cNvPr id="41" name="Oval 40">
+              <a:extLst>
+                <a:ext uri="{FF2B5EF4-FFF2-40B4-BE49-F238E27FC236}">
+                  <a16:creationId xmlns:a16="http://schemas.microsoft.com/office/drawing/2014/main" id="{BB327152-4978-51A3-6689-9380D5AD71AC}"/>
+                </a:ext>
+              </a:extLst>
+            </p:cNvPr>
+            <p:cNvSpPr/>
+            <p:nvPr/>
+          </p:nvSpPr>
+          <p:spPr>
+            <a:xfrm>
+              <a:off x="3282780" y="2406903"/>
+              <a:ext cx="128392" cy="128392"/>
+            </a:xfrm>
+            <a:prstGeom prst="ellipse">
+              <a:avLst/>
+            </a:prstGeom>
+            <a:solidFill>
+              <a:schemeClr val="bg1"/>
+            </a:solidFill>
+            <a:ln>
+              <a:solidFill>
+                <a:schemeClr val="tx1"/>
+              </a:solidFill>
+            </a:ln>
+          </p:spPr>
+          <p:style>
+            <a:lnRef idx="2">
+              <a:schemeClr val="accent1">
+                <a:shade val="50000"/>
+              </a:schemeClr>
+            </a:lnRef>
+            <a:fillRef idx="1">
+              <a:schemeClr val="accent1"/>
+            </a:fillRef>
+            <a:effectRef idx="0">
+              <a:schemeClr val="accent1"/>
+            </a:effectRef>
+            <a:fontRef idx="minor">
+              <a:schemeClr val="lt1"/>
+            </a:fontRef>
+          </p:style>
+          <p:txBody>
+            <a:bodyPr rtlCol="0" anchor="ctr"/>
+            <a:lstStyle/>
+            <a:p>
+              <a:pPr algn="ctr"/>
+              <a:endParaRPr lang="en-US"/>
+            </a:p>
+          </p:txBody>
+        </p:sp>
+      </p:grpSp>
+      <p:cxnSp>
+        <p:nvCxnSpPr>
+          <p:cNvPr id="8" name="Straight Connector 7">
+            <a:extLst>
+              <a:ext uri="{FF2B5EF4-FFF2-40B4-BE49-F238E27FC236}">
+                <a16:creationId xmlns:a16="http://schemas.microsoft.com/office/drawing/2014/main" id="{4722A1A5-A3E9-0D61-B249-3FB08984EBC4}"/>
+              </a:ext>
+            </a:extLst>
+          </p:cNvPr>
+          <p:cNvCxnSpPr>
+            <a:stCxn id="41" idx="4"/>
+            <a:endCxn id="24" idx="0"/>
+          </p:cNvCxnSpPr>
+          <p:nvPr/>
+        </p:nvCxnSpPr>
+        <p:spPr>
+          <a:xfrm flipH="1">
+            <a:off x="1873273" y="2255198"/>
+            <a:ext cx="1367" cy="151822"/>
+          </a:xfrm>
+          <a:prstGeom prst="line">
+            <a:avLst/>
+          </a:prstGeom>
+          <a:ln w="28575">
+            <a:solidFill>
+              <a:schemeClr val="tx1"/>
+            </a:solidFill>
+          </a:ln>
+        </p:spPr>
+        <p:style>
+          <a:lnRef idx="1">
+            <a:schemeClr val="accent1"/>
+          </a:lnRef>
+          <a:fillRef idx="0">
+            <a:schemeClr val="accent1"/>
+          </a:fillRef>
+          <a:effectRef idx="0">
+            <a:schemeClr val="accent1"/>
+          </a:effectRef>
+          <a:fontRef idx="minor">
+            <a:schemeClr val="tx1"/>
+          </a:fontRef>
+        </p:style>
+      </p:cxnSp>
+      <p:sp>
+        <p:nvSpPr>
+          <p:cNvPr id="33" name="TextBox 32">
+            <a:extLst>
+              <a:ext uri="{FF2B5EF4-FFF2-40B4-BE49-F238E27FC236}">
+                <a16:creationId xmlns:a16="http://schemas.microsoft.com/office/drawing/2014/main" id="{BBD4F2FE-2D13-0D3F-54F6-7811B5E10142}"/>
+              </a:ext>
+            </a:extLst>
+          </p:cNvPr>
+          <p:cNvSpPr txBox="1"/>
+          <p:nvPr/>
+        </p:nvSpPr>
+        <p:spPr>
+          <a:xfrm>
+            <a:off x="4667153" y="3052500"/>
+            <a:ext cx="7241625" cy="830997"/>
+          </a:xfrm>
+          <a:prstGeom prst="rect">
+            <a:avLst/>
+          </a:prstGeom>
+          <a:noFill/>
+        </p:spPr>
+        <p:txBody>
+          <a:bodyPr wrap="square" rtlCol="0">
+            <a:spAutoFit/>
+          </a:bodyPr>
+          <a:lstStyle/>
+          <a:p>
+            <a:r>
+              <a:rPr lang="en-US" sz="2400" dirty="0"/>
+              <a:t>Each species must be initialized with compartment location:</a:t>
+            </a:r>
+          </a:p>
+        </p:txBody>
+      </p:sp>
+      <p:sp>
+        <p:nvSpPr>
+          <p:cNvPr id="9" name="TextBox 8">
+            <a:extLst>
+              <a:ext uri="{FF2B5EF4-FFF2-40B4-BE49-F238E27FC236}">
+                <a16:creationId xmlns:a16="http://schemas.microsoft.com/office/drawing/2014/main" id="{E8BED529-F89B-6951-3078-50446C79E616}"/>
+              </a:ext>
+            </a:extLst>
+          </p:cNvPr>
+          <p:cNvSpPr txBox="1"/>
+          <p:nvPr/>
+        </p:nvSpPr>
+        <p:spPr>
+          <a:xfrm>
+            <a:off x="6096000" y="3498032"/>
+            <a:ext cx="2795360" cy="1200329"/>
+          </a:xfrm>
+          <a:prstGeom prst="rect">
+            <a:avLst/>
+          </a:prstGeom>
+          <a:solidFill>
+            <a:schemeClr val="tx1"/>
+          </a:solidFill>
+        </p:spPr>
+        <p:txBody>
+          <a:bodyPr wrap="square" rtlCol="0">
+            <a:spAutoFit/>
+          </a:bodyPr>
+          <a:lstStyle/>
+          <a:p>
+            <a:r>
+              <a:rPr lang="en-US" dirty="0">
+                <a:solidFill>
+                  <a:srgbClr val="7266B3"/>
+                </a:solidFill>
+                <a:latin typeface="Menlo" panose="020B0609030804020204" pitchFamily="49" charset="0"/>
+              </a:rPr>
+              <a:t>begin</a:t>
+            </a:r>
+            <a:r>
+              <a:rPr lang="en-US" dirty="0">
+                <a:solidFill>
+                  <a:srgbClr val="B9A381"/>
+                </a:solidFill>
+                <a:latin typeface="Menlo" panose="020B0609030804020204" pitchFamily="49" charset="0"/>
+              </a:rPr>
+              <a:t> </a:t>
+            </a:r>
+            <a:r>
+              <a:rPr lang="en-US" dirty="0">
+                <a:solidFill>
+                  <a:srgbClr val="B36666"/>
+                </a:solidFill>
+                <a:latin typeface="Menlo" panose="020B0609030804020204" pitchFamily="49" charset="0"/>
+              </a:rPr>
+              <a:t>species</a:t>
+            </a:r>
+            <a:endParaRPr lang="en-US" dirty="0">
+              <a:solidFill>
+                <a:srgbClr val="D4D4D4"/>
+              </a:solidFill>
+              <a:latin typeface="Menlo" panose="020B0609030804020204" pitchFamily="49" charset="0"/>
+            </a:endParaRPr>
+          </a:p>
+          <a:p>
+            <a:r>
+              <a:rPr lang="en-US" dirty="0">
+                <a:solidFill>
+                  <a:srgbClr val="7ABEA4"/>
+                </a:solidFill>
+                <a:latin typeface="Menlo" panose="020B0609030804020204" pitchFamily="49" charset="0"/>
+              </a:rPr>
+              <a:t>  @</a:t>
+            </a:r>
+            <a:r>
+              <a:rPr lang="en-US" dirty="0">
+                <a:solidFill>
+                  <a:srgbClr val="DB6767"/>
+                </a:solidFill>
+                <a:latin typeface="Menlo" panose="020B0609030804020204" pitchFamily="49" charset="0"/>
+              </a:rPr>
+              <a:t>EC</a:t>
+            </a:r>
+            <a:r>
+              <a:rPr lang="en-US" dirty="0">
+                <a:solidFill>
+                  <a:srgbClr val="D4D4D4"/>
+                </a:solidFill>
+                <a:latin typeface="Menlo" panose="020B0609030804020204" pitchFamily="49" charset="0"/>
+              </a:rPr>
+              <a:t>:</a:t>
+            </a:r>
+            <a:r>
+              <a:rPr lang="en-US" dirty="0">
+                <a:solidFill>
+                  <a:srgbClr val="DADADA"/>
+                </a:solidFill>
+                <a:latin typeface="Menlo" panose="020B0609030804020204" pitchFamily="49" charset="0"/>
+              </a:rPr>
+              <a:t>L</a:t>
+            </a:r>
+            <a:r>
+              <a:rPr lang="en-US" dirty="0">
+                <a:solidFill>
+                  <a:srgbClr val="B9A381"/>
+                </a:solidFill>
+                <a:latin typeface="Menlo" panose="020B0609030804020204" pitchFamily="49" charset="0"/>
+              </a:rPr>
+              <a:t>(</a:t>
+            </a:r>
+            <a:r>
+              <a:rPr lang="en-US" dirty="0" err="1">
+                <a:solidFill>
+                  <a:srgbClr val="76DB87"/>
+                </a:solidFill>
+                <a:latin typeface="Menlo" panose="020B0609030804020204" pitchFamily="49" charset="0"/>
+              </a:rPr>
+              <a:t>r</a:t>
+            </a:r>
+            <a:r>
+              <a:rPr lang="en-US" dirty="0" err="1">
+                <a:solidFill>
+                  <a:srgbClr val="9E5482"/>
+                </a:solidFill>
+                <a:latin typeface="Menlo" panose="020B0609030804020204" pitchFamily="49" charset="0"/>
+              </a:rPr>
+              <a:t>,</a:t>
+            </a:r>
+            <a:r>
+              <a:rPr lang="en-US" dirty="0" err="1">
+                <a:solidFill>
+                  <a:srgbClr val="76DB87"/>
+                </a:solidFill>
+                <a:latin typeface="Menlo" panose="020B0609030804020204" pitchFamily="49" charset="0"/>
+              </a:rPr>
+              <a:t>r</a:t>
+            </a:r>
+            <a:r>
+              <a:rPr lang="en-US" dirty="0">
+                <a:solidFill>
+                  <a:srgbClr val="B9A381"/>
+                </a:solidFill>
+                <a:latin typeface="Menlo" panose="020B0609030804020204" pitchFamily="49" charset="0"/>
+              </a:rPr>
+              <a:t>) </a:t>
+            </a:r>
+            <a:r>
+              <a:rPr lang="en-US" dirty="0">
+                <a:solidFill>
+                  <a:srgbClr val="9CDCFE"/>
+                </a:solidFill>
+                <a:latin typeface="Menlo" panose="020B0609030804020204" pitchFamily="49" charset="0"/>
+              </a:rPr>
+              <a:t>L0</a:t>
+            </a:r>
+            <a:endParaRPr lang="en-US" dirty="0">
+              <a:solidFill>
+                <a:srgbClr val="D4D4D4"/>
+              </a:solidFill>
+              <a:latin typeface="Menlo" panose="020B0609030804020204" pitchFamily="49" charset="0"/>
+            </a:endParaRPr>
+          </a:p>
+          <a:p>
+            <a:r>
+              <a:rPr lang="en-US" dirty="0">
+                <a:solidFill>
+                  <a:srgbClr val="7ABEA4"/>
+                </a:solidFill>
+                <a:latin typeface="Menlo" panose="020B0609030804020204" pitchFamily="49" charset="0"/>
+              </a:rPr>
+              <a:t>  @</a:t>
+            </a:r>
+            <a:r>
+              <a:rPr lang="en-US" dirty="0">
+                <a:solidFill>
+                  <a:srgbClr val="DB6767"/>
+                </a:solidFill>
+                <a:latin typeface="Menlo" panose="020B0609030804020204" pitchFamily="49" charset="0"/>
+              </a:rPr>
+              <a:t>PM</a:t>
+            </a:r>
+            <a:r>
+              <a:rPr lang="en-US" dirty="0">
+                <a:solidFill>
+                  <a:srgbClr val="D4D4D4"/>
+                </a:solidFill>
+                <a:latin typeface="Menlo" panose="020B0609030804020204" pitchFamily="49" charset="0"/>
+              </a:rPr>
+              <a:t>:</a:t>
+            </a:r>
+            <a:r>
+              <a:rPr lang="en-US" dirty="0">
+                <a:solidFill>
+                  <a:srgbClr val="DADADA"/>
+                </a:solidFill>
+                <a:latin typeface="Menlo" panose="020B0609030804020204" pitchFamily="49" charset="0"/>
+              </a:rPr>
+              <a:t>R</a:t>
+            </a:r>
+            <a:r>
+              <a:rPr lang="en-US" dirty="0">
+                <a:solidFill>
+                  <a:srgbClr val="B9A381"/>
+                </a:solidFill>
+                <a:latin typeface="Menlo" panose="020B0609030804020204" pitchFamily="49" charset="0"/>
+              </a:rPr>
+              <a:t>(</a:t>
+            </a:r>
+            <a:r>
+              <a:rPr lang="en-US" dirty="0">
+                <a:solidFill>
+                  <a:srgbClr val="76DB87"/>
+                </a:solidFill>
+                <a:latin typeface="Menlo" panose="020B0609030804020204" pitchFamily="49" charset="0"/>
+              </a:rPr>
+              <a:t>l</a:t>
+            </a:r>
+            <a:r>
+              <a:rPr lang="en-US" dirty="0">
+                <a:solidFill>
+                  <a:srgbClr val="B9A381"/>
+                </a:solidFill>
+                <a:latin typeface="Menlo" panose="020B0609030804020204" pitchFamily="49" charset="0"/>
+              </a:rPr>
+              <a:t>) </a:t>
+            </a:r>
+            <a:r>
+              <a:rPr lang="en-US" dirty="0">
+                <a:solidFill>
+                  <a:srgbClr val="9CDCFE"/>
+                </a:solidFill>
+                <a:latin typeface="Menlo" panose="020B0609030804020204" pitchFamily="49" charset="0"/>
+              </a:rPr>
+              <a:t>R0</a:t>
+            </a:r>
+            <a:endParaRPr lang="en-US" dirty="0">
+              <a:solidFill>
+                <a:srgbClr val="D4D4D4"/>
+              </a:solidFill>
+              <a:latin typeface="Menlo" panose="020B0609030804020204" pitchFamily="49" charset="0"/>
+            </a:endParaRPr>
+          </a:p>
+          <a:p>
+            <a:r>
+              <a:rPr lang="en-US" dirty="0">
+                <a:solidFill>
+                  <a:srgbClr val="7266B3"/>
+                </a:solidFill>
+                <a:latin typeface="Menlo" panose="020B0609030804020204" pitchFamily="49" charset="0"/>
+              </a:rPr>
+              <a:t>end</a:t>
+            </a:r>
+            <a:r>
+              <a:rPr lang="en-US" dirty="0">
+                <a:solidFill>
+                  <a:srgbClr val="B9A381"/>
+                </a:solidFill>
+                <a:latin typeface="Menlo" panose="020B0609030804020204" pitchFamily="49" charset="0"/>
+              </a:rPr>
+              <a:t> </a:t>
+            </a:r>
+            <a:r>
+              <a:rPr lang="en-US" dirty="0">
+                <a:solidFill>
+                  <a:srgbClr val="B36666"/>
+                </a:solidFill>
+                <a:latin typeface="Menlo" panose="020B0609030804020204" pitchFamily="49" charset="0"/>
+              </a:rPr>
+              <a:t>species</a:t>
+            </a:r>
+            <a:endParaRPr lang="en-US" dirty="0">
+              <a:solidFill>
+                <a:srgbClr val="D4D4D4"/>
+              </a:solidFill>
+              <a:latin typeface="Menlo" panose="020B0609030804020204" pitchFamily="49" charset="0"/>
+            </a:endParaRPr>
+          </a:p>
+        </p:txBody>
+      </p:sp>
     </p:spTree>
     <p:extLst>
       <p:ext uri="{BB962C8B-B14F-4D97-AF65-F5344CB8AC3E}">
-        <p14:creationId xmlns:p14="http://schemas.microsoft.com/office/powerpoint/2010/main" val="2782990330"/>
+        <p14:creationId xmlns:p14="http://schemas.microsoft.com/office/powerpoint/2010/main" val="3283750378"/>
+      </p:ext>
+    </p:extLst>
+  </p:cSld>
+  <p:clrMapOvr>
+    <a:masterClrMapping/>
+  </p:clrMapOvr>
+  <p:timing>
+    <p:tnLst>
+      <p:par>
+        <p:cTn id="1" dur="indefinite" restart="never" nodeType="tmRoot">
+          <p:childTnLst>
+            <p:seq concurrent="1" nextAc="seek">
+              <p:cTn id="2" dur="indefinite" nodeType="mainSeq">
+                <p:childTnLst>
+                  <p:par>
+                    <p:cTn id="3" fill="hold">
+                      <p:stCondLst>
+                        <p:cond delay="indefinite"/>
+                      </p:stCondLst>
+                      <p:childTnLst>
+                        <p:par>
+                          <p:cTn id="4" fill="hold">
+                            <p:stCondLst>
+                              <p:cond delay="0"/>
+                            </p:stCondLst>
+                            <p:childTnLst>
+                              <p:par>
+                                <p:cTn id="5" presetID="1" presetClass="entr" presetSubtype="0" fill="hold" grpId="0" nodeType="clickEffect">
+                                  <p:stCondLst>
+                                    <p:cond delay="0"/>
+                                  </p:stCondLst>
+                                  <p:childTnLst>
+                                    <p:set>
+                                      <p:cBhvr>
+                                        <p:cTn id="6" dur="1" fill="hold">
+                                          <p:stCondLst>
+                                            <p:cond delay="0"/>
+                                          </p:stCondLst>
+                                        </p:cTn>
+                                        <p:tgtEl>
+                                          <p:spTgt spid="28"/>
+                                        </p:tgtEl>
+                                        <p:attrNameLst>
+                                          <p:attrName>style.visibility</p:attrName>
+                                        </p:attrNameLst>
+                                      </p:cBhvr>
+                                      <p:to>
+                                        <p:strVal val="visible"/>
+                                      </p:to>
+                                    </p:set>
+                                  </p:childTnLst>
+                                </p:cTn>
+                              </p:par>
+                              <p:par>
+                                <p:cTn id="7" presetID="1" presetClass="entr" presetSubtype="0" fill="hold" grpId="0" nodeType="withEffect">
+                                  <p:stCondLst>
+                                    <p:cond delay="0"/>
+                                  </p:stCondLst>
+                                  <p:childTnLst>
+                                    <p:set>
+                                      <p:cBhvr>
+                                        <p:cTn id="8" dur="1" fill="hold">
+                                          <p:stCondLst>
+                                            <p:cond delay="0"/>
+                                          </p:stCondLst>
+                                        </p:cTn>
+                                        <p:tgtEl>
+                                          <p:spTgt spid="32"/>
+                                        </p:tgtEl>
+                                        <p:attrNameLst>
+                                          <p:attrName>style.visibility</p:attrName>
+                                        </p:attrNameLst>
+                                      </p:cBhvr>
+                                      <p:to>
+                                        <p:strVal val="visible"/>
+                                      </p:to>
+                                    </p:set>
+                                  </p:childTnLst>
+                                </p:cTn>
+                              </p:par>
+                            </p:childTnLst>
+                          </p:cTn>
+                        </p:par>
+                      </p:childTnLst>
+                    </p:cTn>
+                  </p:par>
+                  <p:par>
+                    <p:cTn id="9" fill="hold">
+                      <p:stCondLst>
+                        <p:cond delay="indefinite"/>
+                      </p:stCondLst>
+                      <p:childTnLst>
+                        <p:par>
+                          <p:cTn id="10" fill="hold">
+                            <p:stCondLst>
+                              <p:cond delay="0"/>
+                            </p:stCondLst>
+                            <p:childTnLst>
+                              <p:par>
+                                <p:cTn id="11" presetID="1" presetClass="entr" presetSubtype="0" fill="hold" grpId="0" nodeType="clickEffect">
+                                  <p:stCondLst>
+                                    <p:cond delay="0"/>
+                                  </p:stCondLst>
+                                  <p:childTnLst>
+                                    <p:set>
+                                      <p:cBhvr>
+                                        <p:cTn id="12" dur="1" fill="hold">
+                                          <p:stCondLst>
+                                            <p:cond delay="0"/>
+                                          </p:stCondLst>
+                                        </p:cTn>
+                                        <p:tgtEl>
+                                          <p:spTgt spid="33"/>
+                                        </p:tgtEl>
+                                        <p:attrNameLst>
+                                          <p:attrName>style.visibility</p:attrName>
+                                        </p:attrNameLst>
+                                      </p:cBhvr>
+                                      <p:to>
+                                        <p:strVal val="visible"/>
+                                      </p:to>
+                                    </p:set>
+                                  </p:childTnLst>
+                                </p:cTn>
+                              </p:par>
+                              <p:par>
+                                <p:cTn id="13" presetID="1" presetClass="entr" presetSubtype="0" fill="hold" grpId="0" nodeType="withEffect">
+                                  <p:stCondLst>
+                                    <p:cond delay="0"/>
+                                  </p:stCondLst>
+                                  <p:childTnLst>
+                                    <p:set>
+                                      <p:cBhvr>
+                                        <p:cTn id="14" dur="1" fill="hold">
+                                          <p:stCondLst>
+                                            <p:cond delay="0"/>
+                                          </p:stCondLst>
+                                        </p:cTn>
+                                        <p:tgtEl>
+                                          <p:spTgt spid="9"/>
+                                        </p:tgtEl>
+                                        <p:attrNameLst>
+                                          <p:attrName>style.visibility</p:attrName>
+                                        </p:attrNameLst>
+                                      </p:cBhvr>
+                                      <p:to>
+                                        <p:strVal val="visible"/>
+                                      </p:to>
+                                    </p:set>
+                                  </p:childTnLst>
+                                </p:cTn>
+                              </p:par>
+                            </p:childTnLst>
+                          </p:cTn>
+                        </p:par>
+                      </p:childTnLst>
+                    </p:cTn>
+                  </p:par>
+                  <p:par>
+                    <p:cTn id="15" fill="hold">
+                      <p:stCondLst>
+                        <p:cond delay="indefinite"/>
+                      </p:stCondLst>
+                      <p:childTnLst>
+                        <p:par>
+                          <p:cTn id="16" fill="hold">
+                            <p:stCondLst>
+                              <p:cond delay="0"/>
+                            </p:stCondLst>
+                            <p:childTnLst>
+                              <p:par>
+                                <p:cTn id="17" presetID="1" presetClass="entr" presetSubtype="0" fill="hold" grpId="0" nodeType="clickEffect">
+                                  <p:stCondLst>
+                                    <p:cond delay="0"/>
+                                  </p:stCondLst>
+                                  <p:childTnLst>
+                                    <p:set>
+                                      <p:cBhvr>
+                                        <p:cTn id="18" dur="1" fill="hold">
+                                          <p:stCondLst>
+                                            <p:cond delay="0"/>
+                                          </p:stCondLst>
+                                        </p:cTn>
+                                        <p:tgtEl>
+                                          <p:spTgt spid="35"/>
+                                        </p:tgtEl>
+                                        <p:attrNameLst>
+                                          <p:attrName>style.visibility</p:attrName>
+                                        </p:attrNameLst>
+                                      </p:cBhvr>
+                                      <p:to>
+                                        <p:strVal val="visible"/>
+                                      </p:to>
+                                    </p:set>
+                                  </p:childTnLst>
+                                </p:cTn>
+                              </p:par>
+                              <p:par>
+                                <p:cTn id="19" presetID="1" presetClass="entr" presetSubtype="0" fill="hold" grpId="0" nodeType="withEffect">
+                                  <p:stCondLst>
+                                    <p:cond delay="0"/>
+                                  </p:stCondLst>
+                                  <p:childTnLst>
+                                    <p:set>
+                                      <p:cBhvr>
+                                        <p:cTn id="20" dur="1" fill="hold">
+                                          <p:stCondLst>
+                                            <p:cond delay="0"/>
+                                          </p:stCondLst>
+                                        </p:cTn>
+                                        <p:tgtEl>
+                                          <p:spTgt spid="36"/>
+                                        </p:tgtEl>
+                                        <p:attrNameLst>
+                                          <p:attrName>style.visibility</p:attrName>
+                                        </p:attrNameLst>
+                                      </p:cBhvr>
+                                      <p:to>
+                                        <p:strVal val="visible"/>
+                                      </p:to>
+                                    </p:set>
+                                  </p:childTnLst>
+                                </p:cTn>
+                              </p:par>
+                            </p:childTnLst>
+                          </p:cTn>
+                        </p:par>
+                      </p:childTnLst>
+                    </p:cTn>
+                  </p:par>
+                </p:childTnLst>
+              </p:cTn>
+              <p:prevCondLst>
+                <p:cond evt="onPrev" delay="0">
+                  <p:tgtEl>
+                    <p:sldTgt/>
+                  </p:tgtEl>
+                </p:cond>
+              </p:prevCondLst>
+              <p:nextCondLst>
+                <p:cond evt="onNext" delay="0">
+                  <p:tgtEl>
+                    <p:sldTgt/>
+                  </p:tgtEl>
+                </p:cond>
+              </p:nextCondLst>
+            </p:seq>
+          </p:childTnLst>
+        </p:cTn>
+      </p:par>
+    </p:tnLst>
+    <p:bldLst>
+      <p:bldP spid="28" grpId="0"/>
+      <p:bldP spid="32" grpId="0" animBg="1"/>
+      <p:bldP spid="35" grpId="0"/>
+      <p:bldP spid="36" grpId="0" animBg="1"/>
+      <p:bldP spid="33" grpId="0"/>
+      <p:bldP spid="9" grpId="0" animBg="1"/>
+    </p:bldLst>
+  </p:timing>
+</p:sld>
+</file>
+
+<file path=ppt/slides/slide15.xml><?xml version="1.0" encoding="utf-8"?>
+<p:sld xmlns:a="http://schemas.openxmlformats.org/drawingml/2006/main" xmlns:r="http://schemas.openxmlformats.org/officeDocument/2006/relationships" xmlns:p="http://schemas.openxmlformats.org/presentationml/2006/main">
+  <p:cSld>
+    <p:spTree>
+      <p:nvGrpSpPr>
+        <p:cNvPr id="1" name=""/>
+        <p:cNvGrpSpPr/>
+        <p:nvPr/>
+      </p:nvGrpSpPr>
+      <p:grpSpPr>
+        <a:xfrm>
+          <a:off x="0" y="0"/>
+          <a:ext cx="0" cy="0"/>
+          <a:chOff x="0" y="0"/>
+          <a:chExt cx="0" cy="0"/>
+        </a:xfrm>
+      </p:grpSpPr>
+      <p:sp>
+        <p:nvSpPr>
+          <p:cNvPr id="2" name="Title 1">
+            <a:extLst>
+              <a:ext uri="{FF2B5EF4-FFF2-40B4-BE49-F238E27FC236}">
+                <a16:creationId xmlns:a16="http://schemas.microsoft.com/office/drawing/2014/main" id="{552CC12D-3B62-AA4E-8D9C-DEE0E4C1AB69}"/>
+              </a:ext>
+            </a:extLst>
+          </p:cNvPr>
+          <p:cNvSpPr>
+            <a:spLocks noGrp="1"/>
+          </p:cNvSpPr>
+          <p:nvPr>
+            <p:ph type="title"/>
+          </p:nvPr>
+        </p:nvSpPr>
+        <p:spPr/>
+        <p:txBody>
+          <a:bodyPr/>
+          <a:lstStyle/>
+          <a:p>
+            <a:r>
+              <a:rPr lang="en-US" dirty="0"/>
+              <a:t>Sources of information about compartmental models</a:t>
+            </a:r>
+          </a:p>
+        </p:txBody>
+      </p:sp>
+      <p:sp>
+        <p:nvSpPr>
+          <p:cNvPr id="4" name="Content Placeholder 3">
+            <a:extLst>
+              <a:ext uri="{FF2B5EF4-FFF2-40B4-BE49-F238E27FC236}">
+                <a16:creationId xmlns:a16="http://schemas.microsoft.com/office/drawing/2014/main" id="{157A7146-96C2-214D-BE37-514B554F2A1B}"/>
+              </a:ext>
+            </a:extLst>
+          </p:cNvPr>
+          <p:cNvSpPr>
+            <a:spLocks noGrp="1"/>
+          </p:cNvSpPr>
+          <p:nvPr>
+            <p:ph idx="1"/>
+          </p:nvPr>
+        </p:nvSpPr>
+        <p:spPr>
+          <a:xfrm>
+            <a:off x="838200" y="1825625"/>
+            <a:ext cx="11208026" cy="4351338"/>
+          </a:xfrm>
+        </p:spPr>
+        <p:txBody>
+          <a:bodyPr/>
+          <a:lstStyle/>
+          <a:p>
+            <a:r>
+              <a:rPr lang="en-US" dirty="0">
+                <a:hlinkClick r:id="rId2"/>
+              </a:rPr>
+              <a:t>bionetgen.org </a:t>
+            </a:r>
+            <a:r>
+              <a:rPr lang="en-US" dirty="0"/>
+              <a:t>– Main website for </a:t>
+            </a:r>
+            <a:r>
+              <a:rPr lang="en-US" dirty="0" err="1"/>
+              <a:t>BioNetGen</a:t>
+            </a:r>
+            <a:endParaRPr lang="en-US" dirty="0"/>
+          </a:p>
+          <a:p>
+            <a:r>
+              <a:rPr lang="en-US" dirty="0">
+                <a:hlinkClick r:id="rId3"/>
+              </a:rPr>
+              <a:t>bionetgen.org/tutorial</a:t>
+            </a:r>
+            <a:r>
+              <a:rPr lang="en-US" dirty="0"/>
+              <a:t> – Extensive examples with documentation</a:t>
+            </a:r>
+          </a:p>
+          <a:p>
+            <a:pPr lvl="1"/>
+            <a:r>
+              <a:rPr lang="en-US" dirty="0"/>
+              <a:t>Simple compartmental models are </a:t>
+            </a:r>
+            <a:r>
+              <a:rPr lang="en-US" dirty="0">
+                <a:hlinkClick r:id="rId4"/>
+              </a:rPr>
+              <a:t>here</a:t>
+            </a:r>
+            <a:r>
+              <a:rPr lang="en-US" dirty="0"/>
+              <a:t>.</a:t>
+            </a:r>
+          </a:p>
+          <a:p>
+            <a:pPr lvl="1"/>
+            <a:endParaRPr lang="en-US" dirty="0"/>
+          </a:p>
+          <a:p>
+            <a:pPr lvl="1"/>
+            <a:endParaRPr lang="en-US" dirty="0"/>
+          </a:p>
+          <a:p>
+            <a:pPr lvl="1"/>
+            <a:endParaRPr lang="en-US" dirty="0"/>
+          </a:p>
+          <a:p>
+            <a:r>
+              <a:rPr lang="en-US" dirty="0">
+                <a:hlinkClick r:id="rId5"/>
+              </a:rPr>
+              <a:t>Quick Reference Guide</a:t>
+            </a:r>
+            <a:r>
+              <a:rPr lang="en-US" dirty="0"/>
+              <a:t>*– Handy overview of model syntax and conventions</a:t>
+            </a:r>
+          </a:p>
+          <a:p>
+            <a:r>
+              <a:rPr lang="en-US" dirty="0">
+                <a:hlinkClick r:id="rId6"/>
+              </a:rPr>
+              <a:t>Actions and Arguments Guide</a:t>
+            </a:r>
+            <a:r>
+              <a:rPr lang="en-US" dirty="0"/>
+              <a:t>*– Full documentation of </a:t>
+            </a:r>
+            <a:r>
+              <a:rPr lang="en-US" sz="2400" dirty="0">
+                <a:latin typeface="Monaco" pitchFamily="2" charset="77"/>
+              </a:rPr>
+              <a:t>action</a:t>
+            </a:r>
+            <a:r>
+              <a:rPr lang="en-US" dirty="0"/>
+              <a:t> syntax.</a:t>
+            </a:r>
+          </a:p>
+          <a:p>
+            <a:endParaRPr lang="en-US" dirty="0"/>
+          </a:p>
+        </p:txBody>
+      </p:sp>
+      <p:sp>
+        <p:nvSpPr>
+          <p:cNvPr id="3" name="Slide Number Placeholder 2">
+            <a:extLst>
+              <a:ext uri="{FF2B5EF4-FFF2-40B4-BE49-F238E27FC236}">
+                <a16:creationId xmlns:a16="http://schemas.microsoft.com/office/drawing/2014/main" id="{32774C4C-781B-5A4A-9E23-9A9B4F30D65F}"/>
+              </a:ext>
+            </a:extLst>
+          </p:cNvPr>
+          <p:cNvSpPr>
+            <a:spLocks noGrp="1"/>
+          </p:cNvSpPr>
+          <p:nvPr>
+            <p:ph type="sldNum" sz="quarter" idx="12"/>
+          </p:nvPr>
+        </p:nvSpPr>
+        <p:spPr/>
+        <p:txBody>
+          <a:bodyPr/>
+          <a:lstStyle/>
+          <a:p>
+            <a:fld id="{ACBFD042-C91F-404F-967F-80F6580C454E}" type="slidenum">
+              <a:rPr lang="en-US" smtClean="0"/>
+              <a:t>15</a:t>
+            </a:fld>
+            <a:endParaRPr lang="en-US"/>
+          </a:p>
+        </p:txBody>
+      </p:sp>
+      <p:sp>
+        <p:nvSpPr>
+          <p:cNvPr id="5" name="TextBox 4">
+            <a:extLst>
+              <a:ext uri="{FF2B5EF4-FFF2-40B4-BE49-F238E27FC236}">
+                <a16:creationId xmlns:a16="http://schemas.microsoft.com/office/drawing/2014/main" id="{5600E5DB-4CB5-B246-A0D1-4438234516D9}"/>
+              </a:ext>
+            </a:extLst>
+          </p:cNvPr>
+          <p:cNvSpPr txBox="1"/>
+          <p:nvPr/>
+        </p:nvSpPr>
+        <p:spPr>
+          <a:xfrm>
+            <a:off x="5218044" y="6356350"/>
+            <a:ext cx="5365828" cy="369332"/>
+          </a:xfrm>
+          <a:prstGeom prst="rect">
+            <a:avLst/>
+          </a:prstGeom>
+          <a:noFill/>
+        </p:spPr>
+        <p:txBody>
+          <a:bodyPr wrap="none" rtlCol="0">
+            <a:spAutoFit/>
+          </a:bodyPr>
+          <a:lstStyle/>
+          <a:p>
+            <a:r>
+              <a:rPr lang="en-US" dirty="0"/>
+              <a:t>*Use links on </a:t>
+            </a:r>
+            <a:r>
+              <a:rPr lang="en-US" dirty="0" err="1"/>
+              <a:t>bionetgen.org</a:t>
+            </a:r>
+            <a:r>
+              <a:rPr lang="en-US" dirty="0"/>
+              <a:t> as they may have changed.</a:t>
+            </a:r>
+          </a:p>
+        </p:txBody>
+      </p:sp>
+      <p:pic>
+        <p:nvPicPr>
+          <p:cNvPr id="6" name="Picture 5">
+            <a:extLst>
+              <a:ext uri="{FF2B5EF4-FFF2-40B4-BE49-F238E27FC236}">
+                <a16:creationId xmlns:a16="http://schemas.microsoft.com/office/drawing/2014/main" id="{586DB9C9-8479-9E47-A889-CFE63D78FC5A}"/>
+              </a:ext>
+            </a:extLst>
+          </p:cNvPr>
+          <p:cNvPicPr>
+            <a:picLocks noChangeAspect="1"/>
+          </p:cNvPicPr>
+          <p:nvPr/>
+        </p:nvPicPr>
+        <p:blipFill>
+          <a:blip r:embed="rId7"/>
+          <a:stretch>
+            <a:fillRect/>
+          </a:stretch>
+        </p:blipFill>
+        <p:spPr>
+          <a:xfrm>
+            <a:off x="7043351" y="2814826"/>
+            <a:ext cx="4127157" cy="1561935"/>
+          </a:xfrm>
+          <a:prstGeom prst="rect">
+            <a:avLst/>
+          </a:prstGeom>
+        </p:spPr>
+      </p:pic>
+    </p:spTree>
+    <p:extLst>
+      <p:ext uri="{BB962C8B-B14F-4D97-AF65-F5344CB8AC3E}">
+        <p14:creationId xmlns:p14="http://schemas.microsoft.com/office/powerpoint/2010/main" val="3223791030"/>
       </p:ext>
     </p:extLst>
   </p:cSld>
